--- a/用的圖.pptx
+++ b/用的圖.pptx
@@ -159,7 +159,7 @@
         <a:lstStyle/>
         <a:p>
           <a:pPr>
-            <a:defRPr sz="1400" b="1" i="0" u="none" strike="noStrike" kern="1200" spc="0" baseline="0">
+            <a:defRPr sz="1400" b="0" i="0" u="none" strike="noStrike" kern="1200" spc="0" baseline="0">
               <a:solidFill>
                 <a:schemeClr val="tx1">
                   <a:lumMod val="65000"/>
@@ -521,11 +521,11 @@
           <c:showBubbleSize val="0"/>
         </c:dLbls>
         <c:smooth val="0"/>
-        <c:axId val="152209904"/>
-        <c:axId val="152208728"/>
+        <c:axId val="151948576"/>
+        <c:axId val="151943872"/>
       </c:lineChart>
       <c:catAx>
-        <c:axId val="152209904"/>
+        <c:axId val="151948576"/>
         <c:scaling>
           <c:orientation val="minMax"/>
         </c:scaling>
@@ -534,7 +534,7 @@
         <c:majorTickMark val="none"/>
         <c:minorTickMark val="none"/>
         <c:tickLblPos val="nextTo"/>
-        <c:crossAx val="152208728"/>
+        <c:crossAx val="151943872"/>
         <c:crosses val="autoZero"/>
         <c:auto val="1"/>
         <c:lblAlgn val="ctr"/>
@@ -542,7 +542,7 @@
         <c:noMultiLvlLbl val="0"/>
       </c:catAx>
       <c:valAx>
-        <c:axId val="152208728"/>
+        <c:axId val="151943872"/>
         <c:scaling>
           <c:orientation val="minMax"/>
         </c:scaling>
@@ -566,7 +566,7 @@
         <c:majorTickMark val="none"/>
         <c:minorTickMark val="none"/>
         <c:tickLblPos val="nextTo"/>
-        <c:crossAx val="152209904"/>
+        <c:crossAx val="151948576"/>
         <c:crosses val="autoZero"/>
         <c:crossBetween val="between"/>
       </c:valAx>
@@ -643,7 +643,7 @@
         <a:lstStyle/>
         <a:p>
           <a:pPr>
-            <a:defRPr sz="1400" b="1" i="0" u="none" strike="noStrike" kern="1200" spc="0" baseline="0">
+            <a:defRPr sz="1400" b="0" i="0" u="none" strike="noStrike" kern="1200" spc="0" baseline="0">
               <a:solidFill>
                 <a:schemeClr val="tx1">
                   <a:lumMod val="65000"/>
@@ -1005,11 +1005,11 @@
           <c:showBubbleSize val="0"/>
         </c:dLbls>
         <c:smooth val="0"/>
-        <c:axId val="152202456"/>
-        <c:axId val="152209512"/>
+        <c:axId val="151945832"/>
+        <c:axId val="151941912"/>
       </c:lineChart>
       <c:catAx>
-        <c:axId val="152202456"/>
+        <c:axId val="151945832"/>
         <c:scaling>
           <c:orientation val="minMax"/>
         </c:scaling>
@@ -1018,7 +1018,7 @@
         <c:majorTickMark val="none"/>
         <c:minorTickMark val="none"/>
         <c:tickLblPos val="nextTo"/>
-        <c:crossAx val="152209512"/>
+        <c:crossAx val="151941912"/>
         <c:crosses val="autoZero"/>
         <c:auto val="1"/>
         <c:lblAlgn val="ctr"/>
@@ -1026,7 +1026,7 @@
         <c:noMultiLvlLbl val="0"/>
       </c:catAx>
       <c:valAx>
-        <c:axId val="152209512"/>
+        <c:axId val="151941912"/>
         <c:scaling>
           <c:orientation val="minMax"/>
         </c:scaling>
@@ -1050,7 +1050,7 @@
         <c:majorTickMark val="none"/>
         <c:minorTickMark val="none"/>
         <c:tickLblPos val="nextTo"/>
-        <c:crossAx val="152202456"/>
+        <c:crossAx val="151945832"/>
         <c:crosses val="autoZero"/>
         <c:crossBetween val="between"/>
       </c:valAx>
@@ -2334,7 +2334,7 @@
           <a:p>
             <a:fld id="{EF3E35CF-46E8-4B78-9172-E70D6DBF6270}" type="datetimeFigureOut">
               <a:rPr lang="zh-TW" altLang="en-US" smtClean="0"/>
-              <a:t>2023/3/6</a:t>
+              <a:t>2023/3/8</a:t>
             </a:fld>
             <a:endParaRPr lang="zh-TW" altLang="en-US"/>
           </a:p>
@@ -2504,7 +2504,7 @@
           <a:p>
             <a:fld id="{EF3E35CF-46E8-4B78-9172-E70D6DBF6270}" type="datetimeFigureOut">
               <a:rPr lang="zh-TW" altLang="en-US" smtClean="0"/>
-              <a:t>2023/3/6</a:t>
+              <a:t>2023/3/8</a:t>
             </a:fld>
             <a:endParaRPr lang="zh-TW" altLang="en-US"/>
           </a:p>
@@ -2684,7 +2684,7 @@
           <a:p>
             <a:fld id="{EF3E35CF-46E8-4B78-9172-E70D6DBF6270}" type="datetimeFigureOut">
               <a:rPr lang="zh-TW" altLang="en-US" smtClean="0"/>
-              <a:t>2023/3/6</a:t>
+              <a:t>2023/3/8</a:t>
             </a:fld>
             <a:endParaRPr lang="zh-TW" altLang="en-US"/>
           </a:p>
@@ -2854,7 +2854,7 @@
           <a:p>
             <a:fld id="{EF3E35CF-46E8-4B78-9172-E70D6DBF6270}" type="datetimeFigureOut">
               <a:rPr lang="zh-TW" altLang="en-US" smtClean="0"/>
-              <a:t>2023/3/6</a:t>
+              <a:t>2023/3/8</a:t>
             </a:fld>
             <a:endParaRPr lang="zh-TW" altLang="en-US"/>
           </a:p>
@@ -3100,7 +3100,7 @@
           <a:p>
             <a:fld id="{EF3E35CF-46E8-4B78-9172-E70D6DBF6270}" type="datetimeFigureOut">
               <a:rPr lang="zh-TW" altLang="en-US" smtClean="0"/>
-              <a:t>2023/3/6</a:t>
+              <a:t>2023/3/8</a:t>
             </a:fld>
             <a:endParaRPr lang="zh-TW" altLang="en-US"/>
           </a:p>
@@ -3332,7 +3332,7 @@
           <a:p>
             <a:fld id="{EF3E35CF-46E8-4B78-9172-E70D6DBF6270}" type="datetimeFigureOut">
               <a:rPr lang="zh-TW" altLang="en-US" smtClean="0"/>
-              <a:t>2023/3/6</a:t>
+              <a:t>2023/3/8</a:t>
             </a:fld>
             <a:endParaRPr lang="zh-TW" altLang="en-US"/>
           </a:p>
@@ -3699,7 +3699,7 @@
           <a:p>
             <a:fld id="{EF3E35CF-46E8-4B78-9172-E70D6DBF6270}" type="datetimeFigureOut">
               <a:rPr lang="zh-TW" altLang="en-US" smtClean="0"/>
-              <a:t>2023/3/6</a:t>
+              <a:t>2023/3/8</a:t>
             </a:fld>
             <a:endParaRPr lang="zh-TW" altLang="en-US"/>
           </a:p>
@@ -3817,7 +3817,7 @@
           <a:p>
             <a:fld id="{EF3E35CF-46E8-4B78-9172-E70D6DBF6270}" type="datetimeFigureOut">
               <a:rPr lang="zh-TW" altLang="en-US" smtClean="0"/>
-              <a:t>2023/3/6</a:t>
+              <a:t>2023/3/8</a:t>
             </a:fld>
             <a:endParaRPr lang="zh-TW" altLang="en-US"/>
           </a:p>
@@ -3912,7 +3912,7 @@
           <a:p>
             <a:fld id="{EF3E35CF-46E8-4B78-9172-E70D6DBF6270}" type="datetimeFigureOut">
               <a:rPr lang="zh-TW" altLang="en-US" smtClean="0"/>
-              <a:t>2023/3/6</a:t>
+              <a:t>2023/3/8</a:t>
             </a:fld>
             <a:endParaRPr lang="zh-TW" altLang="en-US"/>
           </a:p>
@@ -4189,7 +4189,7 @@
           <a:p>
             <a:fld id="{EF3E35CF-46E8-4B78-9172-E70D6DBF6270}" type="datetimeFigureOut">
               <a:rPr lang="zh-TW" altLang="en-US" smtClean="0"/>
-              <a:t>2023/3/6</a:t>
+              <a:t>2023/3/8</a:t>
             </a:fld>
             <a:endParaRPr lang="zh-TW" altLang="en-US"/>
           </a:p>
@@ -4442,7 +4442,7 @@
           <a:p>
             <a:fld id="{EF3E35CF-46E8-4B78-9172-E70D6DBF6270}" type="datetimeFigureOut">
               <a:rPr lang="zh-TW" altLang="en-US" smtClean="0"/>
-              <a:t>2023/3/6</a:t>
+              <a:t>2023/3/8</a:t>
             </a:fld>
             <a:endParaRPr lang="zh-TW" altLang="en-US"/>
           </a:p>
@@ -4655,7 +4655,7 @@
           <a:p>
             <a:fld id="{EF3E35CF-46E8-4B78-9172-E70D6DBF6270}" type="datetimeFigureOut">
               <a:rPr lang="zh-TW" altLang="en-US" smtClean="0"/>
-              <a:t>2023/3/6</a:t>
+              <a:t>2023/3/8</a:t>
             </a:fld>
             <a:endParaRPr lang="zh-TW" altLang="en-US"/>
           </a:p>
@@ -6883,153 +6883,6 @@
       </p:grpSpPr>
       <p:sp>
         <p:nvSpPr>
-          <p:cNvPr id="4" name="圓角矩形 3"/>
-          <p:cNvSpPr/>
-          <p:nvPr/>
-        </p:nvSpPr>
-        <p:spPr>
-          <a:xfrm>
-            <a:off x="914400" y="2394446"/>
-            <a:ext cx="10294884" cy="1546934"/>
-          </a:xfrm>
-          <a:prstGeom prst="roundRect">
-            <a:avLst/>
-          </a:prstGeom>
-          <a:solidFill>
-            <a:srgbClr val="CCECFF"/>
-          </a:solidFill>
-        </p:spPr>
-        <p:style>
-          <a:lnRef idx="2">
-            <a:schemeClr val="accent1">
-              <a:shade val="50000"/>
-            </a:schemeClr>
-          </a:lnRef>
-          <a:fillRef idx="1">
-            <a:schemeClr val="accent1"/>
-          </a:fillRef>
-          <a:effectRef idx="0">
-            <a:schemeClr val="accent1"/>
-          </a:effectRef>
-          <a:fontRef idx="minor">
-            <a:schemeClr val="lt1"/>
-          </a:fontRef>
-        </p:style>
-        <p:txBody>
-          <a:bodyPr rtlCol="0" anchor="ctr"/>
-          <a:lstStyle/>
-          <a:p>
-            <a:pPr algn="ctr"/>
-            <a:endParaRPr lang="zh-TW" altLang="en-US"/>
-          </a:p>
-        </p:txBody>
-      </p:sp>
-      <p:sp>
-        <p:nvSpPr>
-          <p:cNvPr id="5" name="矩形 4"/>
-          <p:cNvSpPr/>
-          <p:nvPr/>
-        </p:nvSpPr>
-        <p:spPr>
-          <a:xfrm>
-            <a:off x="1182412" y="2798379"/>
-            <a:ext cx="2144112" cy="1024759"/>
-          </a:xfrm>
-          <a:prstGeom prst="rect">
-            <a:avLst/>
-          </a:prstGeom>
-          <a:solidFill>
-            <a:srgbClr val="FFFF99"/>
-          </a:solidFill>
-        </p:spPr>
-        <p:style>
-          <a:lnRef idx="2">
-            <a:schemeClr val="accent1">
-              <a:shade val="50000"/>
-            </a:schemeClr>
-          </a:lnRef>
-          <a:fillRef idx="1">
-            <a:schemeClr val="accent1"/>
-          </a:fillRef>
-          <a:effectRef idx="0">
-            <a:schemeClr val="accent1"/>
-          </a:effectRef>
-          <a:fontRef idx="minor">
-            <a:schemeClr val="lt1"/>
-          </a:fontRef>
-        </p:style>
-        <p:txBody>
-          <a:bodyPr rtlCol="0" anchor="ctr"/>
-          <a:lstStyle/>
-          <a:p>
-            <a:pPr marL="285750" indent="-285750" algn="ctr">
-              <a:buFont typeface="Wingdings" panose="05000000000000000000" pitchFamily="2" charset="2"/>
-              <a:buChar char="l"/>
-            </a:pPr>
-            <a:r>
-              <a:rPr lang="zh-TW" altLang="en-US" dirty="0" smtClean="0">
-                <a:solidFill>
-                  <a:schemeClr val="tx1"/>
-                </a:solidFill>
-              </a:rPr>
-              <a:t>病媒蚊密度指數</a:t>
-            </a:r>
-            <a:endParaRPr lang="en-US" altLang="zh-TW" dirty="0" smtClean="0">
-              <a:solidFill>
-                <a:schemeClr val="tx1"/>
-              </a:solidFill>
-            </a:endParaRPr>
-          </a:p>
-          <a:p>
-            <a:pPr marL="285750" indent="-285750">
-              <a:buFont typeface="Wingdings" panose="05000000000000000000" pitchFamily="2" charset="2"/>
-              <a:buChar char="l"/>
-            </a:pPr>
-            <a:r>
-              <a:rPr lang="zh-TW" altLang="en-US" dirty="0">
-                <a:solidFill>
-                  <a:schemeClr val="tx1"/>
-                </a:solidFill>
-              </a:rPr>
-              <a:t>誘</a:t>
-            </a:r>
-            <a:r>
-              <a:rPr lang="zh-TW" altLang="en-US" dirty="0" smtClean="0">
-                <a:solidFill>
-                  <a:schemeClr val="tx1"/>
-                </a:solidFill>
-              </a:rPr>
-              <a:t>卵桶指數</a:t>
-            </a:r>
-            <a:endParaRPr lang="en-US" altLang="zh-TW" dirty="0" smtClean="0">
-              <a:solidFill>
-                <a:schemeClr val="tx1"/>
-              </a:solidFill>
-            </a:endParaRPr>
-          </a:p>
-          <a:p>
-            <a:pPr marL="285750" indent="-285750">
-              <a:buFont typeface="Wingdings" panose="05000000000000000000" pitchFamily="2" charset="2"/>
-              <a:buChar char="l"/>
-            </a:pPr>
-            <a:r>
-              <a:rPr lang="zh-TW" altLang="en-US" dirty="0" smtClean="0">
-                <a:solidFill>
-                  <a:schemeClr val="tx1"/>
-                </a:solidFill>
-              </a:rPr>
-              <a:t>人口密度</a:t>
-            </a:r>
-            <a:endParaRPr lang="zh-TW" altLang="en-US" dirty="0">
-              <a:solidFill>
-                <a:schemeClr val="tx1"/>
-              </a:solidFill>
-            </a:endParaRPr>
-          </a:p>
-        </p:txBody>
-      </p:sp>
-      <p:sp>
-        <p:nvSpPr>
           <p:cNvPr id="6" name="文字方塊 5"/>
           <p:cNvSpPr txBox="1"/>
           <p:nvPr/>
@@ -7062,553 +6915,715 @@
           </a:p>
         </p:txBody>
       </p:sp>
-      <p:sp>
-        <p:nvSpPr>
-          <p:cNvPr id="7" name="文字方塊 6"/>
-          <p:cNvSpPr txBox="1"/>
+      <p:grpSp>
+        <p:nvGrpSpPr>
+          <p:cNvPr id="14" name="群組 13"/>
+          <p:cNvGrpSpPr/>
           <p:nvPr/>
-        </p:nvSpPr>
-        <p:spPr>
+        </p:nvGrpSpPr>
+        <p:grpSpPr>
           <a:xfrm>
-            <a:off x="1674822" y="2396358"/>
-            <a:ext cx="1159292" cy="400110"/>
+            <a:off x="1098034" y="2394446"/>
+            <a:ext cx="10022208" cy="1598005"/>
+            <a:chOff x="1098034" y="2394446"/>
+            <a:chExt cx="10022208" cy="1598005"/>
           </a:xfrm>
-          <a:prstGeom prst="rect">
-            <a:avLst/>
-          </a:prstGeom>
-          <a:noFill/>
-        </p:spPr>
-        <p:txBody>
-          <a:bodyPr wrap="none" rtlCol="0">
-            <a:spAutoFit/>
-          </a:bodyPr>
-          <a:lstStyle/>
-          <a:p>
-            <a:r>
-              <a:rPr lang="zh-TW" altLang="en-US" sz="2000" b="1" dirty="0" smtClean="0"/>
-              <a:t>資料</a:t>
-            </a:r>
-            <a:r>
-              <a:rPr lang="zh-TW" altLang="en-US" b="1" dirty="0" smtClean="0"/>
-              <a:t>收集</a:t>
-            </a:r>
-            <a:endParaRPr lang="zh-TW" altLang="en-US" b="1" dirty="0"/>
-          </a:p>
-        </p:txBody>
-      </p:sp>
-      <p:sp>
-        <p:nvSpPr>
-          <p:cNvPr id="8" name="矩形 7"/>
-          <p:cNvSpPr/>
-          <p:nvPr/>
-        </p:nvSpPr>
-        <p:spPr>
-          <a:xfrm>
-            <a:off x="3752192" y="2794556"/>
-            <a:ext cx="2144112" cy="1024759"/>
-          </a:xfrm>
-          <a:prstGeom prst="rect">
-            <a:avLst/>
-          </a:prstGeom>
-          <a:solidFill>
-            <a:srgbClr val="FFFF99"/>
-          </a:solidFill>
-        </p:spPr>
-        <p:style>
-          <a:lnRef idx="2">
-            <a:schemeClr val="accent1">
-              <a:shade val="50000"/>
-            </a:schemeClr>
-          </a:lnRef>
-          <a:fillRef idx="1">
-            <a:schemeClr val="accent1"/>
-          </a:fillRef>
-          <a:effectRef idx="0">
-            <a:schemeClr val="accent1"/>
-          </a:effectRef>
-          <a:fontRef idx="minor">
-            <a:schemeClr val="lt1"/>
-          </a:fontRef>
-        </p:style>
-        <p:txBody>
-          <a:bodyPr rtlCol="0" anchor="ctr"/>
-          <a:lstStyle/>
-          <a:p>
-            <a:pPr marL="285750" indent="-285750">
-              <a:buFont typeface="Wingdings" panose="05000000000000000000" pitchFamily="2" charset="2"/>
-              <a:buChar char="l"/>
-            </a:pPr>
-            <a:r>
-              <a:rPr lang="zh-TW" altLang="en-US" dirty="0" smtClean="0">
+        </p:grpSpPr>
+        <p:sp>
+          <p:nvSpPr>
+            <p:cNvPr id="3" name="矩形 2"/>
+            <p:cNvSpPr/>
+            <p:nvPr/>
+          </p:nvSpPr>
+          <p:spPr>
+            <a:xfrm>
+              <a:off x="1098034" y="2394446"/>
+              <a:ext cx="10022208" cy="1598005"/>
+            </a:xfrm>
+            <a:prstGeom prst="rect">
+              <a:avLst/>
+            </a:prstGeom>
+            <a:solidFill>
+              <a:schemeClr val="bg1"/>
+            </a:solidFill>
+          </p:spPr>
+          <p:style>
+            <a:lnRef idx="2">
+              <a:schemeClr val="accent1">
+                <a:shade val="50000"/>
+              </a:schemeClr>
+            </a:lnRef>
+            <a:fillRef idx="1">
+              <a:schemeClr val="accent1"/>
+            </a:fillRef>
+            <a:effectRef idx="0">
+              <a:schemeClr val="accent1"/>
+            </a:effectRef>
+            <a:fontRef idx="minor">
+              <a:schemeClr val="lt1"/>
+            </a:fontRef>
+          </p:style>
+          <p:txBody>
+            <a:bodyPr rtlCol="0" anchor="ctr"/>
+            <a:lstStyle/>
+            <a:p>
+              <a:pPr algn="ctr"/>
+              <a:endParaRPr lang="zh-TW" altLang="en-US"/>
+            </a:p>
+          </p:txBody>
+        </p:sp>
+        <p:sp>
+          <p:nvSpPr>
+            <p:cNvPr id="5" name="矩形 4"/>
+            <p:cNvSpPr/>
+            <p:nvPr/>
+          </p:nvSpPr>
+          <p:spPr>
+            <a:xfrm>
+              <a:off x="1182412" y="2798379"/>
+              <a:ext cx="2144112" cy="1024759"/>
+            </a:xfrm>
+            <a:prstGeom prst="rect">
+              <a:avLst/>
+            </a:prstGeom>
+            <a:solidFill>
+              <a:srgbClr val="FFFF99"/>
+            </a:solidFill>
+          </p:spPr>
+          <p:style>
+            <a:lnRef idx="2">
+              <a:schemeClr val="accent1">
+                <a:shade val="50000"/>
+              </a:schemeClr>
+            </a:lnRef>
+            <a:fillRef idx="1">
+              <a:schemeClr val="accent1"/>
+            </a:fillRef>
+            <a:effectRef idx="0">
+              <a:schemeClr val="accent1"/>
+            </a:effectRef>
+            <a:fontRef idx="minor">
+              <a:schemeClr val="lt1"/>
+            </a:fontRef>
+          </p:style>
+          <p:txBody>
+            <a:bodyPr rtlCol="0" anchor="ctr"/>
+            <a:lstStyle/>
+            <a:p>
+              <a:pPr marL="285750" indent="-285750" algn="ctr">
+                <a:buFont typeface="Wingdings" panose="05000000000000000000" pitchFamily="2" charset="2"/>
+                <a:buChar char="l"/>
+              </a:pPr>
+              <a:r>
+                <a:rPr lang="zh-TW" altLang="en-US" dirty="0" smtClean="0">
+                  <a:solidFill>
+                    <a:schemeClr val="tx1"/>
+                  </a:solidFill>
+                </a:rPr>
+                <a:t>病媒蚊密度指數</a:t>
+              </a:r>
+              <a:endParaRPr lang="en-US" altLang="zh-TW" dirty="0" smtClean="0">
                 <a:solidFill>
                   <a:schemeClr val="tx1"/>
                 </a:solidFill>
-              </a:rPr>
-              <a:t>資料筆</a:t>
-            </a:r>
-            <a:r>
-              <a:rPr lang="zh-TW" altLang="en-US" dirty="0">
+              </a:endParaRPr>
+            </a:p>
+            <a:p>
+              <a:pPr marL="285750" indent="-285750">
+                <a:buFont typeface="Wingdings" panose="05000000000000000000" pitchFamily="2" charset="2"/>
+                <a:buChar char="l"/>
+              </a:pPr>
+              <a:r>
+                <a:rPr lang="zh-TW" altLang="en-US" dirty="0">
+                  <a:solidFill>
+                    <a:schemeClr val="tx1"/>
+                  </a:solidFill>
+                </a:rPr>
+                <a:t>誘</a:t>
+              </a:r>
+              <a:r>
+                <a:rPr lang="zh-TW" altLang="en-US" dirty="0" smtClean="0">
+                  <a:solidFill>
+                    <a:schemeClr val="tx1"/>
+                  </a:solidFill>
+                </a:rPr>
+                <a:t>卵桶指數</a:t>
+              </a:r>
+              <a:endParaRPr lang="en-US" altLang="zh-TW" dirty="0" smtClean="0">
                 <a:solidFill>
                   <a:schemeClr val="tx1"/>
                 </a:solidFill>
-              </a:rPr>
-              <a:t>數</a:t>
-            </a:r>
-            <a:r>
-              <a:rPr lang="zh-TW" altLang="en-US" dirty="0" smtClean="0">
+              </a:endParaRPr>
+            </a:p>
+            <a:p>
+              <a:pPr marL="285750" indent="-285750">
+                <a:buFont typeface="Wingdings" panose="05000000000000000000" pitchFamily="2" charset="2"/>
+                <a:buChar char="l"/>
+              </a:pPr>
+              <a:r>
+                <a:rPr lang="zh-TW" altLang="en-US" dirty="0" smtClean="0">
+                  <a:solidFill>
+                    <a:schemeClr val="tx1"/>
+                  </a:solidFill>
+                </a:rPr>
+                <a:t>人口密度</a:t>
+              </a:r>
+              <a:endParaRPr lang="zh-TW" altLang="en-US" dirty="0">
                 <a:solidFill>
                   <a:schemeClr val="tx1"/>
                 </a:solidFill>
-              </a:rPr>
-              <a:t>不對稱處理</a:t>
-            </a:r>
-            <a:endParaRPr lang="en-US" altLang="zh-TW" dirty="0" smtClean="0">
+              </a:endParaRPr>
+            </a:p>
+          </p:txBody>
+        </p:sp>
+        <p:sp>
+          <p:nvSpPr>
+            <p:cNvPr id="7" name="文字方塊 6"/>
+            <p:cNvSpPr txBox="1"/>
+            <p:nvPr/>
+          </p:nvSpPr>
+          <p:spPr>
+            <a:xfrm>
+              <a:off x="1674822" y="2396358"/>
+              <a:ext cx="1159292" cy="400110"/>
+            </a:xfrm>
+            <a:prstGeom prst="rect">
+              <a:avLst/>
+            </a:prstGeom>
+            <a:noFill/>
+          </p:spPr>
+          <p:txBody>
+            <a:bodyPr wrap="none" rtlCol="0">
+              <a:spAutoFit/>
+            </a:bodyPr>
+            <a:lstStyle/>
+            <a:p>
+              <a:r>
+                <a:rPr lang="zh-TW" altLang="en-US" sz="2000" b="1" dirty="0" smtClean="0"/>
+                <a:t>資料</a:t>
+              </a:r>
+              <a:r>
+                <a:rPr lang="zh-TW" altLang="en-US" b="1" dirty="0" smtClean="0"/>
+                <a:t>收集</a:t>
+              </a:r>
+              <a:endParaRPr lang="zh-TW" altLang="en-US" b="1" dirty="0"/>
+            </a:p>
+          </p:txBody>
+        </p:sp>
+        <p:sp>
+          <p:nvSpPr>
+            <p:cNvPr id="8" name="矩形 7"/>
+            <p:cNvSpPr/>
+            <p:nvPr/>
+          </p:nvSpPr>
+          <p:spPr>
+            <a:xfrm>
+              <a:off x="3752192" y="2794556"/>
+              <a:ext cx="2144112" cy="1024759"/>
+            </a:xfrm>
+            <a:prstGeom prst="rect">
+              <a:avLst/>
+            </a:prstGeom>
+            <a:solidFill>
+              <a:srgbClr val="FFFF99"/>
+            </a:solidFill>
+          </p:spPr>
+          <p:style>
+            <a:lnRef idx="2">
+              <a:schemeClr val="accent1">
+                <a:shade val="50000"/>
+              </a:schemeClr>
+            </a:lnRef>
+            <a:fillRef idx="1">
+              <a:schemeClr val="accent1"/>
+            </a:fillRef>
+            <a:effectRef idx="0">
+              <a:schemeClr val="accent1"/>
+            </a:effectRef>
+            <a:fontRef idx="minor">
+              <a:schemeClr val="lt1"/>
+            </a:fontRef>
+          </p:style>
+          <p:txBody>
+            <a:bodyPr rtlCol="0" anchor="ctr"/>
+            <a:lstStyle/>
+            <a:p>
+              <a:pPr marL="285750" indent="-285750">
+                <a:buFont typeface="Wingdings" panose="05000000000000000000" pitchFamily="2" charset="2"/>
+                <a:buChar char="l"/>
+              </a:pPr>
+              <a:r>
+                <a:rPr lang="zh-TW" altLang="en-US" dirty="0" smtClean="0">
+                  <a:solidFill>
+                    <a:schemeClr val="tx1"/>
+                  </a:solidFill>
+                </a:rPr>
+                <a:t>資料筆</a:t>
+              </a:r>
+              <a:r>
+                <a:rPr lang="zh-TW" altLang="en-US" dirty="0">
+                  <a:solidFill>
+                    <a:schemeClr val="tx1"/>
+                  </a:solidFill>
+                </a:rPr>
+                <a:t>數</a:t>
+              </a:r>
+              <a:r>
+                <a:rPr lang="zh-TW" altLang="en-US" dirty="0" smtClean="0">
+                  <a:solidFill>
+                    <a:schemeClr val="tx1"/>
+                  </a:solidFill>
+                </a:rPr>
+                <a:t>不對稱處理</a:t>
+              </a:r>
+              <a:endParaRPr lang="en-US" altLang="zh-TW" dirty="0" smtClean="0">
+                <a:solidFill>
+                  <a:schemeClr val="tx1"/>
+                </a:solidFill>
+              </a:endParaRPr>
+            </a:p>
+            <a:p>
+              <a:pPr marL="285750" indent="-285750">
+                <a:buFont typeface="Wingdings" panose="05000000000000000000" pitchFamily="2" charset="2"/>
+                <a:buChar char="l"/>
+              </a:pPr>
+              <a:r>
+                <a:rPr lang="zh-TW" altLang="en-US" dirty="0" smtClean="0">
+                  <a:solidFill>
+                    <a:schemeClr val="tx1"/>
+                  </a:solidFill>
+                </a:rPr>
+                <a:t>以人口密度分類</a:t>
+              </a:r>
+              <a:endParaRPr lang="en-US" altLang="zh-TW" dirty="0" smtClean="0">
+                <a:solidFill>
+                  <a:schemeClr val="tx1"/>
+                </a:solidFill>
+              </a:endParaRPr>
+            </a:p>
+          </p:txBody>
+        </p:sp>
+        <p:sp>
+          <p:nvSpPr>
+            <p:cNvPr id="9" name="文字方塊 8"/>
+            <p:cNvSpPr txBox="1"/>
+            <p:nvPr/>
+          </p:nvSpPr>
+          <p:spPr>
+            <a:xfrm>
+              <a:off x="4116244" y="2394446"/>
+              <a:ext cx="1390124" cy="400110"/>
+            </a:xfrm>
+            <a:prstGeom prst="rect">
+              <a:avLst/>
+            </a:prstGeom>
+            <a:noFill/>
+          </p:spPr>
+          <p:txBody>
+            <a:bodyPr wrap="none" rtlCol="0">
+              <a:spAutoFit/>
+            </a:bodyPr>
+            <a:lstStyle/>
+            <a:p>
+              <a:r>
+                <a:rPr lang="zh-TW" altLang="en-US" sz="2000" b="1" dirty="0" smtClean="0"/>
+                <a:t>資料</a:t>
+              </a:r>
+              <a:r>
+                <a:rPr lang="zh-TW" altLang="en-US" b="1" dirty="0" smtClean="0"/>
+                <a:t>前處</a:t>
+              </a:r>
+              <a:r>
+                <a:rPr lang="zh-TW" altLang="en-US" b="1" dirty="0"/>
+                <a:t>理</a:t>
+              </a:r>
+            </a:p>
+          </p:txBody>
+        </p:sp>
+        <p:sp>
+          <p:nvSpPr>
+            <p:cNvPr id="10" name="矩形 9"/>
+            <p:cNvSpPr/>
+            <p:nvPr/>
+          </p:nvSpPr>
+          <p:spPr>
+            <a:xfrm>
+              <a:off x="6321972" y="2798378"/>
+              <a:ext cx="2144112" cy="1024759"/>
+            </a:xfrm>
+            <a:prstGeom prst="rect">
+              <a:avLst/>
+            </a:prstGeom>
+            <a:solidFill>
+              <a:srgbClr val="FFFF99"/>
+            </a:solidFill>
+          </p:spPr>
+          <p:style>
+            <a:lnRef idx="2">
+              <a:schemeClr val="accent1">
+                <a:shade val="50000"/>
+              </a:schemeClr>
+            </a:lnRef>
+            <a:fillRef idx="1">
+              <a:schemeClr val="accent1"/>
+            </a:fillRef>
+            <a:effectRef idx="0">
+              <a:schemeClr val="accent1"/>
+            </a:effectRef>
+            <a:fontRef idx="minor">
+              <a:schemeClr val="lt1"/>
+            </a:fontRef>
+          </p:style>
+          <p:txBody>
+            <a:bodyPr rtlCol="0" anchor="ctr"/>
+            <a:lstStyle/>
+            <a:p>
+              <a:pPr marL="285750" indent="-285750">
+                <a:buFont typeface="Wingdings" panose="05000000000000000000" pitchFamily="2" charset="2"/>
+                <a:buChar char="l"/>
+              </a:pPr>
+              <a:r>
+                <a:rPr lang="zh-TW" altLang="en-US" dirty="0" smtClean="0">
+                  <a:solidFill>
+                    <a:schemeClr val="tx1"/>
+                  </a:solidFill>
+                </a:rPr>
+                <a:t>關聯度分析</a:t>
+              </a:r>
+              <a:endParaRPr lang="en-US" altLang="zh-TW" dirty="0" smtClean="0">
+                <a:solidFill>
+                  <a:schemeClr val="tx1"/>
+                </a:solidFill>
+              </a:endParaRPr>
+            </a:p>
+            <a:p>
+              <a:pPr marL="285750" indent="-285750">
+                <a:buFont typeface="Wingdings" panose="05000000000000000000" pitchFamily="2" charset="2"/>
+                <a:buChar char="l"/>
+              </a:pPr>
+              <a:r>
+                <a:rPr lang="zh-TW" altLang="en-US" dirty="0">
+                  <a:solidFill>
+                    <a:schemeClr val="tx1"/>
+                  </a:solidFill>
+                </a:rPr>
+                <a:t>迴</a:t>
+              </a:r>
+              <a:r>
+                <a:rPr lang="zh-TW" altLang="en-US" dirty="0" smtClean="0">
+                  <a:solidFill>
+                    <a:schemeClr val="tx1"/>
+                  </a:solidFill>
+                </a:rPr>
+                <a:t>歸分析</a:t>
+              </a:r>
+              <a:endParaRPr lang="en-US" altLang="zh-TW" dirty="0" smtClean="0">
+                <a:solidFill>
+                  <a:schemeClr val="tx1"/>
+                </a:solidFill>
+              </a:endParaRPr>
+            </a:p>
+            <a:p>
+              <a:pPr marL="285750" indent="-285750">
+                <a:buFont typeface="Wingdings" panose="05000000000000000000" pitchFamily="2" charset="2"/>
+                <a:buChar char="l"/>
+              </a:pPr>
+              <a:r>
+                <a:rPr lang="zh-TW" altLang="en-US" dirty="0" smtClean="0">
+                  <a:solidFill>
+                    <a:schemeClr val="tx1"/>
+                  </a:solidFill>
+                </a:rPr>
+                <a:t>敏感度分析</a:t>
+              </a:r>
+              <a:endParaRPr lang="en-US" altLang="zh-TW" dirty="0" smtClean="0">
+                <a:solidFill>
+                  <a:schemeClr val="tx1"/>
+                </a:solidFill>
+              </a:endParaRPr>
+            </a:p>
+          </p:txBody>
+        </p:sp>
+        <p:sp>
+          <p:nvSpPr>
+            <p:cNvPr id="11" name="文字方塊 10"/>
+            <p:cNvSpPr txBox="1"/>
+            <p:nvPr/>
+          </p:nvSpPr>
+          <p:spPr>
+            <a:xfrm>
+              <a:off x="6814382" y="2394446"/>
+              <a:ext cx="1159292" cy="400110"/>
+            </a:xfrm>
+            <a:prstGeom prst="rect">
+              <a:avLst/>
+            </a:prstGeom>
+            <a:noFill/>
+          </p:spPr>
+          <p:txBody>
+            <a:bodyPr wrap="none" rtlCol="0">
+              <a:spAutoFit/>
+            </a:bodyPr>
+            <a:lstStyle/>
+            <a:p>
+              <a:r>
+                <a:rPr lang="zh-TW" altLang="en-US" sz="2000" b="1" dirty="0" smtClean="0"/>
+                <a:t>資料</a:t>
+              </a:r>
+              <a:r>
+                <a:rPr lang="zh-TW" altLang="en-US" b="1" dirty="0" smtClean="0"/>
+                <a:t>分</a:t>
+              </a:r>
+              <a:r>
+                <a:rPr lang="zh-TW" altLang="en-US" b="1" dirty="0"/>
+                <a:t>析</a:t>
+              </a:r>
+            </a:p>
+          </p:txBody>
+        </p:sp>
+        <p:sp>
+          <p:nvSpPr>
+            <p:cNvPr id="12" name="矩形 11"/>
+            <p:cNvSpPr/>
+            <p:nvPr/>
+          </p:nvSpPr>
+          <p:spPr>
+            <a:xfrm>
+              <a:off x="8866264" y="2794556"/>
+              <a:ext cx="2144112" cy="1024759"/>
+            </a:xfrm>
+            <a:prstGeom prst="rect">
+              <a:avLst/>
+            </a:prstGeom>
+            <a:solidFill>
+              <a:srgbClr val="FFFF99"/>
+            </a:solidFill>
+          </p:spPr>
+          <p:style>
+            <a:lnRef idx="2">
+              <a:schemeClr val="accent1">
+                <a:shade val="50000"/>
+              </a:schemeClr>
+            </a:lnRef>
+            <a:fillRef idx="1">
+              <a:schemeClr val="accent1"/>
+            </a:fillRef>
+            <a:effectRef idx="0">
+              <a:schemeClr val="accent1"/>
+            </a:effectRef>
+            <a:fontRef idx="minor">
+              <a:schemeClr val="lt1"/>
+            </a:fontRef>
+          </p:style>
+          <p:txBody>
+            <a:bodyPr rtlCol="0" anchor="ctr"/>
+            <a:lstStyle/>
+            <a:p>
+              <a:pPr marL="285750" indent="-285750">
+                <a:buFont typeface="Wingdings" panose="05000000000000000000" pitchFamily="2" charset="2"/>
+                <a:buChar char="l"/>
+              </a:pPr>
+              <a:r>
+                <a:rPr lang="zh-TW" altLang="en-US" dirty="0" smtClean="0">
+                  <a:solidFill>
+                    <a:schemeClr val="tx1"/>
+                  </a:solidFill>
+                </a:rPr>
+                <a:t>分析結果解讀</a:t>
+              </a:r>
+              <a:endParaRPr lang="en-US" altLang="zh-TW" dirty="0" smtClean="0">
+                <a:solidFill>
+                  <a:schemeClr val="tx1"/>
+                </a:solidFill>
+              </a:endParaRPr>
+            </a:p>
+            <a:p>
+              <a:pPr marL="285750" indent="-285750">
+                <a:buFont typeface="Wingdings" panose="05000000000000000000" pitchFamily="2" charset="2"/>
+                <a:buChar char="l"/>
+              </a:pPr>
+              <a:r>
+                <a:rPr lang="zh-TW" altLang="en-US" dirty="0" smtClean="0">
+                  <a:solidFill>
+                    <a:schemeClr val="tx1"/>
+                  </a:solidFill>
+                </a:rPr>
+                <a:t>提出分析結論</a:t>
+              </a:r>
+              <a:endParaRPr lang="en-US" altLang="zh-TW" dirty="0" smtClean="0">
+                <a:solidFill>
+                  <a:schemeClr val="tx1"/>
+                </a:solidFill>
+              </a:endParaRPr>
+            </a:p>
+            <a:p>
+              <a:pPr marL="285750" indent="-285750">
+                <a:buFont typeface="Wingdings" panose="05000000000000000000" pitchFamily="2" charset="2"/>
+                <a:buChar char="l"/>
+              </a:pPr>
+              <a:r>
+                <a:rPr lang="zh-TW" altLang="en-US" dirty="0" smtClean="0">
+                  <a:solidFill>
+                    <a:schemeClr val="tx1"/>
+                  </a:solidFill>
+                </a:rPr>
+                <a:t>建議</a:t>
+              </a:r>
+              <a:endParaRPr lang="en-US" altLang="zh-TW" dirty="0" smtClean="0">
+                <a:solidFill>
+                  <a:schemeClr val="tx1"/>
+                </a:solidFill>
+              </a:endParaRPr>
+            </a:p>
+          </p:txBody>
+        </p:sp>
+        <p:sp>
+          <p:nvSpPr>
+            <p:cNvPr id="13" name="文字方塊 12"/>
+            <p:cNvSpPr txBox="1"/>
+            <p:nvPr/>
+          </p:nvSpPr>
+          <p:spPr>
+            <a:xfrm>
+              <a:off x="9098149" y="2394446"/>
+              <a:ext cx="1467068" cy="400110"/>
+            </a:xfrm>
+            <a:prstGeom prst="rect">
+              <a:avLst/>
+            </a:prstGeom>
+            <a:noFill/>
+          </p:spPr>
+          <p:txBody>
+            <a:bodyPr wrap="none" rtlCol="0">
+              <a:spAutoFit/>
+            </a:bodyPr>
+            <a:lstStyle/>
+            <a:p>
+              <a:r>
+                <a:rPr lang="zh-TW" altLang="en-US" sz="2000" b="1" dirty="0" smtClean="0"/>
+                <a:t>結論及</a:t>
+              </a:r>
+              <a:r>
+                <a:rPr lang="zh-TW" altLang="en-US" sz="2000" b="1" dirty="0"/>
+                <a:t>建議</a:t>
+              </a:r>
+              <a:endParaRPr lang="zh-TW" altLang="en-US" b="1" dirty="0"/>
+            </a:p>
+          </p:txBody>
+        </p:sp>
+        <p:cxnSp>
+          <p:nvCxnSpPr>
+            <p:cNvPr id="15" name="直線單箭頭接點 14"/>
+            <p:cNvCxnSpPr>
+              <a:endCxn id="8" idx="1"/>
+            </p:cNvCxnSpPr>
+            <p:nvPr/>
+          </p:nvCxnSpPr>
+          <p:spPr>
+            <a:xfrm>
+              <a:off x="3326524" y="3306935"/>
+              <a:ext cx="425668" cy="1"/>
+            </a:xfrm>
+            <a:prstGeom prst="straightConnector1">
+              <a:avLst/>
+            </a:prstGeom>
+            <a:ln w="57150">
               <a:solidFill>
                 <a:schemeClr val="tx1"/>
               </a:solidFill>
-            </a:endParaRPr>
-          </a:p>
-          <a:p>
-            <a:pPr marL="285750" indent="-285750">
-              <a:buFont typeface="Wingdings" panose="05000000000000000000" pitchFamily="2" charset="2"/>
-              <a:buChar char="l"/>
-            </a:pPr>
-            <a:r>
-              <a:rPr lang="zh-TW" altLang="en-US" dirty="0" smtClean="0">
-                <a:solidFill>
-                  <a:schemeClr val="tx1"/>
-                </a:solidFill>
-              </a:rPr>
-              <a:t>以人口密度分類</a:t>
-            </a:r>
-            <a:endParaRPr lang="en-US" altLang="zh-TW" dirty="0" smtClean="0">
+              <a:tailEnd type="triangle"/>
+            </a:ln>
+          </p:spPr>
+          <p:style>
+            <a:lnRef idx="1">
+              <a:schemeClr val="accent1"/>
+            </a:lnRef>
+            <a:fillRef idx="0">
+              <a:schemeClr val="accent1"/>
+            </a:fillRef>
+            <a:effectRef idx="0">
+              <a:schemeClr val="accent1"/>
+            </a:effectRef>
+            <a:fontRef idx="minor">
+              <a:schemeClr val="tx1"/>
+            </a:fontRef>
+          </p:style>
+        </p:cxnSp>
+        <p:cxnSp>
+          <p:nvCxnSpPr>
+            <p:cNvPr id="19" name="直線單箭頭接點 18"/>
+            <p:cNvCxnSpPr>
+              <a:endCxn id="10" idx="1"/>
+            </p:cNvCxnSpPr>
+            <p:nvPr/>
+          </p:nvCxnSpPr>
+          <p:spPr>
+            <a:xfrm>
+              <a:off x="5896304" y="3306936"/>
+              <a:ext cx="425668" cy="3822"/>
+            </a:xfrm>
+            <a:prstGeom prst="straightConnector1">
+              <a:avLst/>
+            </a:prstGeom>
+            <a:ln w="57150">
               <a:solidFill>
                 <a:schemeClr val="tx1"/>
               </a:solidFill>
-            </a:endParaRPr>
-          </a:p>
-        </p:txBody>
-      </p:sp>
-      <p:sp>
-        <p:nvSpPr>
-          <p:cNvPr id="9" name="文字方塊 8"/>
-          <p:cNvSpPr txBox="1"/>
-          <p:nvPr/>
-        </p:nvSpPr>
-        <p:spPr>
-          <a:xfrm>
-            <a:off x="4116244" y="2394446"/>
-            <a:ext cx="1390124" cy="400110"/>
-          </a:xfrm>
-          <a:prstGeom prst="rect">
-            <a:avLst/>
-          </a:prstGeom>
-          <a:noFill/>
-        </p:spPr>
-        <p:txBody>
-          <a:bodyPr wrap="none" rtlCol="0">
-            <a:spAutoFit/>
-          </a:bodyPr>
-          <a:lstStyle/>
-          <a:p>
-            <a:r>
-              <a:rPr lang="zh-TW" altLang="en-US" sz="2000" b="1" dirty="0" smtClean="0"/>
-              <a:t>資料</a:t>
-            </a:r>
-            <a:r>
-              <a:rPr lang="zh-TW" altLang="en-US" b="1" dirty="0" smtClean="0"/>
-              <a:t>前處</a:t>
-            </a:r>
-            <a:r>
-              <a:rPr lang="zh-TW" altLang="en-US" b="1" dirty="0"/>
-              <a:t>理</a:t>
-            </a:r>
-          </a:p>
-        </p:txBody>
-      </p:sp>
-      <p:sp>
-        <p:nvSpPr>
-          <p:cNvPr id="10" name="矩形 9"/>
-          <p:cNvSpPr/>
-          <p:nvPr/>
-        </p:nvSpPr>
-        <p:spPr>
-          <a:xfrm>
-            <a:off x="6321972" y="2798378"/>
-            <a:ext cx="2144112" cy="1024759"/>
-          </a:xfrm>
-          <a:prstGeom prst="rect">
-            <a:avLst/>
-          </a:prstGeom>
-          <a:solidFill>
-            <a:srgbClr val="FFFF99"/>
-          </a:solidFill>
-        </p:spPr>
-        <p:style>
-          <a:lnRef idx="2">
-            <a:schemeClr val="accent1">
-              <a:shade val="50000"/>
-            </a:schemeClr>
-          </a:lnRef>
-          <a:fillRef idx="1">
-            <a:schemeClr val="accent1"/>
-          </a:fillRef>
-          <a:effectRef idx="0">
-            <a:schemeClr val="accent1"/>
-          </a:effectRef>
-          <a:fontRef idx="minor">
-            <a:schemeClr val="lt1"/>
-          </a:fontRef>
-        </p:style>
-        <p:txBody>
-          <a:bodyPr rtlCol="0" anchor="ctr"/>
-          <a:lstStyle/>
-          <a:p>
-            <a:pPr marL="285750" indent="-285750">
-              <a:buFont typeface="Wingdings" panose="05000000000000000000" pitchFamily="2" charset="2"/>
-              <a:buChar char="l"/>
-            </a:pPr>
-            <a:r>
-              <a:rPr lang="zh-TW" altLang="en-US" dirty="0" smtClean="0">
-                <a:solidFill>
-                  <a:schemeClr val="tx1"/>
-                </a:solidFill>
-              </a:rPr>
-              <a:t>關聯度分析</a:t>
-            </a:r>
-            <a:endParaRPr lang="en-US" altLang="zh-TW" dirty="0" smtClean="0">
+              <a:tailEnd type="triangle"/>
+            </a:ln>
+          </p:spPr>
+          <p:style>
+            <a:lnRef idx="1">
+              <a:schemeClr val="accent1"/>
+            </a:lnRef>
+            <a:fillRef idx="0">
+              <a:schemeClr val="accent1"/>
+            </a:fillRef>
+            <a:effectRef idx="0">
+              <a:schemeClr val="accent1"/>
+            </a:effectRef>
+            <a:fontRef idx="minor">
+              <a:schemeClr val="tx1"/>
+            </a:fontRef>
+          </p:style>
+        </p:cxnSp>
+        <p:cxnSp>
+          <p:nvCxnSpPr>
+            <p:cNvPr id="24" name="直線單箭頭接點 23"/>
+            <p:cNvCxnSpPr/>
+            <p:nvPr/>
+          </p:nvCxnSpPr>
+          <p:spPr>
+            <a:xfrm>
+              <a:off x="8466084" y="3306935"/>
+              <a:ext cx="425668" cy="3822"/>
+            </a:xfrm>
+            <a:prstGeom prst="straightConnector1">
+              <a:avLst/>
+            </a:prstGeom>
+            <a:ln w="57150">
               <a:solidFill>
                 <a:schemeClr val="tx1"/>
               </a:solidFill>
-            </a:endParaRPr>
-          </a:p>
-          <a:p>
-            <a:pPr marL="285750" indent="-285750">
-              <a:buFont typeface="Wingdings" panose="05000000000000000000" pitchFamily="2" charset="2"/>
-              <a:buChar char="l"/>
-            </a:pPr>
-            <a:r>
-              <a:rPr lang="zh-TW" altLang="en-US" dirty="0">
-                <a:solidFill>
-                  <a:schemeClr val="tx1"/>
-                </a:solidFill>
-              </a:rPr>
-              <a:t>迴</a:t>
-            </a:r>
-            <a:r>
-              <a:rPr lang="zh-TW" altLang="en-US" dirty="0" smtClean="0">
-                <a:solidFill>
-                  <a:schemeClr val="tx1"/>
-                </a:solidFill>
-              </a:rPr>
-              <a:t>歸分析</a:t>
-            </a:r>
-            <a:endParaRPr lang="en-US" altLang="zh-TW" dirty="0" smtClean="0">
-              <a:solidFill>
-                <a:schemeClr val="tx1"/>
-              </a:solidFill>
-            </a:endParaRPr>
-          </a:p>
-          <a:p>
-            <a:pPr marL="285750" indent="-285750">
-              <a:buFont typeface="Wingdings" panose="05000000000000000000" pitchFamily="2" charset="2"/>
-              <a:buChar char="l"/>
-            </a:pPr>
-            <a:r>
-              <a:rPr lang="zh-TW" altLang="en-US" dirty="0" smtClean="0">
-                <a:solidFill>
-                  <a:schemeClr val="tx1"/>
-                </a:solidFill>
-              </a:rPr>
-              <a:t>敏感度分析</a:t>
-            </a:r>
-            <a:endParaRPr lang="en-US" altLang="zh-TW" dirty="0" smtClean="0">
-              <a:solidFill>
-                <a:schemeClr val="tx1"/>
-              </a:solidFill>
-            </a:endParaRPr>
-          </a:p>
-        </p:txBody>
-      </p:sp>
-      <p:sp>
-        <p:nvSpPr>
-          <p:cNvPr id="11" name="文字方塊 10"/>
-          <p:cNvSpPr txBox="1"/>
-          <p:nvPr/>
-        </p:nvSpPr>
-        <p:spPr>
-          <a:xfrm>
-            <a:off x="6814382" y="2394446"/>
-            <a:ext cx="1159292" cy="400110"/>
-          </a:xfrm>
-          <a:prstGeom prst="rect">
-            <a:avLst/>
-          </a:prstGeom>
-          <a:noFill/>
-        </p:spPr>
-        <p:txBody>
-          <a:bodyPr wrap="none" rtlCol="0">
-            <a:spAutoFit/>
-          </a:bodyPr>
-          <a:lstStyle/>
-          <a:p>
-            <a:r>
-              <a:rPr lang="zh-TW" altLang="en-US" sz="2000" b="1" dirty="0" smtClean="0"/>
-              <a:t>資料</a:t>
-            </a:r>
-            <a:r>
-              <a:rPr lang="zh-TW" altLang="en-US" b="1" dirty="0" smtClean="0"/>
-              <a:t>分</a:t>
-            </a:r>
-            <a:r>
-              <a:rPr lang="zh-TW" altLang="en-US" b="1" dirty="0"/>
-              <a:t>析</a:t>
-            </a:r>
-          </a:p>
-        </p:txBody>
-      </p:sp>
-      <p:sp>
-        <p:nvSpPr>
-          <p:cNvPr id="12" name="矩形 11"/>
-          <p:cNvSpPr/>
-          <p:nvPr/>
-        </p:nvSpPr>
-        <p:spPr>
-          <a:xfrm>
-            <a:off x="8866264" y="2794556"/>
-            <a:ext cx="2144112" cy="1024759"/>
-          </a:xfrm>
-          <a:prstGeom prst="rect">
-            <a:avLst/>
-          </a:prstGeom>
-          <a:solidFill>
-            <a:srgbClr val="FFFF99"/>
-          </a:solidFill>
-        </p:spPr>
-        <p:style>
-          <a:lnRef idx="2">
-            <a:schemeClr val="accent1">
-              <a:shade val="50000"/>
-            </a:schemeClr>
-          </a:lnRef>
-          <a:fillRef idx="1">
-            <a:schemeClr val="accent1"/>
-          </a:fillRef>
-          <a:effectRef idx="0">
-            <a:schemeClr val="accent1"/>
-          </a:effectRef>
-          <a:fontRef idx="minor">
-            <a:schemeClr val="lt1"/>
-          </a:fontRef>
-        </p:style>
-        <p:txBody>
-          <a:bodyPr rtlCol="0" anchor="ctr"/>
-          <a:lstStyle/>
-          <a:p>
-            <a:pPr marL="285750" indent="-285750">
-              <a:buFont typeface="Wingdings" panose="05000000000000000000" pitchFamily="2" charset="2"/>
-              <a:buChar char="l"/>
-            </a:pPr>
-            <a:r>
-              <a:rPr lang="zh-TW" altLang="en-US" dirty="0" smtClean="0">
-                <a:solidFill>
-                  <a:schemeClr val="tx1"/>
-                </a:solidFill>
-              </a:rPr>
-              <a:t>分析結果解讀</a:t>
-            </a:r>
-            <a:endParaRPr lang="en-US" altLang="zh-TW" dirty="0" smtClean="0">
-              <a:solidFill>
-                <a:schemeClr val="tx1"/>
-              </a:solidFill>
-            </a:endParaRPr>
-          </a:p>
-          <a:p>
-            <a:pPr marL="285750" indent="-285750">
-              <a:buFont typeface="Wingdings" panose="05000000000000000000" pitchFamily="2" charset="2"/>
-              <a:buChar char="l"/>
-            </a:pPr>
-            <a:r>
-              <a:rPr lang="zh-TW" altLang="en-US" dirty="0" smtClean="0">
-                <a:solidFill>
-                  <a:schemeClr val="tx1"/>
-                </a:solidFill>
-              </a:rPr>
-              <a:t>提出分析結論</a:t>
-            </a:r>
-            <a:endParaRPr lang="en-US" altLang="zh-TW" dirty="0" smtClean="0">
-              <a:solidFill>
-                <a:schemeClr val="tx1"/>
-              </a:solidFill>
-            </a:endParaRPr>
-          </a:p>
-          <a:p>
-            <a:pPr marL="285750" indent="-285750">
-              <a:buFont typeface="Wingdings" panose="05000000000000000000" pitchFamily="2" charset="2"/>
-              <a:buChar char="l"/>
-            </a:pPr>
-            <a:r>
-              <a:rPr lang="zh-TW" altLang="en-US" dirty="0" smtClean="0">
-                <a:solidFill>
-                  <a:schemeClr val="tx1"/>
-                </a:solidFill>
-              </a:rPr>
-              <a:t>建議</a:t>
-            </a:r>
-            <a:endParaRPr lang="en-US" altLang="zh-TW" dirty="0" smtClean="0">
-              <a:solidFill>
-                <a:schemeClr val="tx1"/>
-              </a:solidFill>
-            </a:endParaRPr>
-          </a:p>
-        </p:txBody>
-      </p:sp>
-      <p:sp>
-        <p:nvSpPr>
-          <p:cNvPr id="13" name="文字方塊 12"/>
-          <p:cNvSpPr txBox="1"/>
-          <p:nvPr/>
-        </p:nvSpPr>
-        <p:spPr>
-          <a:xfrm>
-            <a:off x="9098149" y="2394446"/>
-            <a:ext cx="1467068" cy="400110"/>
-          </a:xfrm>
-          <a:prstGeom prst="rect">
-            <a:avLst/>
-          </a:prstGeom>
-          <a:noFill/>
-        </p:spPr>
-        <p:txBody>
-          <a:bodyPr wrap="none" rtlCol="0">
-            <a:spAutoFit/>
-          </a:bodyPr>
-          <a:lstStyle/>
-          <a:p>
-            <a:r>
-              <a:rPr lang="zh-TW" altLang="en-US" sz="2000" b="1" dirty="0" smtClean="0"/>
-              <a:t>結論及</a:t>
-            </a:r>
-            <a:r>
-              <a:rPr lang="zh-TW" altLang="en-US" sz="2000" b="1" dirty="0"/>
-              <a:t>建議</a:t>
-            </a:r>
-            <a:endParaRPr lang="zh-TW" altLang="en-US" b="1" dirty="0"/>
-          </a:p>
-        </p:txBody>
-      </p:sp>
-      <p:cxnSp>
-        <p:nvCxnSpPr>
-          <p:cNvPr id="15" name="直線單箭頭接點 14"/>
-          <p:cNvCxnSpPr>
-            <a:endCxn id="8" idx="1"/>
-          </p:cNvCxnSpPr>
-          <p:nvPr/>
-        </p:nvCxnSpPr>
-        <p:spPr>
-          <a:xfrm>
-            <a:off x="3326524" y="3306935"/>
-            <a:ext cx="425668" cy="1"/>
-          </a:xfrm>
-          <a:prstGeom prst="straightConnector1">
-            <a:avLst/>
-          </a:prstGeom>
-          <a:ln w="57150">
-            <a:solidFill>
+              <a:tailEnd type="triangle"/>
+            </a:ln>
+          </p:spPr>
+          <p:style>
+            <a:lnRef idx="1">
+              <a:schemeClr val="accent1"/>
+            </a:lnRef>
+            <a:fillRef idx="0">
+              <a:schemeClr val="accent1"/>
+            </a:fillRef>
+            <a:effectRef idx="0">
+              <a:schemeClr val="accent1"/>
+            </a:effectRef>
+            <a:fontRef idx="minor">
               <a:schemeClr val="tx1"/>
-            </a:solidFill>
-            <a:tailEnd type="triangle"/>
-          </a:ln>
-        </p:spPr>
-        <p:style>
-          <a:lnRef idx="1">
-            <a:schemeClr val="accent1"/>
-          </a:lnRef>
-          <a:fillRef idx="0">
-            <a:schemeClr val="accent1"/>
-          </a:fillRef>
-          <a:effectRef idx="0">
-            <a:schemeClr val="accent1"/>
-          </a:effectRef>
-          <a:fontRef idx="minor">
-            <a:schemeClr val="tx1"/>
-          </a:fontRef>
-        </p:style>
-      </p:cxnSp>
-      <p:cxnSp>
-        <p:nvCxnSpPr>
-          <p:cNvPr id="19" name="直線單箭頭接點 18"/>
-          <p:cNvCxnSpPr>
-            <a:endCxn id="10" idx="1"/>
-          </p:cNvCxnSpPr>
-          <p:nvPr/>
-        </p:nvCxnSpPr>
-        <p:spPr>
-          <a:xfrm>
-            <a:off x="5896304" y="3306936"/>
-            <a:ext cx="425668" cy="3822"/>
-          </a:xfrm>
-          <a:prstGeom prst="straightConnector1">
-            <a:avLst/>
-          </a:prstGeom>
-          <a:ln w="57150">
-            <a:solidFill>
-              <a:schemeClr val="tx1"/>
-            </a:solidFill>
-            <a:tailEnd type="triangle"/>
-          </a:ln>
-        </p:spPr>
-        <p:style>
-          <a:lnRef idx="1">
-            <a:schemeClr val="accent1"/>
-          </a:lnRef>
-          <a:fillRef idx="0">
-            <a:schemeClr val="accent1"/>
-          </a:fillRef>
-          <a:effectRef idx="0">
-            <a:schemeClr val="accent1"/>
-          </a:effectRef>
-          <a:fontRef idx="minor">
-            <a:schemeClr val="tx1"/>
-          </a:fontRef>
-        </p:style>
-      </p:cxnSp>
-      <p:cxnSp>
-        <p:nvCxnSpPr>
-          <p:cNvPr id="24" name="直線單箭頭接點 23"/>
-          <p:cNvCxnSpPr/>
-          <p:nvPr/>
-        </p:nvCxnSpPr>
-        <p:spPr>
-          <a:xfrm>
-            <a:off x="8466084" y="3306935"/>
-            <a:ext cx="425668" cy="3822"/>
-          </a:xfrm>
-          <a:prstGeom prst="straightConnector1">
-            <a:avLst/>
-          </a:prstGeom>
-          <a:ln w="57150">
-            <a:solidFill>
-              <a:schemeClr val="tx1"/>
-            </a:solidFill>
-            <a:tailEnd type="triangle"/>
-          </a:ln>
-        </p:spPr>
-        <p:style>
-          <a:lnRef idx="1">
-            <a:schemeClr val="accent1"/>
-          </a:lnRef>
-          <a:fillRef idx="0">
-            <a:schemeClr val="accent1"/>
-          </a:fillRef>
-          <a:effectRef idx="0">
-            <a:schemeClr val="accent1"/>
-          </a:effectRef>
-          <a:fontRef idx="minor">
-            <a:schemeClr val="tx1"/>
-          </a:fontRef>
-        </p:style>
-      </p:cxnSp>
+            </a:fontRef>
+          </p:style>
+        </p:cxnSp>
+      </p:grpSp>
       <p:pic>
         <p:nvPicPr>
           <p:cNvPr id="25" name="圖片 24"/>
@@ -7721,811 +7736,824 @@
           <a:chExt cx="0" cy="0"/>
         </a:xfrm>
       </p:grpSpPr>
-      <p:sp>
-        <p:nvSpPr>
-          <p:cNvPr id="4" name="圓角矩形 3"/>
-          <p:cNvSpPr/>
+      <p:grpSp>
+        <p:nvGrpSpPr>
+          <p:cNvPr id="3" name="群組 2"/>
+          <p:cNvGrpSpPr/>
           <p:nvPr/>
-        </p:nvSpPr>
-        <p:spPr>
+        </p:nvGrpSpPr>
+        <p:grpSpPr>
           <a:xfrm>
-            <a:off x="1818289" y="1653020"/>
-            <a:ext cx="6400355" cy="2790494"/>
+            <a:off x="2097434" y="1653910"/>
+            <a:ext cx="6121210" cy="2789604"/>
+            <a:chOff x="2097434" y="1653910"/>
+            <a:chExt cx="6121210" cy="2789604"/>
           </a:xfrm>
-          <a:prstGeom prst="roundRect">
-            <a:avLst/>
-          </a:prstGeom>
-          <a:solidFill>
-            <a:srgbClr val="CCECFF"/>
-          </a:solidFill>
-        </p:spPr>
-        <p:style>
-          <a:lnRef idx="2">
-            <a:schemeClr val="accent1">
-              <a:shade val="50000"/>
-            </a:schemeClr>
-          </a:lnRef>
-          <a:fillRef idx="1">
-            <a:schemeClr val="accent1"/>
-          </a:fillRef>
-          <a:effectRef idx="0">
-            <a:schemeClr val="accent1"/>
-          </a:effectRef>
-          <a:fontRef idx="minor">
-            <a:schemeClr val="lt1"/>
-          </a:fontRef>
-        </p:style>
-        <p:txBody>
-          <a:bodyPr rtlCol="0" anchor="ctr"/>
-          <a:lstStyle/>
-          <a:p>
-            <a:pPr algn="ctr"/>
-            <a:endParaRPr lang="zh-TW" altLang="en-US"/>
-          </a:p>
-        </p:txBody>
-      </p:sp>
-      <p:sp>
-        <p:nvSpPr>
-          <p:cNvPr id="6" name="流程圖: 文件 5"/>
-          <p:cNvSpPr/>
-          <p:nvPr/>
-        </p:nvSpPr>
-        <p:spPr>
-          <a:xfrm>
-            <a:off x="2207172" y="2065283"/>
-            <a:ext cx="1119352" cy="1355833"/>
-          </a:xfrm>
-          <a:prstGeom prst="flowChartDocument">
-            <a:avLst/>
-          </a:prstGeom>
-          <a:solidFill>
-            <a:srgbClr val="FFFF00"/>
-          </a:solidFill>
-        </p:spPr>
-        <p:style>
-          <a:lnRef idx="2">
-            <a:schemeClr val="accent1">
-              <a:shade val="50000"/>
-            </a:schemeClr>
-          </a:lnRef>
-          <a:fillRef idx="1">
-            <a:schemeClr val="accent1"/>
-          </a:fillRef>
-          <a:effectRef idx="0">
-            <a:schemeClr val="accent1"/>
-          </a:effectRef>
-          <a:fontRef idx="minor">
-            <a:schemeClr val="lt1"/>
-          </a:fontRef>
-        </p:style>
-        <p:txBody>
-          <a:bodyPr rtlCol="0" anchor="ctr"/>
-          <a:lstStyle/>
-          <a:p>
-            <a:pPr algn="ctr"/>
-            <a:r>
-              <a:rPr lang="zh-TW" altLang="en-US" dirty="0" smtClean="0">
+        </p:grpSpPr>
+        <p:sp>
+          <p:nvSpPr>
+            <p:cNvPr id="2" name="矩形 1"/>
+            <p:cNvSpPr/>
+            <p:nvPr/>
+          </p:nvSpPr>
+          <p:spPr>
+            <a:xfrm>
+              <a:off x="2097434" y="1653910"/>
+              <a:ext cx="6121210" cy="2789604"/>
+            </a:xfrm>
+            <a:prstGeom prst="rect">
+              <a:avLst/>
+            </a:prstGeom>
+            <a:noFill/>
+          </p:spPr>
+          <p:style>
+            <a:lnRef idx="2">
+              <a:schemeClr val="accent1">
+                <a:shade val="50000"/>
+              </a:schemeClr>
+            </a:lnRef>
+            <a:fillRef idx="1">
+              <a:schemeClr val="accent1"/>
+            </a:fillRef>
+            <a:effectRef idx="0">
+              <a:schemeClr val="accent1"/>
+            </a:effectRef>
+            <a:fontRef idx="minor">
+              <a:schemeClr val="lt1"/>
+            </a:fontRef>
+          </p:style>
+          <p:txBody>
+            <a:bodyPr rtlCol="0" anchor="ctr"/>
+            <a:lstStyle/>
+            <a:p>
+              <a:pPr algn="ctr"/>
+              <a:endParaRPr lang="zh-TW" altLang="en-US"/>
+            </a:p>
+          </p:txBody>
+        </p:sp>
+        <p:sp>
+          <p:nvSpPr>
+            <p:cNvPr id="6" name="流程圖: 文件 5"/>
+            <p:cNvSpPr/>
+            <p:nvPr/>
+          </p:nvSpPr>
+          <p:spPr>
+            <a:xfrm>
+              <a:off x="2207172" y="2065283"/>
+              <a:ext cx="1119352" cy="1355833"/>
+            </a:xfrm>
+            <a:prstGeom prst="flowChartDocument">
+              <a:avLst/>
+            </a:prstGeom>
+            <a:solidFill>
+              <a:srgbClr val="FFFF00"/>
+            </a:solidFill>
+          </p:spPr>
+          <p:style>
+            <a:lnRef idx="2">
+              <a:schemeClr val="accent1">
+                <a:shade val="50000"/>
+              </a:schemeClr>
+            </a:lnRef>
+            <a:fillRef idx="1">
+              <a:schemeClr val="accent1"/>
+            </a:fillRef>
+            <a:effectRef idx="0">
+              <a:schemeClr val="accent1"/>
+            </a:effectRef>
+            <a:fontRef idx="minor">
+              <a:schemeClr val="lt1"/>
+            </a:fontRef>
+          </p:style>
+          <p:txBody>
+            <a:bodyPr rtlCol="0" anchor="ctr"/>
+            <a:lstStyle/>
+            <a:p>
+              <a:pPr algn="ctr"/>
+              <a:r>
+                <a:rPr lang="zh-TW" altLang="en-US" dirty="0" smtClean="0">
+                  <a:solidFill>
+                    <a:schemeClr val="tx1"/>
+                  </a:solidFill>
+                  <a:latin typeface="+mn-ea"/>
+                </a:rPr>
+                <a:t>病媒蚊密度指數</a:t>
+              </a:r>
+              <a:r>
+                <a:rPr lang="en-US" altLang="zh-TW" dirty="0" smtClean="0">
+                  <a:solidFill>
+                    <a:schemeClr val="tx1"/>
+                  </a:solidFill>
+                  <a:latin typeface="+mn-ea"/>
+                </a:rPr>
+                <a:t>Data</a:t>
+              </a:r>
+              <a:endParaRPr lang="zh-TW" altLang="en-US" dirty="0">
                 <a:solidFill>
                   <a:schemeClr val="tx1"/>
                 </a:solidFill>
                 <a:latin typeface="+mn-ea"/>
-              </a:rPr>
-              <a:t>病媒蚊密度指數</a:t>
-            </a:r>
-            <a:r>
-              <a:rPr lang="en-US" altLang="zh-TW" dirty="0" smtClean="0">
+              </a:endParaRPr>
+            </a:p>
+          </p:txBody>
+        </p:sp>
+        <p:sp>
+          <p:nvSpPr>
+            <p:cNvPr id="7" name="流程圖: 文件 6"/>
+            <p:cNvSpPr/>
+            <p:nvPr/>
+          </p:nvSpPr>
+          <p:spPr>
+            <a:xfrm>
+              <a:off x="2217709" y="3450287"/>
+              <a:ext cx="1119352" cy="993227"/>
+            </a:xfrm>
+            <a:prstGeom prst="flowChartDocument">
+              <a:avLst/>
+            </a:prstGeom>
+            <a:solidFill>
+              <a:srgbClr val="FFFF00"/>
+            </a:solidFill>
+          </p:spPr>
+          <p:style>
+            <a:lnRef idx="2">
+              <a:schemeClr val="accent1">
+                <a:shade val="50000"/>
+              </a:schemeClr>
+            </a:lnRef>
+            <a:fillRef idx="1">
+              <a:schemeClr val="accent1"/>
+            </a:fillRef>
+            <a:effectRef idx="0">
+              <a:schemeClr val="accent1"/>
+            </a:effectRef>
+            <a:fontRef idx="minor">
+              <a:schemeClr val="lt1"/>
+            </a:fontRef>
+          </p:style>
+          <p:txBody>
+            <a:bodyPr rtlCol="0" anchor="ctr"/>
+            <a:lstStyle/>
+            <a:p>
+              <a:pPr algn="ctr"/>
+              <a:r>
+                <a:rPr lang="zh-TW" altLang="en-US" dirty="0">
+                  <a:solidFill>
+                    <a:schemeClr val="tx1"/>
+                  </a:solidFill>
+                  <a:latin typeface="+mn-ea"/>
+                </a:rPr>
+                <a:t>誘</a:t>
+              </a:r>
+              <a:r>
+                <a:rPr lang="zh-TW" altLang="en-US" dirty="0" smtClean="0">
+                  <a:solidFill>
+                    <a:schemeClr val="tx1"/>
+                  </a:solidFill>
+                  <a:latin typeface="+mn-ea"/>
+                </a:rPr>
+                <a:t>卵桶指數</a:t>
+              </a:r>
+              <a:r>
+                <a:rPr lang="en-US" altLang="zh-TW" dirty="0" smtClean="0">
+                  <a:solidFill>
+                    <a:schemeClr val="tx1"/>
+                  </a:solidFill>
+                  <a:latin typeface="+mn-ea"/>
+                </a:rPr>
+                <a:t>Data</a:t>
+              </a:r>
+              <a:endParaRPr lang="zh-TW" altLang="en-US" dirty="0">
                 <a:solidFill>
                   <a:schemeClr val="tx1"/>
                 </a:solidFill>
                 <a:latin typeface="+mn-ea"/>
-              </a:rPr>
-              <a:t>Data</a:t>
-            </a:r>
-            <a:endParaRPr lang="zh-TW" altLang="en-US" dirty="0">
+              </a:endParaRPr>
+            </a:p>
+          </p:txBody>
+        </p:sp>
+        <p:sp>
+          <p:nvSpPr>
+            <p:cNvPr id="8" name="流程圖: 文件 7"/>
+            <p:cNvSpPr/>
+            <p:nvPr/>
+          </p:nvSpPr>
+          <p:spPr>
+            <a:xfrm>
+              <a:off x="4619296" y="2398987"/>
+              <a:ext cx="1119352" cy="1755226"/>
+            </a:xfrm>
+            <a:prstGeom prst="flowChartDocument">
+              <a:avLst/>
+            </a:prstGeom>
+            <a:solidFill>
+              <a:schemeClr val="accent4">
+                <a:lumMod val="20000"/>
+                <a:lumOff val="80000"/>
+              </a:schemeClr>
+            </a:solidFill>
+          </p:spPr>
+          <p:style>
+            <a:lnRef idx="2">
+              <a:schemeClr val="accent1">
+                <a:shade val="50000"/>
+              </a:schemeClr>
+            </a:lnRef>
+            <a:fillRef idx="1">
+              <a:schemeClr val="accent1"/>
+            </a:fillRef>
+            <a:effectRef idx="0">
+              <a:schemeClr val="accent1"/>
+            </a:effectRef>
+            <a:fontRef idx="minor">
+              <a:schemeClr val="lt1"/>
+            </a:fontRef>
+          </p:style>
+          <p:txBody>
+            <a:bodyPr rtlCol="0" anchor="ctr"/>
+            <a:lstStyle/>
+            <a:p>
+              <a:pPr algn="ctr"/>
+              <a:r>
+                <a:rPr lang="zh-TW" altLang="en-US" dirty="0" smtClean="0">
+                  <a:solidFill>
+                    <a:schemeClr val="tx1"/>
+                  </a:solidFill>
+                </a:rPr>
+                <a:t>病媒蚊密度指數 </a:t>
+              </a:r>
+              <a:r>
+                <a:rPr lang="en-US" altLang="zh-TW" dirty="0" smtClean="0">
+                  <a:solidFill>
+                    <a:schemeClr val="tx1"/>
+                  </a:solidFill>
+                </a:rPr>
+                <a:t>+ </a:t>
+              </a:r>
+              <a:r>
+                <a:rPr lang="zh-TW" altLang="en-US" dirty="0" smtClean="0">
+                  <a:solidFill>
+                    <a:schemeClr val="tx1"/>
+                  </a:solidFill>
+                </a:rPr>
+                <a:t>誘卵桶</a:t>
+              </a:r>
+              <a:r>
+                <a:rPr lang="zh-TW" altLang="en-US" dirty="0">
+                  <a:solidFill>
+                    <a:schemeClr val="tx1"/>
+                  </a:solidFill>
+                </a:rPr>
+                <a:t>指數</a:t>
+              </a:r>
+              <a:r>
+                <a:rPr lang="en-US" altLang="zh-TW" dirty="0" smtClean="0">
+                  <a:solidFill>
+                    <a:schemeClr val="tx1"/>
+                  </a:solidFill>
+                </a:rPr>
+                <a:t>Data</a:t>
+              </a:r>
+              <a:endParaRPr lang="zh-TW" altLang="en-US" dirty="0">
+                <a:solidFill>
+                  <a:schemeClr val="tx1"/>
+                </a:solidFill>
+              </a:endParaRPr>
+            </a:p>
+          </p:txBody>
+        </p:sp>
+        <p:cxnSp>
+          <p:nvCxnSpPr>
+            <p:cNvPr id="12" name="直線單箭頭接點 11"/>
+            <p:cNvCxnSpPr>
+              <a:stCxn id="7" idx="3"/>
+              <a:endCxn id="8" idx="1"/>
+            </p:cNvCxnSpPr>
+            <p:nvPr/>
+          </p:nvCxnSpPr>
+          <p:spPr>
+            <a:xfrm flipV="1">
+              <a:off x="3337061" y="3276600"/>
+              <a:ext cx="1282235" cy="670301"/>
+            </a:xfrm>
+            <a:prstGeom prst="straightConnector1">
+              <a:avLst/>
+            </a:prstGeom>
+            <a:ln w="19050">
               <a:solidFill>
                 <a:schemeClr val="tx1"/>
               </a:solidFill>
-              <a:latin typeface="+mn-ea"/>
-            </a:endParaRPr>
-          </a:p>
-        </p:txBody>
-      </p:sp>
-      <p:sp>
-        <p:nvSpPr>
-          <p:cNvPr id="7" name="流程圖: 文件 6"/>
-          <p:cNvSpPr/>
-          <p:nvPr/>
-        </p:nvSpPr>
-        <p:spPr>
-          <a:xfrm>
-            <a:off x="2217709" y="3450287"/>
-            <a:ext cx="1119352" cy="993227"/>
-          </a:xfrm>
-          <a:prstGeom prst="flowChartDocument">
-            <a:avLst/>
-          </a:prstGeom>
-          <a:solidFill>
-            <a:srgbClr val="FFFF00"/>
-          </a:solidFill>
-        </p:spPr>
-        <p:style>
-          <a:lnRef idx="2">
-            <a:schemeClr val="accent1">
-              <a:shade val="50000"/>
-            </a:schemeClr>
-          </a:lnRef>
-          <a:fillRef idx="1">
-            <a:schemeClr val="accent1"/>
-          </a:fillRef>
-          <a:effectRef idx="0">
-            <a:schemeClr val="accent1"/>
-          </a:effectRef>
-          <a:fontRef idx="minor">
-            <a:schemeClr val="lt1"/>
-          </a:fontRef>
-        </p:style>
-        <p:txBody>
-          <a:bodyPr rtlCol="0" anchor="ctr"/>
-          <a:lstStyle/>
-          <a:p>
-            <a:pPr algn="ctr"/>
-            <a:r>
-              <a:rPr lang="zh-TW" altLang="en-US" dirty="0">
+              <a:tailEnd type="triangle"/>
+            </a:ln>
+          </p:spPr>
+          <p:style>
+            <a:lnRef idx="1">
+              <a:schemeClr val="accent1"/>
+            </a:lnRef>
+            <a:fillRef idx="0">
+              <a:schemeClr val="accent1"/>
+            </a:fillRef>
+            <a:effectRef idx="0">
+              <a:schemeClr val="accent1"/>
+            </a:effectRef>
+            <a:fontRef idx="minor">
+              <a:schemeClr val="tx1"/>
+            </a:fontRef>
+          </p:style>
+        </p:cxnSp>
+        <p:cxnSp>
+          <p:nvCxnSpPr>
+            <p:cNvPr id="13" name="直線單箭頭接點 12"/>
+            <p:cNvCxnSpPr>
+              <a:endCxn id="8" idx="1"/>
+            </p:cNvCxnSpPr>
+            <p:nvPr/>
+          </p:nvCxnSpPr>
+          <p:spPr>
+            <a:xfrm>
+              <a:off x="3326524" y="2743199"/>
+              <a:ext cx="1292772" cy="533401"/>
+            </a:xfrm>
+            <a:prstGeom prst="straightConnector1">
+              <a:avLst/>
+            </a:prstGeom>
+            <a:ln w="19050">
+              <a:solidFill>
+                <a:schemeClr val="tx1"/>
+              </a:solidFill>
+              <a:tailEnd type="triangle"/>
+            </a:ln>
+          </p:spPr>
+          <p:style>
+            <a:lnRef idx="1">
+              <a:schemeClr val="accent1"/>
+            </a:lnRef>
+            <a:fillRef idx="0">
+              <a:schemeClr val="accent1"/>
+            </a:fillRef>
+            <a:effectRef idx="0">
+              <a:schemeClr val="accent1"/>
+            </a:effectRef>
+            <a:fontRef idx="minor">
+              <a:schemeClr val="tx1"/>
+            </a:fontRef>
+          </p:style>
+        </p:cxnSp>
+        <p:sp>
+          <p:nvSpPr>
+            <p:cNvPr id="18" name="文字方塊 17"/>
+            <p:cNvSpPr txBox="1"/>
+            <p:nvPr/>
+          </p:nvSpPr>
+          <p:spPr>
+            <a:xfrm>
+              <a:off x="3649744" y="2537936"/>
+              <a:ext cx="646331" cy="1477328"/>
+            </a:xfrm>
+            <a:prstGeom prst="rect">
+              <a:avLst/>
+            </a:prstGeom>
+            <a:noFill/>
+          </p:spPr>
+          <p:txBody>
+            <a:bodyPr wrap="none" rtlCol="0">
+              <a:spAutoFit/>
+            </a:bodyPr>
+            <a:lstStyle/>
+            <a:p>
+              <a:r>
+                <a:rPr lang="zh-TW" altLang="en-US" dirty="0" smtClean="0">
+                  <a:latin typeface="+mj-ea"/>
+                  <a:ea typeface="+mj-ea"/>
+                </a:rPr>
+                <a:t>小計</a:t>
+              </a:r>
+              <a:endParaRPr lang="en-US" altLang="zh-TW" dirty="0" smtClean="0">
+                <a:latin typeface="+mj-ea"/>
+                <a:ea typeface="+mj-ea"/>
+              </a:endParaRPr>
+            </a:p>
+            <a:p>
+              <a:endParaRPr lang="en-US" altLang="zh-TW" dirty="0">
+                <a:latin typeface="+mj-ea"/>
+                <a:ea typeface="+mj-ea"/>
+              </a:endParaRPr>
+            </a:p>
+            <a:p>
+              <a:r>
+                <a:rPr lang="zh-TW" altLang="en-US" dirty="0" smtClean="0">
+                  <a:latin typeface="+mj-ea"/>
+                  <a:ea typeface="+mj-ea"/>
+                </a:rPr>
+                <a:t>刪除</a:t>
+              </a:r>
+              <a:endParaRPr lang="en-US" altLang="zh-TW" dirty="0" smtClean="0">
+                <a:latin typeface="+mj-ea"/>
+                <a:ea typeface="+mj-ea"/>
+              </a:endParaRPr>
+            </a:p>
+            <a:p>
+              <a:endParaRPr lang="en-US" altLang="zh-TW" dirty="0">
+                <a:latin typeface="+mj-ea"/>
+                <a:ea typeface="+mj-ea"/>
+              </a:endParaRPr>
+            </a:p>
+            <a:p>
+              <a:r>
+                <a:rPr lang="zh-TW" altLang="en-US" dirty="0" smtClean="0">
+                  <a:latin typeface="+mj-ea"/>
+                  <a:ea typeface="+mj-ea"/>
+                </a:rPr>
+                <a:t>整併</a:t>
+              </a:r>
+              <a:endParaRPr lang="zh-TW" altLang="en-US" dirty="0">
+                <a:latin typeface="+mj-ea"/>
+                <a:ea typeface="+mj-ea"/>
+              </a:endParaRPr>
+            </a:p>
+          </p:txBody>
+        </p:sp>
+        <p:sp>
+          <p:nvSpPr>
+            <p:cNvPr id="19" name="文字方塊 18"/>
+            <p:cNvSpPr txBox="1"/>
+            <p:nvPr/>
+          </p:nvSpPr>
+          <p:spPr>
+            <a:xfrm>
+              <a:off x="2097434" y="1653910"/>
+              <a:ext cx="1338828" cy="369332"/>
+            </a:xfrm>
+            <a:prstGeom prst="rect">
+              <a:avLst/>
+            </a:prstGeom>
+            <a:noFill/>
+          </p:spPr>
+          <p:txBody>
+            <a:bodyPr wrap="none" rtlCol="0">
+              <a:spAutoFit/>
+            </a:bodyPr>
+            <a:lstStyle/>
+            <a:p>
+              <a:r>
+                <a:rPr lang="zh-TW" altLang="en-US" b="1" dirty="0" smtClean="0"/>
+                <a:t>原始資料集</a:t>
+              </a:r>
+              <a:endParaRPr lang="zh-TW" altLang="en-US" b="1" dirty="0"/>
+            </a:p>
+          </p:txBody>
+        </p:sp>
+        <p:sp>
+          <p:nvSpPr>
+            <p:cNvPr id="20" name="文字方塊 19"/>
+            <p:cNvSpPr txBox="1"/>
+            <p:nvPr/>
+          </p:nvSpPr>
+          <p:spPr>
+            <a:xfrm>
+              <a:off x="4376765" y="1903219"/>
+              <a:ext cx="1800493" cy="369332"/>
+            </a:xfrm>
+            <a:prstGeom prst="rect">
+              <a:avLst/>
+            </a:prstGeom>
+            <a:noFill/>
+          </p:spPr>
+          <p:txBody>
+            <a:bodyPr wrap="none" rtlCol="0">
+              <a:spAutoFit/>
+            </a:bodyPr>
+            <a:lstStyle/>
+            <a:p>
+              <a:r>
+                <a:rPr lang="zh-TW" altLang="en-US" b="1" dirty="0" smtClean="0"/>
+                <a:t>待分析資料集 </a:t>
+              </a:r>
+              <a:r>
+                <a:rPr lang="en-US" altLang="zh-TW" b="1" dirty="0" smtClean="0"/>
+                <a:t>1</a:t>
+              </a:r>
+              <a:endParaRPr lang="zh-TW" altLang="en-US" b="1" dirty="0"/>
+            </a:p>
+          </p:txBody>
+        </p:sp>
+        <p:sp>
+          <p:nvSpPr>
+            <p:cNvPr id="21" name="流程圖: 文件 20"/>
+            <p:cNvSpPr/>
+            <p:nvPr/>
+          </p:nvSpPr>
+          <p:spPr>
+            <a:xfrm>
+              <a:off x="6708227" y="2287136"/>
+              <a:ext cx="1119352" cy="885808"/>
+            </a:xfrm>
+            <a:prstGeom prst="flowChartDocument">
+              <a:avLst/>
+            </a:prstGeom>
+            <a:solidFill>
+              <a:schemeClr val="accent6">
+                <a:lumMod val="20000"/>
+                <a:lumOff val="80000"/>
+              </a:schemeClr>
+            </a:solidFill>
+          </p:spPr>
+          <p:style>
+            <a:lnRef idx="2">
+              <a:schemeClr val="accent1">
+                <a:shade val="50000"/>
+              </a:schemeClr>
+            </a:lnRef>
+            <a:fillRef idx="1">
+              <a:schemeClr val="accent1"/>
+            </a:fillRef>
+            <a:effectRef idx="0">
+              <a:schemeClr val="accent1"/>
+            </a:effectRef>
+            <a:fontRef idx="minor">
+              <a:schemeClr val="lt1"/>
+            </a:fontRef>
+          </p:style>
+          <p:txBody>
+            <a:bodyPr rtlCol="0" anchor="ctr"/>
+            <a:lstStyle/>
+            <a:p>
+              <a:pPr algn="ctr"/>
+              <a:r>
+                <a:rPr lang="zh-TW" altLang="en-US" dirty="0" smtClean="0">
+                  <a:solidFill>
+                    <a:schemeClr val="tx1"/>
+                  </a:solidFill>
+                </a:rPr>
+                <a:t>高密度</a:t>
+              </a:r>
+              <a:r>
+                <a:rPr lang="en-US" altLang="zh-TW" dirty="0" smtClean="0">
+                  <a:solidFill>
+                    <a:schemeClr val="tx1"/>
+                  </a:solidFill>
+                </a:rPr>
+                <a:t>Data</a:t>
+              </a:r>
+              <a:endParaRPr lang="zh-TW" altLang="en-US" dirty="0">
                 <a:solidFill>
                   <a:schemeClr val="tx1"/>
                 </a:solidFill>
-                <a:latin typeface="+mn-ea"/>
-              </a:rPr>
-              <a:t>誘</a:t>
-            </a:r>
-            <a:r>
-              <a:rPr lang="zh-TW" altLang="en-US" dirty="0" smtClean="0">
+              </a:endParaRPr>
+            </a:p>
+          </p:txBody>
+        </p:sp>
+        <p:sp>
+          <p:nvSpPr>
+            <p:cNvPr id="22" name="流程圖: 文件 21"/>
+            <p:cNvSpPr/>
+            <p:nvPr/>
+          </p:nvSpPr>
+          <p:spPr>
+            <a:xfrm>
+              <a:off x="6708227" y="3425737"/>
+              <a:ext cx="1119352" cy="885808"/>
+            </a:xfrm>
+            <a:prstGeom prst="flowChartDocument">
+              <a:avLst/>
+            </a:prstGeom>
+            <a:solidFill>
+              <a:schemeClr val="accent6">
+                <a:lumMod val="20000"/>
+                <a:lumOff val="80000"/>
+              </a:schemeClr>
+            </a:solidFill>
+          </p:spPr>
+          <p:style>
+            <a:lnRef idx="2">
+              <a:schemeClr val="accent1">
+                <a:shade val="50000"/>
+              </a:schemeClr>
+            </a:lnRef>
+            <a:fillRef idx="1">
+              <a:schemeClr val="accent1"/>
+            </a:fillRef>
+            <a:effectRef idx="0">
+              <a:schemeClr val="accent1"/>
+            </a:effectRef>
+            <a:fontRef idx="minor">
+              <a:schemeClr val="lt1"/>
+            </a:fontRef>
+          </p:style>
+          <p:txBody>
+            <a:bodyPr rtlCol="0" anchor="ctr"/>
+            <a:lstStyle/>
+            <a:p>
+              <a:pPr algn="ctr"/>
+              <a:r>
+                <a:rPr lang="zh-TW" altLang="en-US" dirty="0">
+                  <a:solidFill>
+                    <a:schemeClr val="tx1"/>
+                  </a:solidFill>
+                </a:rPr>
+                <a:t>低</a:t>
+              </a:r>
+              <a:r>
+                <a:rPr lang="zh-TW" altLang="en-US" dirty="0" smtClean="0">
+                  <a:solidFill>
+                    <a:schemeClr val="tx1"/>
+                  </a:solidFill>
+                </a:rPr>
+                <a:t>密度</a:t>
+              </a:r>
+              <a:r>
+                <a:rPr lang="en-US" altLang="zh-TW" dirty="0" smtClean="0">
+                  <a:solidFill>
+                    <a:schemeClr val="tx1"/>
+                  </a:solidFill>
+                </a:rPr>
+                <a:t>Data</a:t>
+              </a:r>
+              <a:endParaRPr lang="zh-TW" altLang="en-US" dirty="0">
                 <a:solidFill>
                   <a:schemeClr val="tx1"/>
                 </a:solidFill>
-                <a:latin typeface="+mn-ea"/>
-              </a:rPr>
-              <a:t>卵桶指數</a:t>
-            </a:r>
-            <a:r>
-              <a:rPr lang="en-US" altLang="zh-TW" dirty="0" smtClean="0">
-                <a:solidFill>
-                  <a:schemeClr val="tx1"/>
-                </a:solidFill>
-                <a:latin typeface="+mn-ea"/>
-              </a:rPr>
-              <a:t>Data</a:t>
-            </a:r>
-            <a:endParaRPr lang="zh-TW" altLang="en-US" dirty="0">
+              </a:endParaRPr>
+            </a:p>
+          </p:txBody>
+        </p:sp>
+        <p:sp>
+          <p:nvSpPr>
+            <p:cNvPr id="23" name="文字方塊 22"/>
+            <p:cNvSpPr txBox="1"/>
+            <p:nvPr/>
+          </p:nvSpPr>
+          <p:spPr>
+            <a:xfrm>
+              <a:off x="6426166" y="1903219"/>
+              <a:ext cx="1792478" cy="369332"/>
+            </a:xfrm>
+            <a:prstGeom prst="rect">
+              <a:avLst/>
+            </a:prstGeom>
+            <a:noFill/>
+          </p:spPr>
+          <p:txBody>
+            <a:bodyPr wrap="none" rtlCol="0">
+              <a:spAutoFit/>
+            </a:bodyPr>
+            <a:lstStyle/>
+            <a:p>
+              <a:r>
+                <a:rPr lang="zh-TW" altLang="en-US" b="1" dirty="0" smtClean="0"/>
+                <a:t>待分析資料集  </a:t>
+              </a:r>
+              <a:r>
+                <a:rPr lang="en-US" altLang="zh-TW" b="1" dirty="0" smtClean="0"/>
+                <a:t>2</a:t>
+              </a:r>
+              <a:endParaRPr lang="zh-TW" altLang="en-US" b="1" dirty="0"/>
+            </a:p>
+          </p:txBody>
+        </p:sp>
+        <p:cxnSp>
+          <p:nvCxnSpPr>
+            <p:cNvPr id="25" name="直線單箭頭接點 24"/>
+            <p:cNvCxnSpPr>
+              <a:endCxn id="21" idx="1"/>
+            </p:cNvCxnSpPr>
+            <p:nvPr/>
+          </p:nvCxnSpPr>
+          <p:spPr>
+            <a:xfrm flipV="1">
+              <a:off x="5738648" y="2730040"/>
+              <a:ext cx="969579" cy="546560"/>
+            </a:xfrm>
+            <a:prstGeom prst="straightConnector1">
+              <a:avLst/>
+            </a:prstGeom>
+            <a:ln w="28575">
               <a:solidFill>
                 <a:schemeClr val="tx1"/>
               </a:solidFill>
-              <a:latin typeface="+mn-ea"/>
-            </a:endParaRPr>
-          </a:p>
-        </p:txBody>
-      </p:sp>
-      <p:sp>
-        <p:nvSpPr>
-          <p:cNvPr id="8" name="流程圖: 文件 7"/>
-          <p:cNvSpPr/>
-          <p:nvPr/>
-        </p:nvSpPr>
-        <p:spPr>
-          <a:xfrm>
-            <a:off x="4619296" y="2398987"/>
-            <a:ext cx="1119352" cy="1755226"/>
-          </a:xfrm>
-          <a:prstGeom prst="flowChartDocument">
-            <a:avLst/>
-          </a:prstGeom>
-          <a:solidFill>
-            <a:schemeClr val="accent4">
-              <a:lumMod val="40000"/>
-              <a:lumOff val="60000"/>
-            </a:schemeClr>
-          </a:solidFill>
-        </p:spPr>
-        <p:style>
-          <a:lnRef idx="2">
-            <a:schemeClr val="accent1">
-              <a:shade val="50000"/>
-            </a:schemeClr>
-          </a:lnRef>
-          <a:fillRef idx="1">
-            <a:schemeClr val="accent1"/>
-          </a:fillRef>
-          <a:effectRef idx="0">
-            <a:schemeClr val="accent1"/>
-          </a:effectRef>
-          <a:fontRef idx="minor">
-            <a:schemeClr val="lt1"/>
-          </a:fontRef>
-        </p:style>
-        <p:txBody>
-          <a:bodyPr rtlCol="0" anchor="ctr"/>
-          <a:lstStyle/>
-          <a:p>
-            <a:pPr algn="ctr"/>
-            <a:r>
-              <a:rPr lang="zh-TW" altLang="en-US" dirty="0" smtClean="0">
-                <a:solidFill>
-                  <a:schemeClr val="tx1"/>
-                </a:solidFill>
-              </a:rPr>
-              <a:t>病媒蚊密度指數 </a:t>
-            </a:r>
-            <a:r>
-              <a:rPr lang="en-US" altLang="zh-TW" dirty="0" smtClean="0">
-                <a:solidFill>
-                  <a:schemeClr val="tx1"/>
-                </a:solidFill>
-              </a:rPr>
-              <a:t>+ </a:t>
-            </a:r>
-            <a:r>
-              <a:rPr lang="zh-TW" altLang="en-US" dirty="0" smtClean="0">
-                <a:solidFill>
-                  <a:schemeClr val="tx1"/>
-                </a:solidFill>
-              </a:rPr>
-              <a:t>誘卵桶</a:t>
-            </a:r>
-            <a:r>
-              <a:rPr lang="zh-TW" altLang="en-US" dirty="0">
-                <a:solidFill>
-                  <a:schemeClr val="tx1"/>
-                </a:solidFill>
-              </a:rPr>
-              <a:t>指數</a:t>
-            </a:r>
-            <a:r>
-              <a:rPr lang="en-US" altLang="zh-TW" dirty="0" smtClean="0">
-                <a:solidFill>
-                  <a:schemeClr val="tx1"/>
-                </a:solidFill>
-              </a:rPr>
-              <a:t>Data</a:t>
-            </a:r>
-            <a:endParaRPr lang="zh-TW" altLang="en-US" dirty="0">
+              <a:tailEnd type="triangle"/>
+            </a:ln>
+          </p:spPr>
+          <p:style>
+            <a:lnRef idx="1">
+              <a:schemeClr val="accent1"/>
+            </a:lnRef>
+            <a:fillRef idx="0">
+              <a:schemeClr val="accent1"/>
+            </a:fillRef>
+            <a:effectRef idx="0">
+              <a:schemeClr val="accent1"/>
+            </a:effectRef>
+            <a:fontRef idx="minor">
+              <a:schemeClr val="tx1"/>
+            </a:fontRef>
+          </p:style>
+        </p:cxnSp>
+        <p:cxnSp>
+          <p:nvCxnSpPr>
+            <p:cNvPr id="27" name="直線單箭頭接點 26"/>
+            <p:cNvCxnSpPr>
+              <a:stCxn id="8" idx="3"/>
+              <a:endCxn id="22" idx="1"/>
+            </p:cNvCxnSpPr>
+            <p:nvPr/>
+          </p:nvCxnSpPr>
+          <p:spPr>
+            <a:xfrm>
+              <a:off x="5738648" y="3276600"/>
+              <a:ext cx="969579" cy="592041"/>
+            </a:xfrm>
+            <a:prstGeom prst="straightConnector1">
+              <a:avLst/>
+            </a:prstGeom>
+            <a:ln w="28575">
               <a:solidFill>
                 <a:schemeClr val="tx1"/>
               </a:solidFill>
-            </a:endParaRPr>
-          </a:p>
-        </p:txBody>
-      </p:sp>
-      <p:cxnSp>
-        <p:nvCxnSpPr>
-          <p:cNvPr id="12" name="直線單箭頭接點 11"/>
-          <p:cNvCxnSpPr>
-            <a:stCxn id="7" idx="3"/>
-            <a:endCxn id="8" idx="1"/>
-          </p:cNvCxnSpPr>
-          <p:nvPr/>
-        </p:nvCxnSpPr>
-        <p:spPr>
-          <a:xfrm flipV="1">
-            <a:off x="3337061" y="3276600"/>
-            <a:ext cx="1282235" cy="670301"/>
-          </a:xfrm>
-          <a:prstGeom prst="straightConnector1">
-            <a:avLst/>
-          </a:prstGeom>
-          <a:ln w="19050">
-            <a:solidFill>
+              <a:tailEnd type="triangle"/>
+            </a:ln>
+          </p:spPr>
+          <p:style>
+            <a:lnRef idx="1">
+              <a:schemeClr val="accent1"/>
+            </a:lnRef>
+            <a:fillRef idx="0">
+              <a:schemeClr val="accent1"/>
+            </a:fillRef>
+            <a:effectRef idx="0">
+              <a:schemeClr val="accent1"/>
+            </a:effectRef>
+            <a:fontRef idx="minor">
               <a:schemeClr val="tx1"/>
-            </a:solidFill>
-            <a:tailEnd type="triangle"/>
-          </a:ln>
-        </p:spPr>
-        <p:style>
-          <a:lnRef idx="1">
-            <a:schemeClr val="accent1"/>
-          </a:lnRef>
-          <a:fillRef idx="0">
-            <a:schemeClr val="accent1"/>
-          </a:fillRef>
-          <a:effectRef idx="0">
-            <a:schemeClr val="accent1"/>
-          </a:effectRef>
-          <a:fontRef idx="minor">
-            <a:schemeClr val="tx1"/>
-          </a:fontRef>
-        </p:style>
-      </p:cxnSp>
-      <p:cxnSp>
-        <p:nvCxnSpPr>
-          <p:cNvPr id="13" name="直線單箭頭接點 12"/>
-          <p:cNvCxnSpPr>
-            <a:endCxn id="8" idx="1"/>
-          </p:cNvCxnSpPr>
-          <p:nvPr/>
-        </p:nvCxnSpPr>
-        <p:spPr>
-          <a:xfrm>
-            <a:off x="3326524" y="2743199"/>
-            <a:ext cx="1292772" cy="533401"/>
-          </a:xfrm>
-          <a:prstGeom prst="straightConnector1">
-            <a:avLst/>
-          </a:prstGeom>
-          <a:ln w="19050">
-            <a:solidFill>
-              <a:schemeClr val="tx1"/>
-            </a:solidFill>
-            <a:tailEnd type="triangle"/>
-          </a:ln>
-        </p:spPr>
-        <p:style>
-          <a:lnRef idx="1">
-            <a:schemeClr val="accent1"/>
-          </a:lnRef>
-          <a:fillRef idx="0">
-            <a:schemeClr val="accent1"/>
-          </a:fillRef>
-          <a:effectRef idx="0">
-            <a:schemeClr val="accent1"/>
-          </a:effectRef>
-          <a:fontRef idx="minor">
-            <a:schemeClr val="tx1"/>
-          </a:fontRef>
-        </p:style>
-      </p:cxnSp>
-      <p:sp>
-        <p:nvSpPr>
-          <p:cNvPr id="18" name="文字方塊 17"/>
-          <p:cNvSpPr txBox="1"/>
-          <p:nvPr/>
-        </p:nvSpPr>
-        <p:spPr>
-          <a:xfrm>
-            <a:off x="3649744" y="2537936"/>
-            <a:ext cx="646331" cy="1477328"/>
-          </a:xfrm>
-          <a:prstGeom prst="rect">
-            <a:avLst/>
-          </a:prstGeom>
-          <a:noFill/>
-        </p:spPr>
-        <p:txBody>
-          <a:bodyPr wrap="none" rtlCol="0">
-            <a:spAutoFit/>
-          </a:bodyPr>
-          <a:lstStyle/>
-          <a:p>
-            <a:r>
-              <a:rPr lang="zh-TW" altLang="en-US" dirty="0" smtClean="0">
+            </a:fontRef>
+          </p:style>
+        </p:cxnSp>
+        <p:sp>
+          <p:nvSpPr>
+            <p:cNvPr id="31" name="文字方塊 30"/>
+            <p:cNvSpPr txBox="1"/>
+            <p:nvPr/>
+          </p:nvSpPr>
+          <p:spPr>
+            <a:xfrm>
+              <a:off x="5975158" y="2608305"/>
+              <a:ext cx="646331" cy="923330"/>
+            </a:xfrm>
+            <a:prstGeom prst="rect">
+              <a:avLst/>
+            </a:prstGeom>
+            <a:noFill/>
+          </p:spPr>
+          <p:txBody>
+            <a:bodyPr wrap="none" rtlCol="0">
+              <a:spAutoFit/>
+            </a:bodyPr>
+            <a:lstStyle/>
+            <a:p>
+              <a:r>
+                <a:rPr lang="zh-TW" altLang="en-US" dirty="0" smtClean="0">
+                  <a:latin typeface="+mj-ea"/>
+                  <a:ea typeface="+mj-ea"/>
+                </a:rPr>
+                <a:t>依照</a:t>
+              </a:r>
+              <a:endParaRPr lang="en-US" altLang="zh-TW" dirty="0" smtClean="0">
                 <a:latin typeface="+mj-ea"/>
                 <a:ea typeface="+mj-ea"/>
-              </a:rPr>
-              <a:t>小計</a:t>
-            </a:r>
-            <a:endParaRPr lang="en-US" altLang="zh-TW" dirty="0" smtClean="0">
-              <a:latin typeface="+mj-ea"/>
-              <a:ea typeface="+mj-ea"/>
-            </a:endParaRPr>
-          </a:p>
-          <a:p>
-            <a:endParaRPr lang="en-US" altLang="zh-TW" dirty="0">
-              <a:latin typeface="+mj-ea"/>
-              <a:ea typeface="+mj-ea"/>
-            </a:endParaRPr>
-          </a:p>
-          <a:p>
-            <a:r>
-              <a:rPr lang="zh-TW" altLang="en-US" dirty="0" smtClean="0">
+              </a:endParaRPr>
+            </a:p>
+            <a:p>
+              <a:r>
+                <a:rPr lang="zh-TW" altLang="en-US" dirty="0" smtClean="0">
+                  <a:latin typeface="+mj-ea"/>
+                  <a:ea typeface="+mj-ea"/>
+                </a:rPr>
+                <a:t>人口</a:t>
+              </a:r>
+              <a:endParaRPr lang="en-US" altLang="zh-TW" dirty="0" smtClean="0">
                 <a:latin typeface="+mj-ea"/>
                 <a:ea typeface="+mj-ea"/>
-              </a:rPr>
-              <a:t>刪除</a:t>
-            </a:r>
-            <a:endParaRPr lang="en-US" altLang="zh-TW" dirty="0" smtClean="0">
-              <a:latin typeface="+mj-ea"/>
-              <a:ea typeface="+mj-ea"/>
-            </a:endParaRPr>
-          </a:p>
-          <a:p>
-            <a:endParaRPr lang="en-US" altLang="zh-TW" dirty="0">
-              <a:latin typeface="+mj-ea"/>
-              <a:ea typeface="+mj-ea"/>
-            </a:endParaRPr>
-          </a:p>
-          <a:p>
-            <a:r>
-              <a:rPr lang="zh-TW" altLang="en-US" dirty="0" smtClean="0">
-                <a:latin typeface="+mj-ea"/>
-                <a:ea typeface="+mj-ea"/>
-              </a:rPr>
-              <a:t>整併</a:t>
-            </a:r>
-            <a:endParaRPr lang="zh-TW" altLang="en-US" dirty="0">
-              <a:latin typeface="+mj-ea"/>
-              <a:ea typeface="+mj-ea"/>
-            </a:endParaRPr>
-          </a:p>
-        </p:txBody>
-      </p:sp>
-      <p:sp>
-        <p:nvSpPr>
-          <p:cNvPr id="19" name="文字方塊 18"/>
-          <p:cNvSpPr txBox="1"/>
-          <p:nvPr/>
-        </p:nvSpPr>
-        <p:spPr>
-          <a:xfrm>
-            <a:off x="2097434" y="1653910"/>
-            <a:ext cx="1338828" cy="369332"/>
-          </a:xfrm>
-          <a:prstGeom prst="rect">
-            <a:avLst/>
-          </a:prstGeom>
-          <a:noFill/>
-        </p:spPr>
-        <p:txBody>
-          <a:bodyPr wrap="none" rtlCol="0">
-            <a:spAutoFit/>
-          </a:bodyPr>
-          <a:lstStyle/>
-          <a:p>
-            <a:r>
-              <a:rPr lang="zh-TW" altLang="en-US" b="1" dirty="0" smtClean="0"/>
-              <a:t>原始資料集</a:t>
-            </a:r>
-            <a:endParaRPr lang="zh-TW" altLang="en-US" b="1" dirty="0"/>
-          </a:p>
-        </p:txBody>
-      </p:sp>
-      <p:sp>
-        <p:nvSpPr>
-          <p:cNvPr id="20" name="文字方塊 19"/>
-          <p:cNvSpPr txBox="1"/>
-          <p:nvPr/>
-        </p:nvSpPr>
-        <p:spPr>
-          <a:xfrm>
-            <a:off x="4376765" y="1903219"/>
-            <a:ext cx="1800493" cy="369332"/>
-          </a:xfrm>
-          <a:prstGeom prst="rect">
-            <a:avLst/>
-          </a:prstGeom>
-          <a:noFill/>
-        </p:spPr>
-        <p:txBody>
-          <a:bodyPr wrap="none" rtlCol="0">
-            <a:spAutoFit/>
-          </a:bodyPr>
-          <a:lstStyle/>
-          <a:p>
-            <a:r>
-              <a:rPr lang="zh-TW" altLang="en-US" b="1" dirty="0" smtClean="0"/>
-              <a:t>待分析資料集 </a:t>
-            </a:r>
-            <a:r>
-              <a:rPr lang="en-US" altLang="zh-TW" b="1" dirty="0" smtClean="0"/>
-              <a:t>1</a:t>
-            </a:r>
-            <a:endParaRPr lang="zh-TW" altLang="en-US" b="1" dirty="0"/>
-          </a:p>
-        </p:txBody>
-      </p:sp>
-      <p:sp>
-        <p:nvSpPr>
-          <p:cNvPr id="21" name="流程圖: 文件 20"/>
-          <p:cNvSpPr/>
-          <p:nvPr/>
-        </p:nvSpPr>
-        <p:spPr>
-          <a:xfrm>
-            <a:off x="6708227" y="2287136"/>
-            <a:ext cx="1119352" cy="885808"/>
-          </a:xfrm>
-          <a:prstGeom prst="flowChartDocument">
-            <a:avLst/>
-          </a:prstGeom>
-          <a:solidFill>
-            <a:schemeClr val="accent2">
-              <a:lumMod val="20000"/>
-              <a:lumOff val="80000"/>
-            </a:schemeClr>
-          </a:solidFill>
-        </p:spPr>
-        <p:style>
-          <a:lnRef idx="2">
-            <a:schemeClr val="accent1">
-              <a:shade val="50000"/>
-            </a:schemeClr>
-          </a:lnRef>
-          <a:fillRef idx="1">
-            <a:schemeClr val="accent1"/>
-          </a:fillRef>
-          <a:effectRef idx="0">
-            <a:schemeClr val="accent1"/>
-          </a:effectRef>
-          <a:fontRef idx="minor">
-            <a:schemeClr val="lt1"/>
-          </a:fontRef>
-        </p:style>
-        <p:txBody>
-          <a:bodyPr rtlCol="0" anchor="ctr"/>
-          <a:lstStyle/>
-          <a:p>
-            <a:pPr algn="ctr"/>
-            <a:r>
-              <a:rPr lang="zh-TW" altLang="en-US" dirty="0" smtClean="0">
-                <a:solidFill>
-                  <a:schemeClr val="tx1"/>
-                </a:solidFill>
-              </a:rPr>
-              <a:t>高密度</a:t>
-            </a:r>
-            <a:r>
-              <a:rPr lang="en-US" altLang="zh-TW" dirty="0" smtClean="0">
-                <a:solidFill>
-                  <a:schemeClr val="tx1"/>
-                </a:solidFill>
-              </a:rPr>
-              <a:t>Data</a:t>
-            </a:r>
-            <a:endParaRPr lang="zh-TW" altLang="en-US" dirty="0">
-              <a:solidFill>
-                <a:schemeClr val="tx1"/>
-              </a:solidFill>
-            </a:endParaRPr>
-          </a:p>
-        </p:txBody>
-      </p:sp>
-      <p:sp>
-        <p:nvSpPr>
-          <p:cNvPr id="22" name="流程圖: 文件 21"/>
-          <p:cNvSpPr/>
-          <p:nvPr/>
-        </p:nvSpPr>
-        <p:spPr>
-          <a:xfrm>
-            <a:off x="6708227" y="3425737"/>
-            <a:ext cx="1119352" cy="885808"/>
-          </a:xfrm>
-          <a:prstGeom prst="flowChartDocument">
-            <a:avLst/>
-          </a:prstGeom>
-          <a:solidFill>
-            <a:schemeClr val="accent2">
-              <a:lumMod val="20000"/>
-              <a:lumOff val="80000"/>
-            </a:schemeClr>
-          </a:solidFill>
-        </p:spPr>
-        <p:style>
-          <a:lnRef idx="2">
-            <a:schemeClr val="accent1">
-              <a:shade val="50000"/>
-            </a:schemeClr>
-          </a:lnRef>
-          <a:fillRef idx="1">
-            <a:schemeClr val="accent1"/>
-          </a:fillRef>
-          <a:effectRef idx="0">
-            <a:schemeClr val="accent1"/>
-          </a:effectRef>
-          <a:fontRef idx="minor">
-            <a:schemeClr val="lt1"/>
-          </a:fontRef>
-        </p:style>
-        <p:txBody>
-          <a:bodyPr rtlCol="0" anchor="ctr"/>
-          <a:lstStyle/>
-          <a:p>
-            <a:pPr algn="ctr"/>
-            <a:r>
-              <a:rPr lang="zh-TW" altLang="en-US" dirty="0">
-                <a:solidFill>
-                  <a:schemeClr val="tx1"/>
-                </a:solidFill>
-              </a:rPr>
-              <a:t>低</a:t>
-            </a:r>
-            <a:r>
-              <a:rPr lang="zh-TW" altLang="en-US" dirty="0" smtClean="0">
-                <a:solidFill>
-                  <a:schemeClr val="tx1"/>
-                </a:solidFill>
-              </a:rPr>
-              <a:t>密度</a:t>
-            </a:r>
-            <a:r>
-              <a:rPr lang="en-US" altLang="zh-TW" dirty="0" smtClean="0">
-                <a:solidFill>
-                  <a:schemeClr val="tx1"/>
-                </a:solidFill>
-              </a:rPr>
-              <a:t>Data</a:t>
-            </a:r>
-            <a:endParaRPr lang="zh-TW" altLang="en-US" dirty="0">
-              <a:solidFill>
-                <a:schemeClr val="tx1"/>
-              </a:solidFill>
-            </a:endParaRPr>
-          </a:p>
-        </p:txBody>
-      </p:sp>
-      <p:sp>
-        <p:nvSpPr>
-          <p:cNvPr id="23" name="文字方塊 22"/>
-          <p:cNvSpPr txBox="1"/>
-          <p:nvPr/>
-        </p:nvSpPr>
-        <p:spPr>
-          <a:xfrm>
-            <a:off x="6426166" y="1903219"/>
-            <a:ext cx="1792478" cy="369332"/>
-          </a:xfrm>
-          <a:prstGeom prst="rect">
-            <a:avLst/>
-          </a:prstGeom>
-          <a:noFill/>
-        </p:spPr>
-        <p:txBody>
-          <a:bodyPr wrap="none" rtlCol="0">
-            <a:spAutoFit/>
-          </a:bodyPr>
-          <a:lstStyle/>
-          <a:p>
-            <a:r>
-              <a:rPr lang="zh-TW" altLang="en-US" b="1" dirty="0" smtClean="0"/>
-              <a:t>待分析資料集  </a:t>
-            </a:r>
-            <a:r>
-              <a:rPr lang="en-US" altLang="zh-TW" b="1" dirty="0" smtClean="0"/>
-              <a:t>2</a:t>
-            </a:r>
-            <a:endParaRPr lang="zh-TW" altLang="en-US" b="1" dirty="0"/>
-          </a:p>
-        </p:txBody>
-      </p:sp>
-      <p:cxnSp>
-        <p:nvCxnSpPr>
-          <p:cNvPr id="25" name="直線單箭頭接點 24"/>
-          <p:cNvCxnSpPr>
-            <a:endCxn id="21" idx="1"/>
-          </p:cNvCxnSpPr>
-          <p:nvPr/>
-        </p:nvCxnSpPr>
-        <p:spPr>
-          <a:xfrm flipV="1">
-            <a:off x="5738648" y="2730040"/>
-            <a:ext cx="969579" cy="546560"/>
-          </a:xfrm>
-          <a:prstGeom prst="straightConnector1">
-            <a:avLst/>
-          </a:prstGeom>
-          <a:ln w="28575">
-            <a:solidFill>
-              <a:schemeClr val="tx1"/>
-            </a:solidFill>
-            <a:tailEnd type="triangle"/>
-          </a:ln>
-        </p:spPr>
-        <p:style>
-          <a:lnRef idx="1">
-            <a:schemeClr val="accent1"/>
-          </a:lnRef>
-          <a:fillRef idx="0">
-            <a:schemeClr val="accent1"/>
-          </a:fillRef>
-          <a:effectRef idx="0">
-            <a:schemeClr val="accent1"/>
-          </a:effectRef>
-          <a:fontRef idx="minor">
-            <a:schemeClr val="tx1"/>
-          </a:fontRef>
-        </p:style>
-      </p:cxnSp>
-      <p:cxnSp>
-        <p:nvCxnSpPr>
-          <p:cNvPr id="27" name="直線單箭頭接點 26"/>
-          <p:cNvCxnSpPr>
-            <a:stCxn id="8" idx="3"/>
-            <a:endCxn id="22" idx="1"/>
-          </p:cNvCxnSpPr>
-          <p:nvPr/>
-        </p:nvCxnSpPr>
-        <p:spPr>
-          <a:xfrm>
-            <a:off x="5738648" y="3276600"/>
-            <a:ext cx="969579" cy="592041"/>
-          </a:xfrm>
-          <a:prstGeom prst="straightConnector1">
-            <a:avLst/>
-          </a:prstGeom>
-          <a:ln w="28575">
-            <a:solidFill>
-              <a:schemeClr val="tx1"/>
-            </a:solidFill>
-            <a:tailEnd type="triangle"/>
-          </a:ln>
-        </p:spPr>
-        <p:style>
-          <a:lnRef idx="1">
-            <a:schemeClr val="accent1"/>
-          </a:lnRef>
-          <a:fillRef idx="0">
-            <a:schemeClr val="accent1"/>
-          </a:fillRef>
-          <a:effectRef idx="0">
-            <a:schemeClr val="accent1"/>
-          </a:effectRef>
-          <a:fontRef idx="minor">
-            <a:schemeClr val="tx1"/>
-          </a:fontRef>
-        </p:style>
-      </p:cxnSp>
-      <p:sp>
-        <p:nvSpPr>
-          <p:cNvPr id="31" name="文字方塊 30"/>
-          <p:cNvSpPr txBox="1"/>
-          <p:nvPr/>
-        </p:nvSpPr>
-        <p:spPr>
-          <a:xfrm>
-            <a:off x="5975158" y="2608305"/>
-            <a:ext cx="646331" cy="923330"/>
-          </a:xfrm>
-          <a:prstGeom prst="rect">
-            <a:avLst/>
-          </a:prstGeom>
-          <a:noFill/>
-        </p:spPr>
-        <p:txBody>
-          <a:bodyPr wrap="none" rtlCol="0">
-            <a:spAutoFit/>
-          </a:bodyPr>
-          <a:lstStyle/>
-          <a:p>
-            <a:r>
-              <a:rPr lang="zh-TW" altLang="en-US" dirty="0" smtClean="0">
-                <a:latin typeface="+mj-ea"/>
-                <a:ea typeface="+mj-ea"/>
-              </a:rPr>
-              <a:t>依照</a:t>
-            </a:r>
-            <a:endParaRPr lang="en-US" altLang="zh-TW" dirty="0" smtClean="0">
-              <a:latin typeface="+mj-ea"/>
-              <a:ea typeface="+mj-ea"/>
-            </a:endParaRPr>
-          </a:p>
-          <a:p>
-            <a:r>
-              <a:rPr lang="zh-TW" altLang="en-US" dirty="0" smtClean="0">
-                <a:latin typeface="+mj-ea"/>
-                <a:ea typeface="+mj-ea"/>
-              </a:rPr>
-              <a:t>人口</a:t>
-            </a:r>
-            <a:endParaRPr lang="en-US" altLang="zh-TW" dirty="0" smtClean="0">
-              <a:latin typeface="+mj-ea"/>
-              <a:ea typeface="+mj-ea"/>
-            </a:endParaRPr>
-          </a:p>
-          <a:p>
-            <a:r>
-              <a:rPr lang="zh-TW" altLang="en-US" dirty="0" smtClean="0">
-                <a:latin typeface="+mj-ea"/>
-                <a:ea typeface="+mj-ea"/>
-              </a:rPr>
-              <a:t>密</a:t>
-            </a:r>
-            <a:r>
-              <a:rPr lang="zh-TW" altLang="en-US" dirty="0">
-                <a:latin typeface="+mj-ea"/>
-                <a:ea typeface="+mj-ea"/>
-              </a:rPr>
-              <a:t>度</a:t>
-            </a:r>
-          </a:p>
-        </p:txBody>
-      </p:sp>
+              </a:endParaRPr>
+            </a:p>
+            <a:p>
+              <a:r>
+                <a:rPr lang="zh-TW" altLang="en-US" dirty="0" smtClean="0">
+                  <a:latin typeface="+mj-ea"/>
+                  <a:ea typeface="+mj-ea"/>
+                </a:rPr>
+                <a:t>密</a:t>
+              </a:r>
+              <a:r>
+                <a:rPr lang="zh-TW" altLang="en-US" dirty="0">
+                  <a:latin typeface="+mj-ea"/>
+                  <a:ea typeface="+mj-ea"/>
+                </a:rPr>
+                <a:t>度</a:t>
+              </a:r>
+            </a:p>
+          </p:txBody>
+        </p:sp>
+      </p:grpSp>
       <p:sp>
         <p:nvSpPr>
           <p:cNvPr id="35" name="文字方塊 34"/>
@@ -9074,7 +9102,7 @@
           <p:nvPr>
             <p:extLst>
               <p:ext uri="{D42A27DB-BD31-4B8C-83A1-F6EECF244321}">
-                <p14:modId xmlns:p14="http://schemas.microsoft.com/office/powerpoint/2010/main" val="957195461"/>
+                <p14:modId xmlns:p14="http://schemas.microsoft.com/office/powerpoint/2010/main" val="2121970958"/>
               </p:ext>
             </p:extLst>
           </p:nvPr>
@@ -9098,7 +9126,7 @@
           <p:nvPr>
             <p:extLst>
               <p:ext uri="{D42A27DB-BD31-4B8C-83A1-F6EECF244321}">
-                <p14:modId xmlns:p14="http://schemas.microsoft.com/office/powerpoint/2010/main" val="2363495759"/>
+                <p14:modId xmlns:p14="http://schemas.microsoft.com/office/powerpoint/2010/main" val="1513981694"/>
               </p:ext>
             </p:extLst>
           </p:nvPr>
@@ -9240,7 +9268,7 @@
         <p:spPr>
           <a:xfrm>
             <a:off x="1828800" y="5074276"/>
-            <a:ext cx="2656496" cy="307777"/>
+            <a:ext cx="2653290" cy="307777"/>
           </a:xfrm>
           <a:prstGeom prst="rect">
             <a:avLst/>
@@ -9251,26 +9279,36 @@
           <a:bodyPr wrap="none" rtlCol="0">
             <a:spAutoFit/>
           </a:bodyPr>
-          <a:lstStyle/>
-          <a:p>
-            <a:r>
-              <a:rPr lang="en-US" altLang="zh-TW" sz="1400" i="1" dirty="0" smtClean="0"/>
-              <a:t>109                                              110</a:t>
-            </a:r>
-            <a:endParaRPr lang="zh-TW" altLang="en-US" sz="1400" i="1" dirty="0"/>
+          <a:lstStyle>
+            <a:defPPr>
+              <a:defRPr lang="zh-TW"/>
+            </a:defPPr>
+            <a:lvl1pPr>
+              <a:defRPr sz="1400">
+                <a:latin typeface="Times New Roman" panose="02020603050405020304" pitchFamily="18" charset="0"/>
+                <a:cs typeface="Times New Roman" panose="02020603050405020304" pitchFamily="18" charset="0"/>
+              </a:defRPr>
+            </a:lvl1pPr>
+          </a:lstStyle>
+          <a:p>
+            <a:r>
+              <a:rPr lang="en-US" altLang="zh-TW" dirty="0" smtClean="0"/>
+              <a:t>2020                                       2021</a:t>
+            </a:r>
+            <a:endParaRPr lang="zh-TW" altLang="en-US" dirty="0"/>
           </a:p>
         </p:txBody>
       </p:sp>
       <p:sp>
         <p:nvSpPr>
-          <p:cNvPr id="12" name="文字方塊 11"/>
+          <p:cNvPr id="9" name="文字方塊 8"/>
           <p:cNvSpPr txBox="1"/>
           <p:nvPr/>
         </p:nvSpPr>
         <p:spPr>
           <a:xfrm>
-            <a:off x="6391275" y="5074276"/>
-            <a:ext cx="2656496" cy="307777"/>
+            <a:off x="6372446" y="5074275"/>
+            <a:ext cx="2653290" cy="307777"/>
           </a:xfrm>
           <a:prstGeom prst="rect">
             <a:avLst/>
@@ -9281,13 +9319,23 @@
           <a:bodyPr wrap="none" rtlCol="0">
             <a:spAutoFit/>
           </a:bodyPr>
-          <a:lstStyle/>
-          <a:p>
-            <a:r>
-              <a:rPr lang="en-US" altLang="zh-TW" sz="1400" i="1" dirty="0" smtClean="0"/>
-              <a:t>109                                              110</a:t>
-            </a:r>
-            <a:endParaRPr lang="zh-TW" altLang="en-US" sz="1400" i="1" dirty="0"/>
+          <a:lstStyle>
+            <a:defPPr>
+              <a:defRPr lang="zh-TW"/>
+            </a:defPPr>
+            <a:lvl1pPr>
+              <a:defRPr sz="1400">
+                <a:latin typeface="Times New Roman" panose="02020603050405020304" pitchFamily="18" charset="0"/>
+                <a:cs typeface="Times New Roman" panose="02020603050405020304" pitchFamily="18" charset="0"/>
+              </a:defRPr>
+            </a:lvl1pPr>
+          </a:lstStyle>
+          <a:p>
+            <a:r>
+              <a:rPr lang="en-US" altLang="zh-TW" dirty="0" smtClean="0"/>
+              <a:t>2020                                       2021</a:t>
+            </a:r>
+            <a:endParaRPr lang="zh-TW" altLang="en-US" dirty="0"/>
           </a:p>
         </p:txBody>
       </p:sp>

--- a/用的圖.pptx
+++ b/用的圖.pptx
@@ -521,11 +521,11 @@
           <c:showBubbleSize val="0"/>
         </c:dLbls>
         <c:smooth val="0"/>
-        <c:axId val="151948576"/>
-        <c:axId val="151943872"/>
+        <c:axId val="155083304"/>
+        <c:axId val="155083696"/>
       </c:lineChart>
       <c:catAx>
-        <c:axId val="151948576"/>
+        <c:axId val="155083304"/>
         <c:scaling>
           <c:orientation val="minMax"/>
         </c:scaling>
@@ -534,7 +534,7 @@
         <c:majorTickMark val="none"/>
         <c:minorTickMark val="none"/>
         <c:tickLblPos val="nextTo"/>
-        <c:crossAx val="151943872"/>
+        <c:crossAx val="155083696"/>
         <c:crosses val="autoZero"/>
         <c:auto val="1"/>
         <c:lblAlgn val="ctr"/>
@@ -542,7 +542,7 @@
         <c:noMultiLvlLbl val="0"/>
       </c:catAx>
       <c:valAx>
-        <c:axId val="151943872"/>
+        <c:axId val="155083696"/>
         <c:scaling>
           <c:orientation val="minMax"/>
         </c:scaling>
@@ -566,7 +566,7 @@
         <c:majorTickMark val="none"/>
         <c:minorTickMark val="none"/>
         <c:tickLblPos val="nextTo"/>
-        <c:crossAx val="151948576"/>
+        <c:crossAx val="155083304"/>
         <c:crosses val="autoZero"/>
         <c:crossBetween val="between"/>
       </c:valAx>
@@ -1005,11 +1005,11 @@
           <c:showBubbleSize val="0"/>
         </c:dLbls>
         <c:smooth val="0"/>
-        <c:axId val="151945832"/>
-        <c:axId val="151941912"/>
+        <c:axId val="155084480"/>
+        <c:axId val="155084872"/>
       </c:lineChart>
       <c:catAx>
-        <c:axId val="151945832"/>
+        <c:axId val="155084480"/>
         <c:scaling>
           <c:orientation val="minMax"/>
         </c:scaling>
@@ -1018,7 +1018,7 @@
         <c:majorTickMark val="none"/>
         <c:minorTickMark val="none"/>
         <c:tickLblPos val="nextTo"/>
-        <c:crossAx val="151941912"/>
+        <c:crossAx val="155084872"/>
         <c:crosses val="autoZero"/>
         <c:auto val="1"/>
         <c:lblAlgn val="ctr"/>
@@ -1026,7 +1026,7 @@
         <c:noMultiLvlLbl val="0"/>
       </c:catAx>
       <c:valAx>
-        <c:axId val="151941912"/>
+        <c:axId val="155084872"/>
         <c:scaling>
           <c:orientation val="minMax"/>
         </c:scaling>
@@ -1050,7 +1050,7 @@
         <c:majorTickMark val="none"/>
         <c:minorTickMark val="none"/>
         <c:tickLblPos val="nextTo"/>
-        <c:crossAx val="151945832"/>
+        <c:crossAx val="155084480"/>
         <c:crosses val="autoZero"/>
         <c:crossBetween val="between"/>
       </c:valAx>
@@ -2334,7 +2334,7 @@
           <a:p>
             <a:fld id="{EF3E35CF-46E8-4B78-9172-E70D6DBF6270}" type="datetimeFigureOut">
               <a:rPr lang="zh-TW" altLang="en-US" smtClean="0"/>
-              <a:t>2023/3/8</a:t>
+              <a:t>2023/3/9</a:t>
             </a:fld>
             <a:endParaRPr lang="zh-TW" altLang="en-US"/>
           </a:p>
@@ -2504,7 +2504,7 @@
           <a:p>
             <a:fld id="{EF3E35CF-46E8-4B78-9172-E70D6DBF6270}" type="datetimeFigureOut">
               <a:rPr lang="zh-TW" altLang="en-US" smtClean="0"/>
-              <a:t>2023/3/8</a:t>
+              <a:t>2023/3/9</a:t>
             </a:fld>
             <a:endParaRPr lang="zh-TW" altLang="en-US"/>
           </a:p>
@@ -2684,7 +2684,7 @@
           <a:p>
             <a:fld id="{EF3E35CF-46E8-4B78-9172-E70D6DBF6270}" type="datetimeFigureOut">
               <a:rPr lang="zh-TW" altLang="en-US" smtClean="0"/>
-              <a:t>2023/3/8</a:t>
+              <a:t>2023/3/9</a:t>
             </a:fld>
             <a:endParaRPr lang="zh-TW" altLang="en-US"/>
           </a:p>
@@ -2854,7 +2854,7 @@
           <a:p>
             <a:fld id="{EF3E35CF-46E8-4B78-9172-E70D6DBF6270}" type="datetimeFigureOut">
               <a:rPr lang="zh-TW" altLang="en-US" smtClean="0"/>
-              <a:t>2023/3/8</a:t>
+              <a:t>2023/3/9</a:t>
             </a:fld>
             <a:endParaRPr lang="zh-TW" altLang="en-US"/>
           </a:p>
@@ -3100,7 +3100,7 @@
           <a:p>
             <a:fld id="{EF3E35CF-46E8-4B78-9172-E70D6DBF6270}" type="datetimeFigureOut">
               <a:rPr lang="zh-TW" altLang="en-US" smtClean="0"/>
-              <a:t>2023/3/8</a:t>
+              <a:t>2023/3/9</a:t>
             </a:fld>
             <a:endParaRPr lang="zh-TW" altLang="en-US"/>
           </a:p>
@@ -3332,7 +3332,7 @@
           <a:p>
             <a:fld id="{EF3E35CF-46E8-4B78-9172-E70D6DBF6270}" type="datetimeFigureOut">
               <a:rPr lang="zh-TW" altLang="en-US" smtClean="0"/>
-              <a:t>2023/3/8</a:t>
+              <a:t>2023/3/9</a:t>
             </a:fld>
             <a:endParaRPr lang="zh-TW" altLang="en-US"/>
           </a:p>
@@ -3699,7 +3699,7 @@
           <a:p>
             <a:fld id="{EF3E35CF-46E8-4B78-9172-E70D6DBF6270}" type="datetimeFigureOut">
               <a:rPr lang="zh-TW" altLang="en-US" smtClean="0"/>
-              <a:t>2023/3/8</a:t>
+              <a:t>2023/3/9</a:t>
             </a:fld>
             <a:endParaRPr lang="zh-TW" altLang="en-US"/>
           </a:p>
@@ -3817,7 +3817,7 @@
           <a:p>
             <a:fld id="{EF3E35CF-46E8-4B78-9172-E70D6DBF6270}" type="datetimeFigureOut">
               <a:rPr lang="zh-TW" altLang="en-US" smtClean="0"/>
-              <a:t>2023/3/8</a:t>
+              <a:t>2023/3/9</a:t>
             </a:fld>
             <a:endParaRPr lang="zh-TW" altLang="en-US"/>
           </a:p>
@@ -3912,7 +3912,7 @@
           <a:p>
             <a:fld id="{EF3E35CF-46E8-4B78-9172-E70D6DBF6270}" type="datetimeFigureOut">
               <a:rPr lang="zh-TW" altLang="en-US" smtClean="0"/>
-              <a:t>2023/3/8</a:t>
+              <a:t>2023/3/9</a:t>
             </a:fld>
             <a:endParaRPr lang="zh-TW" altLang="en-US"/>
           </a:p>
@@ -4189,7 +4189,7 @@
           <a:p>
             <a:fld id="{EF3E35CF-46E8-4B78-9172-E70D6DBF6270}" type="datetimeFigureOut">
               <a:rPr lang="zh-TW" altLang="en-US" smtClean="0"/>
-              <a:t>2023/3/8</a:t>
+              <a:t>2023/3/9</a:t>
             </a:fld>
             <a:endParaRPr lang="zh-TW" altLang="en-US"/>
           </a:p>
@@ -4442,7 +4442,7 @@
           <a:p>
             <a:fld id="{EF3E35CF-46E8-4B78-9172-E70D6DBF6270}" type="datetimeFigureOut">
               <a:rPr lang="zh-TW" altLang="en-US" smtClean="0"/>
-              <a:t>2023/3/8</a:t>
+              <a:t>2023/3/9</a:t>
             </a:fld>
             <a:endParaRPr lang="zh-TW" altLang="en-US"/>
           </a:p>
@@ -4655,7 +4655,7 @@
           <a:p>
             <a:fld id="{EF3E35CF-46E8-4B78-9172-E70D6DBF6270}" type="datetimeFigureOut">
               <a:rPr lang="zh-TW" altLang="en-US" smtClean="0"/>
-              <a:t>2023/3/8</a:t>
+              <a:t>2023/3/9</a:t>
             </a:fld>
             <a:endParaRPr lang="zh-TW" altLang="en-US"/>
           </a:p>
@@ -5112,1164 +5112,42 @@
       </p:sp>
       <p:grpSp>
         <p:nvGrpSpPr>
-          <p:cNvPr id="3" name="群組 2"/>
+          <p:cNvPr id="21" name="群組 20"/>
           <p:cNvGrpSpPr/>
           <p:nvPr/>
         </p:nvGrpSpPr>
         <p:grpSpPr>
           <a:xfrm>
-            <a:off x="3345625" y="1745744"/>
-            <a:ext cx="3815026" cy="3145085"/>
-            <a:chOff x="3345625" y="1745744"/>
-            <a:chExt cx="3815026" cy="3145085"/>
+            <a:off x="3296167" y="1672309"/>
+            <a:ext cx="3864484" cy="3218520"/>
+            <a:chOff x="3296167" y="1672309"/>
+            <a:chExt cx="3864484" cy="3218520"/>
           </a:xfrm>
         </p:grpSpPr>
-        <p:cxnSp>
-          <p:nvCxnSpPr>
-            <p:cNvPr id="20" name="直線接點 19"/>
-            <p:cNvCxnSpPr/>
-            <p:nvPr/>
-          </p:nvCxnSpPr>
-          <p:spPr>
-            <a:xfrm flipH="1">
-              <a:off x="4157731" y="1750388"/>
-              <a:ext cx="8584" cy="420706"/>
-            </a:xfrm>
-            <a:prstGeom prst="line">
-              <a:avLst/>
-            </a:prstGeom>
-            <a:ln w="19050">
-              <a:solidFill>
-                <a:schemeClr val="tx1"/>
-              </a:solidFill>
-            </a:ln>
-          </p:spPr>
-          <p:style>
-            <a:lnRef idx="1">
-              <a:schemeClr val="accent1"/>
-            </a:lnRef>
-            <a:fillRef idx="0">
-              <a:schemeClr val="accent1"/>
-            </a:fillRef>
-            <a:effectRef idx="0">
-              <a:schemeClr val="accent1"/>
-            </a:effectRef>
-            <a:fontRef idx="minor">
-              <a:schemeClr val="tx1"/>
-            </a:fontRef>
-          </p:style>
-        </p:cxnSp>
-        <p:cxnSp>
-          <p:nvCxnSpPr>
-            <p:cNvPr id="24" name="直線接點 23"/>
-            <p:cNvCxnSpPr/>
-            <p:nvPr/>
-          </p:nvCxnSpPr>
-          <p:spPr>
-            <a:xfrm flipH="1">
-              <a:off x="7053328" y="1750388"/>
-              <a:ext cx="8584" cy="420706"/>
-            </a:xfrm>
-            <a:prstGeom prst="line">
-              <a:avLst/>
-            </a:prstGeom>
-            <a:ln w="19050">
-              <a:solidFill>
-                <a:schemeClr val="tx1"/>
-              </a:solidFill>
-            </a:ln>
-          </p:spPr>
-          <p:style>
-            <a:lnRef idx="1">
-              <a:schemeClr val="accent1"/>
-            </a:lnRef>
-            <a:fillRef idx="0">
-              <a:schemeClr val="accent1"/>
-            </a:fillRef>
-            <a:effectRef idx="0">
-              <a:schemeClr val="accent1"/>
-            </a:effectRef>
-            <a:fontRef idx="minor">
-              <a:schemeClr val="tx1"/>
-            </a:fontRef>
-          </p:style>
-        </p:cxnSp>
-        <p:sp>
-          <p:nvSpPr>
-            <p:cNvPr id="31" name="文字方塊 30"/>
-            <p:cNvSpPr txBox="1"/>
-            <p:nvPr/>
-          </p:nvSpPr>
-          <p:spPr>
-            <a:xfrm>
-              <a:off x="5203061" y="1745744"/>
-              <a:ext cx="960519" cy="307777"/>
-            </a:xfrm>
-            <a:prstGeom prst="rect">
-              <a:avLst/>
-            </a:prstGeom>
-            <a:noFill/>
-          </p:spPr>
-          <p:txBody>
-            <a:bodyPr wrap="none" rtlCol="0">
-              <a:spAutoFit/>
-            </a:bodyPr>
-            <a:lstStyle/>
-            <a:p>
-              <a:r>
-                <a:rPr lang="zh-TW" altLang="en-US" sz="1400" dirty="0" smtClean="0"/>
-                <a:t>陽性率</a:t>
-              </a:r>
-              <a:r>
-                <a:rPr lang="en-US" altLang="zh-TW" sz="1400" dirty="0" smtClean="0"/>
-                <a:t>(%)</a:t>
-              </a:r>
-              <a:endParaRPr lang="zh-TW" altLang="en-US" sz="1400" dirty="0"/>
-            </a:p>
-          </p:txBody>
-        </p:sp>
         <p:grpSp>
           <p:nvGrpSpPr>
-            <p:cNvPr id="2" name="群組 1"/>
+            <p:cNvPr id="3" name="群組 2"/>
             <p:cNvGrpSpPr/>
             <p:nvPr/>
           </p:nvGrpSpPr>
           <p:grpSpPr>
             <a:xfrm>
-              <a:off x="3345625" y="2019353"/>
-              <a:ext cx="3815026" cy="2871476"/>
-              <a:chOff x="3345625" y="2019353"/>
-              <a:chExt cx="3815026" cy="2871476"/>
+              <a:off x="3345625" y="1745744"/>
+              <a:ext cx="3815026" cy="3145085"/>
+              <a:chOff x="3345625" y="1745744"/>
+              <a:chExt cx="3815026" cy="3145085"/>
             </a:xfrm>
           </p:grpSpPr>
-          <p:sp>
-            <p:nvSpPr>
-              <p:cNvPr id="4" name="矩形 3"/>
-              <p:cNvSpPr/>
-              <p:nvPr/>
-            </p:nvSpPr>
-            <p:spPr>
-              <a:xfrm>
-                <a:off x="4159876" y="2395470"/>
-                <a:ext cx="965915" cy="798491"/>
-              </a:xfrm>
-              <a:prstGeom prst="rect">
-                <a:avLst/>
-              </a:prstGeom>
-              <a:solidFill>
-                <a:schemeClr val="bg1"/>
-              </a:solidFill>
-              <a:ln>
-                <a:solidFill>
-                  <a:schemeClr val="tx1"/>
-                </a:solidFill>
-              </a:ln>
-            </p:spPr>
-            <p:style>
-              <a:lnRef idx="2">
-                <a:schemeClr val="accent1">
-                  <a:shade val="50000"/>
-                </a:schemeClr>
-              </a:lnRef>
-              <a:fillRef idx="1">
-                <a:schemeClr val="accent1"/>
-              </a:fillRef>
-              <a:effectRef idx="0">
-                <a:schemeClr val="accent1"/>
-              </a:effectRef>
-              <a:fontRef idx="minor">
-                <a:schemeClr val="lt1"/>
-              </a:fontRef>
-            </p:style>
-            <p:txBody>
-              <a:bodyPr rtlCol="0" anchor="ctr"/>
-              <a:lstStyle/>
-              <a:p>
-                <a:pPr algn="ctr"/>
-                <a:endParaRPr lang="zh-TW" altLang="en-US"/>
-              </a:p>
-            </p:txBody>
-          </p:sp>
-          <p:sp>
-            <p:nvSpPr>
-              <p:cNvPr id="5" name="矩形 4"/>
-              <p:cNvSpPr/>
-              <p:nvPr/>
-            </p:nvSpPr>
-            <p:spPr>
-              <a:xfrm>
-                <a:off x="4157731" y="3189666"/>
-                <a:ext cx="965915" cy="798491"/>
-              </a:xfrm>
-              <a:prstGeom prst="rect">
-                <a:avLst/>
-              </a:prstGeom>
-              <a:solidFill>
-                <a:schemeClr val="bg1"/>
-              </a:solidFill>
-              <a:ln>
-                <a:solidFill>
-                  <a:schemeClr val="tx1"/>
-                </a:solidFill>
-              </a:ln>
-            </p:spPr>
-            <p:style>
-              <a:lnRef idx="2">
-                <a:schemeClr val="accent1">
-                  <a:shade val="50000"/>
-                </a:schemeClr>
-              </a:lnRef>
-              <a:fillRef idx="1">
-                <a:schemeClr val="accent1"/>
-              </a:fillRef>
-              <a:effectRef idx="0">
-                <a:schemeClr val="accent1"/>
-              </a:effectRef>
-              <a:fontRef idx="minor">
-                <a:schemeClr val="lt1"/>
-              </a:fontRef>
-            </p:style>
-            <p:txBody>
-              <a:bodyPr rtlCol="0" anchor="ctr"/>
-              <a:lstStyle/>
-              <a:p>
-                <a:pPr algn="ctr"/>
-                <a:endParaRPr lang="zh-TW" altLang="en-US"/>
-              </a:p>
-            </p:txBody>
-          </p:sp>
-          <p:sp>
-            <p:nvSpPr>
-              <p:cNvPr id="6" name="矩形 5"/>
-              <p:cNvSpPr/>
-              <p:nvPr/>
-            </p:nvSpPr>
-            <p:spPr>
-              <a:xfrm>
-                <a:off x="4166315" y="3988157"/>
-                <a:ext cx="965915" cy="798491"/>
-              </a:xfrm>
-              <a:prstGeom prst="rect">
-                <a:avLst/>
-              </a:prstGeom>
-              <a:solidFill>
-                <a:schemeClr val="bg1"/>
-              </a:solidFill>
-              <a:ln>
-                <a:solidFill>
-                  <a:schemeClr val="tx1"/>
-                </a:solidFill>
-              </a:ln>
-            </p:spPr>
-            <p:style>
-              <a:lnRef idx="2">
-                <a:schemeClr val="accent1">
-                  <a:shade val="50000"/>
-                </a:schemeClr>
-              </a:lnRef>
-              <a:fillRef idx="1">
-                <a:schemeClr val="accent1"/>
-              </a:fillRef>
-              <a:effectRef idx="0">
-                <a:schemeClr val="accent1"/>
-              </a:effectRef>
-              <a:fontRef idx="minor">
-                <a:schemeClr val="lt1"/>
-              </a:fontRef>
-            </p:style>
-            <p:txBody>
-              <a:bodyPr rtlCol="0" anchor="ctr"/>
-              <a:lstStyle/>
-              <a:p>
-                <a:pPr algn="ctr"/>
-                <a:endParaRPr lang="zh-TW" altLang="en-US"/>
-              </a:p>
-            </p:txBody>
-          </p:sp>
-          <p:sp>
-            <p:nvSpPr>
-              <p:cNvPr id="7" name="矩形 6"/>
-              <p:cNvSpPr/>
-              <p:nvPr/>
-            </p:nvSpPr>
-            <p:spPr>
-              <a:xfrm>
-                <a:off x="5121496" y="3193958"/>
-                <a:ext cx="965915" cy="798491"/>
-              </a:xfrm>
-              <a:prstGeom prst="rect">
-                <a:avLst/>
-              </a:prstGeom>
-              <a:solidFill>
-                <a:schemeClr val="bg1"/>
-              </a:solidFill>
-              <a:ln>
-                <a:solidFill>
-                  <a:schemeClr val="tx1"/>
-                </a:solidFill>
-              </a:ln>
-            </p:spPr>
-            <p:style>
-              <a:lnRef idx="2">
-                <a:schemeClr val="accent1">
-                  <a:shade val="50000"/>
-                </a:schemeClr>
-              </a:lnRef>
-              <a:fillRef idx="1">
-                <a:schemeClr val="accent1"/>
-              </a:fillRef>
-              <a:effectRef idx="0">
-                <a:schemeClr val="accent1"/>
-              </a:effectRef>
-              <a:fontRef idx="minor">
-                <a:schemeClr val="lt1"/>
-              </a:fontRef>
-            </p:style>
-            <p:txBody>
-              <a:bodyPr rtlCol="0" anchor="ctr"/>
-              <a:lstStyle/>
-              <a:p>
-                <a:pPr algn="ctr"/>
-                <a:endParaRPr lang="zh-TW" altLang="en-US"/>
-              </a:p>
-            </p:txBody>
-          </p:sp>
-          <p:sp>
-            <p:nvSpPr>
-              <p:cNvPr id="8" name="矩形 7"/>
-              <p:cNvSpPr/>
-              <p:nvPr/>
-            </p:nvSpPr>
-            <p:spPr>
-              <a:xfrm>
-                <a:off x="5130083" y="3992450"/>
-                <a:ext cx="965915" cy="798491"/>
-              </a:xfrm>
-              <a:prstGeom prst="rect">
-                <a:avLst/>
-              </a:prstGeom>
-              <a:solidFill>
-                <a:schemeClr val="bg1"/>
-              </a:solidFill>
-              <a:ln>
-                <a:solidFill>
-                  <a:schemeClr val="tx1"/>
-                </a:solidFill>
-              </a:ln>
-            </p:spPr>
-            <p:style>
-              <a:lnRef idx="2">
-                <a:schemeClr val="accent1">
-                  <a:shade val="50000"/>
-                </a:schemeClr>
-              </a:lnRef>
-              <a:fillRef idx="1">
-                <a:schemeClr val="accent1"/>
-              </a:fillRef>
-              <a:effectRef idx="0">
-                <a:schemeClr val="accent1"/>
-              </a:effectRef>
-              <a:fontRef idx="minor">
-                <a:schemeClr val="lt1"/>
-              </a:fontRef>
-            </p:style>
-            <p:txBody>
-              <a:bodyPr rtlCol="0" anchor="ctr"/>
-              <a:lstStyle/>
-              <a:p>
-                <a:pPr algn="ctr"/>
-                <a:endParaRPr lang="zh-TW" altLang="en-US"/>
-              </a:p>
-            </p:txBody>
-          </p:sp>
-          <p:sp>
-            <p:nvSpPr>
-              <p:cNvPr id="9" name="矩形 8"/>
-              <p:cNvSpPr/>
-              <p:nvPr/>
-            </p:nvSpPr>
-            <p:spPr>
-              <a:xfrm>
-                <a:off x="6091705" y="3992451"/>
-                <a:ext cx="965915" cy="798491"/>
-              </a:xfrm>
-              <a:prstGeom prst="rect">
-                <a:avLst/>
-              </a:prstGeom>
-              <a:solidFill>
-                <a:schemeClr val="bg1"/>
-              </a:solidFill>
-              <a:ln>
-                <a:solidFill>
-                  <a:schemeClr val="tx1"/>
-                </a:solidFill>
-              </a:ln>
-            </p:spPr>
-            <p:style>
-              <a:lnRef idx="2">
-                <a:schemeClr val="accent1">
-                  <a:shade val="50000"/>
-                </a:schemeClr>
-              </a:lnRef>
-              <a:fillRef idx="1">
-                <a:schemeClr val="accent1"/>
-              </a:fillRef>
-              <a:effectRef idx="0">
-                <a:schemeClr val="accent1"/>
-              </a:effectRef>
-              <a:fontRef idx="minor">
-                <a:schemeClr val="lt1"/>
-              </a:fontRef>
-            </p:style>
-            <p:txBody>
-              <a:bodyPr rtlCol="0" anchor="ctr"/>
-              <a:lstStyle/>
-              <a:p>
-                <a:pPr algn="ctr"/>
-                <a:endParaRPr lang="zh-TW" altLang="en-US"/>
-              </a:p>
-            </p:txBody>
-          </p:sp>
-          <p:sp>
-            <p:nvSpPr>
-              <p:cNvPr id="10" name="矩形 9"/>
-              <p:cNvSpPr/>
-              <p:nvPr/>
-            </p:nvSpPr>
-            <p:spPr>
-              <a:xfrm>
-                <a:off x="6095995" y="3189665"/>
-                <a:ext cx="965915" cy="798491"/>
-              </a:xfrm>
-              <a:prstGeom prst="rect">
-                <a:avLst/>
-              </a:prstGeom>
-              <a:solidFill>
-                <a:schemeClr val="bg1"/>
-              </a:solidFill>
-              <a:ln>
-                <a:solidFill>
-                  <a:schemeClr val="tx1"/>
-                </a:solidFill>
-              </a:ln>
-            </p:spPr>
-            <p:style>
-              <a:lnRef idx="2">
-                <a:schemeClr val="accent1">
-                  <a:shade val="50000"/>
-                </a:schemeClr>
-              </a:lnRef>
-              <a:fillRef idx="1">
-                <a:schemeClr val="accent1"/>
-              </a:fillRef>
-              <a:effectRef idx="0">
-                <a:schemeClr val="accent1"/>
-              </a:effectRef>
-              <a:fontRef idx="minor">
-                <a:schemeClr val="lt1"/>
-              </a:fontRef>
-            </p:style>
-            <p:txBody>
-              <a:bodyPr rtlCol="0" anchor="ctr"/>
-              <a:lstStyle/>
-              <a:p>
-                <a:pPr algn="ctr"/>
-                <a:endParaRPr lang="zh-TW" altLang="en-US"/>
-              </a:p>
-            </p:txBody>
-          </p:sp>
-          <p:sp>
-            <p:nvSpPr>
-              <p:cNvPr id="11" name="矩形 10"/>
-              <p:cNvSpPr/>
-              <p:nvPr/>
-            </p:nvSpPr>
-            <p:spPr>
-              <a:xfrm>
-                <a:off x="6091706" y="2395469"/>
-                <a:ext cx="965915" cy="798491"/>
-              </a:xfrm>
-              <a:prstGeom prst="rect">
-                <a:avLst/>
-              </a:prstGeom>
-              <a:solidFill>
-                <a:schemeClr val="bg1"/>
-              </a:solidFill>
-              <a:ln>
-                <a:solidFill>
-                  <a:schemeClr val="tx1"/>
-                </a:solidFill>
-              </a:ln>
-            </p:spPr>
-            <p:style>
-              <a:lnRef idx="2">
-                <a:schemeClr val="accent1">
-                  <a:shade val="50000"/>
-                </a:schemeClr>
-              </a:lnRef>
-              <a:fillRef idx="1">
-                <a:schemeClr val="accent1"/>
-              </a:fillRef>
-              <a:effectRef idx="0">
-                <a:schemeClr val="accent1"/>
-              </a:effectRef>
-              <a:fontRef idx="minor">
-                <a:schemeClr val="lt1"/>
-              </a:fontRef>
-            </p:style>
-            <p:txBody>
-              <a:bodyPr rtlCol="0" anchor="ctr"/>
-              <a:lstStyle/>
-              <a:p>
-                <a:pPr algn="ctr"/>
-                <a:endParaRPr lang="zh-TW" altLang="en-US"/>
-              </a:p>
-            </p:txBody>
-          </p:sp>
-          <p:sp>
-            <p:nvSpPr>
-              <p:cNvPr id="12" name="矩形 11"/>
-              <p:cNvSpPr/>
-              <p:nvPr/>
-            </p:nvSpPr>
-            <p:spPr>
-              <a:xfrm>
-                <a:off x="5125791" y="2395469"/>
-                <a:ext cx="965915" cy="798491"/>
-              </a:xfrm>
-              <a:prstGeom prst="rect">
-                <a:avLst/>
-              </a:prstGeom>
-              <a:solidFill>
-                <a:schemeClr val="bg1"/>
-              </a:solidFill>
-              <a:ln>
-                <a:solidFill>
-                  <a:schemeClr val="tx1"/>
-                </a:solidFill>
-              </a:ln>
-            </p:spPr>
-            <p:style>
-              <a:lnRef idx="2">
-                <a:schemeClr val="accent1">
-                  <a:shade val="50000"/>
-                </a:schemeClr>
-              </a:lnRef>
-              <a:fillRef idx="1">
-                <a:schemeClr val="accent1"/>
-              </a:fillRef>
-              <a:effectRef idx="0">
-                <a:schemeClr val="accent1"/>
-              </a:effectRef>
-              <a:fontRef idx="minor">
-                <a:schemeClr val="lt1"/>
-              </a:fontRef>
-            </p:style>
-            <p:txBody>
-              <a:bodyPr rtlCol="0" anchor="ctr"/>
-              <a:lstStyle/>
-              <a:p>
-                <a:pPr algn="ctr"/>
-                <a:endParaRPr lang="zh-TW" altLang="en-US"/>
-              </a:p>
-            </p:txBody>
-          </p:sp>
-          <p:sp>
-            <p:nvSpPr>
-              <p:cNvPr id="13" name="橢圓 12"/>
-              <p:cNvSpPr/>
-              <p:nvPr/>
-            </p:nvSpPr>
-            <p:spPr>
-              <a:xfrm>
-                <a:off x="4256466" y="2395469"/>
-                <a:ext cx="785611" cy="794196"/>
-              </a:xfrm>
-              <a:prstGeom prst="ellipse">
-                <a:avLst/>
-              </a:prstGeom>
-              <a:solidFill>
-                <a:srgbClr val="FF0000"/>
-              </a:solidFill>
-            </p:spPr>
-            <p:style>
-              <a:lnRef idx="2">
-                <a:schemeClr val="accent1">
-                  <a:shade val="50000"/>
-                </a:schemeClr>
-              </a:lnRef>
-              <a:fillRef idx="1">
-                <a:schemeClr val="accent1"/>
-              </a:fillRef>
-              <a:effectRef idx="0">
-                <a:schemeClr val="accent1"/>
-              </a:effectRef>
-              <a:fontRef idx="minor">
-                <a:schemeClr val="lt1"/>
-              </a:fontRef>
-            </p:style>
-            <p:txBody>
-              <a:bodyPr rtlCol="0" anchor="ctr"/>
-              <a:lstStyle/>
-              <a:p>
-                <a:pPr algn="ctr"/>
-                <a:r>
-                  <a:rPr lang="zh-TW" altLang="en-US" dirty="0" smtClean="0"/>
-                  <a:t>優</a:t>
-                </a:r>
-                <a:r>
-                  <a:rPr lang="zh-TW" altLang="en-US" dirty="0"/>
-                  <a:t>先</a:t>
-                </a:r>
-              </a:p>
-            </p:txBody>
-          </p:sp>
-          <p:sp>
-            <p:nvSpPr>
-              <p:cNvPr id="14" name="橢圓 13"/>
-              <p:cNvSpPr/>
-              <p:nvPr/>
-            </p:nvSpPr>
-            <p:spPr>
-              <a:xfrm>
-                <a:off x="4241444" y="4011767"/>
-                <a:ext cx="785611" cy="794196"/>
-              </a:xfrm>
-              <a:prstGeom prst="ellipse">
-                <a:avLst/>
-              </a:prstGeom>
-              <a:solidFill>
-                <a:srgbClr val="FFFF00"/>
-              </a:solidFill>
-            </p:spPr>
-            <p:style>
-              <a:lnRef idx="2">
-                <a:schemeClr val="accent1">
-                  <a:shade val="50000"/>
-                </a:schemeClr>
-              </a:lnRef>
-              <a:fillRef idx="1">
-                <a:schemeClr val="accent1"/>
-              </a:fillRef>
-              <a:effectRef idx="0">
-                <a:schemeClr val="accent1"/>
-              </a:effectRef>
-              <a:fontRef idx="minor">
-                <a:schemeClr val="lt1"/>
-              </a:fontRef>
-            </p:style>
-            <p:txBody>
-              <a:bodyPr rtlCol="0" anchor="ctr"/>
-              <a:lstStyle/>
-              <a:p>
-                <a:pPr algn="ctr"/>
-                <a:r>
-                  <a:rPr lang="zh-TW" altLang="en-US" dirty="0" smtClean="0">
-                    <a:solidFill>
-                      <a:schemeClr val="tx1"/>
-                    </a:solidFill>
-                  </a:rPr>
-                  <a:t>注意</a:t>
-                </a:r>
-                <a:endParaRPr lang="zh-TW" altLang="en-US" dirty="0">
-                  <a:solidFill>
-                    <a:schemeClr val="tx1"/>
-                  </a:solidFill>
-                </a:endParaRPr>
-              </a:p>
-            </p:txBody>
-          </p:sp>
-          <p:sp>
-            <p:nvSpPr>
-              <p:cNvPr id="15" name="橢圓 14"/>
-              <p:cNvSpPr/>
-              <p:nvPr/>
-            </p:nvSpPr>
-            <p:spPr>
-              <a:xfrm>
-                <a:off x="4241445" y="3189665"/>
-                <a:ext cx="785611" cy="794196"/>
-              </a:xfrm>
-              <a:prstGeom prst="ellipse">
-                <a:avLst/>
-              </a:prstGeom>
-              <a:solidFill>
-                <a:srgbClr val="FFFF00"/>
-              </a:solidFill>
-            </p:spPr>
-            <p:style>
-              <a:lnRef idx="2">
-                <a:schemeClr val="accent1">
-                  <a:shade val="50000"/>
-                </a:schemeClr>
-              </a:lnRef>
-              <a:fillRef idx="1">
-                <a:schemeClr val="accent1"/>
-              </a:fillRef>
-              <a:effectRef idx="0">
-                <a:schemeClr val="accent1"/>
-              </a:effectRef>
-              <a:fontRef idx="minor">
-                <a:schemeClr val="lt1"/>
-              </a:fontRef>
-            </p:style>
-            <p:txBody>
-              <a:bodyPr rtlCol="0" anchor="ctr"/>
-              <a:lstStyle/>
-              <a:p>
-                <a:pPr algn="ctr"/>
-                <a:r>
-                  <a:rPr lang="zh-TW" altLang="en-US" dirty="0" smtClean="0">
-                    <a:solidFill>
-                      <a:schemeClr val="tx1"/>
-                    </a:solidFill>
-                  </a:rPr>
-                  <a:t>注意</a:t>
-                </a:r>
-                <a:endParaRPr lang="zh-TW" altLang="en-US" dirty="0">
-                  <a:solidFill>
-                    <a:schemeClr val="tx1"/>
-                  </a:solidFill>
-                </a:endParaRPr>
-              </a:p>
-            </p:txBody>
-          </p:sp>
-          <p:sp>
-            <p:nvSpPr>
-              <p:cNvPr id="16" name="橢圓 15"/>
-              <p:cNvSpPr/>
-              <p:nvPr/>
-            </p:nvSpPr>
-            <p:spPr>
-              <a:xfrm>
-                <a:off x="6181858" y="2391174"/>
-                <a:ext cx="785611" cy="794196"/>
-              </a:xfrm>
-              <a:prstGeom prst="ellipse">
-                <a:avLst/>
-              </a:prstGeom>
-              <a:solidFill>
-                <a:srgbClr val="FFFF00"/>
-              </a:solidFill>
-            </p:spPr>
-            <p:style>
-              <a:lnRef idx="2">
-                <a:schemeClr val="accent1">
-                  <a:shade val="50000"/>
-                </a:schemeClr>
-              </a:lnRef>
-              <a:fillRef idx="1">
-                <a:schemeClr val="accent1"/>
-              </a:fillRef>
-              <a:effectRef idx="0">
-                <a:schemeClr val="accent1"/>
-              </a:effectRef>
-              <a:fontRef idx="minor">
-                <a:schemeClr val="lt1"/>
-              </a:fontRef>
-            </p:style>
-            <p:txBody>
-              <a:bodyPr rtlCol="0" anchor="ctr"/>
-              <a:lstStyle/>
-              <a:p>
-                <a:pPr algn="ctr"/>
-                <a:r>
-                  <a:rPr lang="zh-TW" altLang="en-US" dirty="0" smtClean="0">
-                    <a:solidFill>
-                      <a:schemeClr val="tx1"/>
-                    </a:solidFill>
-                  </a:rPr>
-                  <a:t>注意</a:t>
-                </a:r>
-                <a:endParaRPr lang="zh-TW" altLang="en-US" dirty="0">
-                  <a:solidFill>
-                    <a:schemeClr val="tx1"/>
-                  </a:solidFill>
-                </a:endParaRPr>
-              </a:p>
-            </p:txBody>
-          </p:sp>
-          <p:sp>
-            <p:nvSpPr>
-              <p:cNvPr id="17" name="橢圓 16"/>
-              <p:cNvSpPr/>
-              <p:nvPr/>
-            </p:nvSpPr>
-            <p:spPr>
-              <a:xfrm>
-                <a:off x="5203065" y="2395465"/>
-                <a:ext cx="785611" cy="794196"/>
-              </a:xfrm>
-              <a:prstGeom prst="ellipse">
-                <a:avLst/>
-              </a:prstGeom>
-              <a:solidFill>
-                <a:srgbClr val="FFFF00"/>
-              </a:solidFill>
-            </p:spPr>
-            <p:style>
-              <a:lnRef idx="2">
-                <a:schemeClr val="accent1">
-                  <a:shade val="50000"/>
-                </a:schemeClr>
-              </a:lnRef>
-              <a:fillRef idx="1">
-                <a:schemeClr val="accent1"/>
-              </a:fillRef>
-              <a:effectRef idx="0">
-                <a:schemeClr val="accent1"/>
-              </a:effectRef>
-              <a:fontRef idx="minor">
-                <a:schemeClr val="lt1"/>
-              </a:fontRef>
-            </p:style>
-            <p:txBody>
-              <a:bodyPr rtlCol="0" anchor="ctr"/>
-              <a:lstStyle/>
-              <a:p>
-                <a:pPr algn="ctr"/>
-                <a:r>
-                  <a:rPr lang="zh-TW" altLang="en-US" dirty="0" smtClean="0">
-                    <a:solidFill>
-                      <a:schemeClr val="tx1"/>
-                    </a:solidFill>
-                  </a:rPr>
-                  <a:t>注意</a:t>
-                </a:r>
-                <a:endParaRPr lang="zh-TW" altLang="en-US" dirty="0">
-                  <a:solidFill>
-                    <a:schemeClr val="tx1"/>
-                  </a:solidFill>
-                </a:endParaRPr>
-              </a:p>
-            </p:txBody>
-          </p:sp>
-          <p:sp>
-            <p:nvSpPr>
-              <p:cNvPr id="25" name="文字方塊 24"/>
-              <p:cNvSpPr txBox="1"/>
-              <p:nvPr/>
-            </p:nvSpPr>
-            <p:spPr>
-              <a:xfrm>
-                <a:off x="5910147" y="2131534"/>
-                <a:ext cx="367408" cy="307777"/>
-              </a:xfrm>
-              <a:prstGeom prst="rect">
-                <a:avLst/>
-              </a:prstGeom>
-              <a:noFill/>
-            </p:spPr>
-            <p:txBody>
-              <a:bodyPr wrap="none" rtlCol="0">
-                <a:spAutoFit/>
-              </a:bodyPr>
-              <a:lstStyle/>
-              <a:p>
-                <a:r>
-                  <a:rPr lang="en-US" altLang="zh-TW" sz="1400" b="1" dirty="0" smtClean="0"/>
-                  <a:t>30</a:t>
-                </a:r>
-                <a:endParaRPr lang="zh-TW" altLang="en-US" sz="1400" b="1" dirty="0"/>
-              </a:p>
-            </p:txBody>
-          </p:sp>
-          <p:sp>
-            <p:nvSpPr>
-              <p:cNvPr id="26" name="文字方塊 25"/>
-              <p:cNvSpPr txBox="1"/>
-              <p:nvPr/>
-            </p:nvSpPr>
-            <p:spPr>
-              <a:xfrm>
-                <a:off x="4954963" y="2129389"/>
-                <a:ext cx="367408" cy="307777"/>
-              </a:xfrm>
-              <a:prstGeom prst="rect">
-                <a:avLst/>
-              </a:prstGeom>
-              <a:noFill/>
-            </p:spPr>
-            <p:txBody>
-              <a:bodyPr wrap="none" rtlCol="0">
-                <a:spAutoFit/>
-              </a:bodyPr>
-              <a:lstStyle/>
-              <a:p>
-                <a:r>
-                  <a:rPr lang="en-US" altLang="zh-TW" sz="1400" b="1" dirty="0">
-                    <a:solidFill>
-                      <a:srgbClr val="FF0000"/>
-                    </a:solidFill>
-                  </a:rPr>
-                  <a:t>6</a:t>
-                </a:r>
-                <a:r>
-                  <a:rPr lang="en-US" altLang="zh-TW" sz="1400" b="1" dirty="0" smtClean="0">
-                    <a:solidFill>
-                      <a:srgbClr val="FF0000"/>
-                    </a:solidFill>
-                  </a:rPr>
-                  <a:t>0</a:t>
-                </a:r>
-                <a:endParaRPr lang="zh-TW" altLang="en-US" sz="1400" b="1" dirty="0">
-                  <a:solidFill>
-                    <a:srgbClr val="FF0000"/>
-                  </a:solidFill>
-                </a:endParaRPr>
-              </a:p>
-            </p:txBody>
-          </p:sp>
-          <p:sp>
-            <p:nvSpPr>
-              <p:cNvPr id="27" name="文字方塊 26"/>
-              <p:cNvSpPr txBox="1"/>
-              <p:nvPr/>
-            </p:nvSpPr>
-            <p:spPr>
-              <a:xfrm>
-                <a:off x="4034125" y="2133105"/>
-                <a:ext cx="458780" cy="307777"/>
-              </a:xfrm>
-              <a:prstGeom prst="rect">
-                <a:avLst/>
-              </a:prstGeom>
-              <a:noFill/>
-            </p:spPr>
-            <p:txBody>
-              <a:bodyPr wrap="none" rtlCol="0">
-                <a:spAutoFit/>
-              </a:bodyPr>
-              <a:lstStyle/>
-              <a:p>
-                <a:r>
-                  <a:rPr lang="en-US" altLang="zh-TW" sz="1400" b="1" dirty="0" smtClean="0">
-                    <a:solidFill>
-                      <a:srgbClr val="FF0000"/>
-                    </a:solidFill>
-                  </a:rPr>
-                  <a:t>100</a:t>
-                </a:r>
-                <a:endParaRPr lang="zh-TW" altLang="en-US" sz="1400" b="1" dirty="0">
-                  <a:solidFill>
-                    <a:srgbClr val="FF0000"/>
-                  </a:solidFill>
-                </a:endParaRPr>
-              </a:p>
-            </p:txBody>
-          </p:sp>
-          <p:sp>
-            <p:nvSpPr>
-              <p:cNvPr id="28" name="文字方塊 27"/>
-              <p:cNvSpPr txBox="1"/>
-              <p:nvPr/>
-            </p:nvSpPr>
-            <p:spPr>
-              <a:xfrm>
-                <a:off x="6884613" y="2131534"/>
-                <a:ext cx="276038" cy="307777"/>
-              </a:xfrm>
-              <a:prstGeom prst="rect">
-                <a:avLst/>
-              </a:prstGeom>
-              <a:noFill/>
-            </p:spPr>
-            <p:txBody>
-              <a:bodyPr wrap="none" rtlCol="0">
-                <a:spAutoFit/>
-              </a:bodyPr>
-              <a:lstStyle/>
-              <a:p>
-                <a:r>
-                  <a:rPr lang="en-US" altLang="zh-TW" sz="1400" b="1" dirty="0" smtClean="0"/>
-                  <a:t>0</a:t>
-                </a:r>
-                <a:endParaRPr lang="zh-TW" altLang="en-US" sz="1400" b="1" dirty="0"/>
-              </a:p>
-            </p:txBody>
-          </p:sp>
           <p:cxnSp>
             <p:nvCxnSpPr>
-              <p:cNvPr id="30" name="直線接點 29"/>
-              <p:cNvCxnSpPr/>
-              <p:nvPr/>
-            </p:nvCxnSpPr>
-            <p:spPr>
-              <a:xfrm>
-                <a:off x="4153436" y="2019353"/>
-                <a:ext cx="2908474" cy="0"/>
-              </a:xfrm>
-              <a:prstGeom prst="line">
-                <a:avLst/>
-              </a:prstGeom>
-              <a:ln w="19050">
-                <a:solidFill>
-                  <a:schemeClr val="tx1"/>
-                </a:solidFill>
-                <a:headEnd type="arrow" w="med" len="med"/>
-                <a:tailEnd type="arrow" w="med" len="med"/>
-              </a:ln>
-            </p:spPr>
-            <p:style>
-              <a:lnRef idx="1">
-                <a:schemeClr val="accent1"/>
-              </a:lnRef>
-              <a:fillRef idx="0">
-                <a:schemeClr val="accent1"/>
-              </a:fillRef>
-              <a:effectRef idx="0">
-                <a:schemeClr val="accent1"/>
-              </a:effectRef>
-              <a:fontRef idx="minor">
-                <a:schemeClr val="tx1"/>
-              </a:fontRef>
-            </p:style>
-          </p:cxnSp>
-          <p:sp>
-            <p:nvSpPr>
-              <p:cNvPr id="32" name="文字方塊 31"/>
-              <p:cNvSpPr txBox="1"/>
-              <p:nvPr/>
-            </p:nvSpPr>
-            <p:spPr>
-              <a:xfrm>
-                <a:off x="3744028" y="3028919"/>
-                <a:ext cx="458780" cy="307777"/>
-              </a:xfrm>
-              <a:prstGeom prst="rect">
-                <a:avLst/>
-              </a:prstGeom>
-              <a:noFill/>
-            </p:spPr>
-            <p:txBody>
-              <a:bodyPr wrap="none" rtlCol="0">
-                <a:spAutoFit/>
-              </a:bodyPr>
-              <a:lstStyle/>
-              <a:p>
-                <a:r>
-                  <a:rPr lang="en-US" altLang="zh-TW" sz="1400" b="1" dirty="0" smtClean="0">
-                    <a:solidFill>
-                      <a:srgbClr val="FF0000"/>
-                    </a:solidFill>
-                  </a:rPr>
-                  <a:t>500</a:t>
-                </a:r>
-                <a:endParaRPr lang="zh-TW" altLang="en-US" sz="1400" b="1" dirty="0">
-                  <a:solidFill>
-                    <a:srgbClr val="FF0000"/>
-                  </a:solidFill>
-                </a:endParaRPr>
-              </a:p>
-            </p:txBody>
-          </p:sp>
-          <p:sp>
-            <p:nvSpPr>
-              <p:cNvPr id="33" name="文字方塊 32"/>
-              <p:cNvSpPr txBox="1"/>
-              <p:nvPr/>
-            </p:nvSpPr>
-            <p:spPr>
-              <a:xfrm>
-                <a:off x="3740807" y="3814953"/>
-                <a:ext cx="458780" cy="307777"/>
-              </a:xfrm>
-              <a:prstGeom prst="rect">
-                <a:avLst/>
-              </a:prstGeom>
-              <a:noFill/>
-            </p:spPr>
-            <p:txBody>
-              <a:bodyPr wrap="none" rtlCol="0">
-                <a:spAutoFit/>
-              </a:bodyPr>
-              <a:lstStyle/>
-              <a:p>
-                <a:r>
-                  <a:rPr lang="en-US" altLang="zh-TW" sz="1400" b="1" dirty="0" smtClean="0"/>
-                  <a:t>250</a:t>
-                </a:r>
-                <a:endParaRPr lang="zh-TW" altLang="en-US" sz="1400" b="1" dirty="0"/>
-              </a:p>
-            </p:txBody>
-          </p:sp>
-          <p:sp>
-            <p:nvSpPr>
-              <p:cNvPr id="34" name="文字方塊 33"/>
-              <p:cNvSpPr txBox="1"/>
-              <p:nvPr/>
-            </p:nvSpPr>
-            <p:spPr>
-              <a:xfrm>
-                <a:off x="3911923" y="4583052"/>
-                <a:ext cx="276038" cy="307777"/>
-              </a:xfrm>
-              <a:prstGeom prst="rect">
-                <a:avLst/>
-              </a:prstGeom>
-              <a:noFill/>
-            </p:spPr>
-            <p:txBody>
-              <a:bodyPr wrap="none" rtlCol="0">
-                <a:spAutoFit/>
-              </a:bodyPr>
-              <a:lstStyle/>
-              <a:p>
-                <a:r>
-                  <a:rPr lang="en-US" altLang="zh-TW" sz="1400" b="1" dirty="0" smtClean="0"/>
-                  <a:t>0</a:t>
-                </a:r>
-                <a:endParaRPr lang="zh-TW" altLang="en-US" sz="1400" b="1" dirty="0"/>
-              </a:p>
-            </p:txBody>
-          </p:sp>
-          <p:cxnSp>
-            <p:nvCxnSpPr>
-              <p:cNvPr id="35" name="直線接點 34"/>
+              <p:cNvPr id="20" name="直線接點 19"/>
               <p:cNvCxnSpPr/>
               <p:nvPr/>
             </p:nvCxnSpPr>
             <p:spPr>
               <a:xfrm flipH="1">
-                <a:off x="3751013" y="2437166"/>
-                <a:ext cx="9620" cy="2395474"/>
-              </a:xfrm>
-              <a:prstGeom prst="line">
-                <a:avLst/>
-              </a:prstGeom>
-              <a:ln w="19050">
-                <a:solidFill>
-                  <a:schemeClr val="tx1"/>
-                </a:solidFill>
-                <a:headEnd type="arrow" w="med" len="med"/>
-                <a:tailEnd type="arrow" w="med" len="med"/>
-              </a:ln>
-            </p:spPr>
-            <p:style>
-              <a:lnRef idx="1">
-                <a:schemeClr val="accent1"/>
-              </a:lnRef>
-              <a:fillRef idx="0">
-                <a:schemeClr val="accent1"/>
-              </a:fillRef>
-              <a:effectRef idx="0">
-                <a:schemeClr val="accent1"/>
-              </a:effectRef>
-              <a:fontRef idx="minor">
-                <a:schemeClr val="tx1"/>
-              </a:fontRef>
-            </p:style>
-          </p:cxnSp>
-          <p:cxnSp>
-            <p:nvCxnSpPr>
-              <p:cNvPr id="37" name="直線接點 36"/>
-              <p:cNvCxnSpPr/>
-              <p:nvPr/>
-            </p:nvCxnSpPr>
-            <p:spPr>
-              <a:xfrm flipH="1">
-                <a:off x="3411776" y="2428662"/>
-                <a:ext cx="500147" cy="0"/>
+                <a:off x="4157731" y="1750388"/>
+                <a:ext cx="8584" cy="420706"/>
               </a:xfrm>
               <a:prstGeom prst="line">
                 <a:avLst/>
@@ -6297,14 +5175,14 @@
           </p:cxnSp>
           <p:cxnSp>
             <p:nvCxnSpPr>
-              <p:cNvPr id="39" name="直線接點 38"/>
+              <p:cNvPr id="24" name="直線接點 23"/>
               <p:cNvCxnSpPr/>
               <p:nvPr/>
             </p:nvCxnSpPr>
             <p:spPr>
               <a:xfrm flipH="1">
-                <a:off x="3411775" y="4832640"/>
-                <a:ext cx="500147" cy="0"/>
+                <a:off x="7053328" y="1750388"/>
+                <a:ext cx="8584" cy="420706"/>
               </a:xfrm>
               <a:prstGeom prst="line">
                 <a:avLst/>
@@ -6332,14 +5210,14 @@
           </p:cxnSp>
           <p:sp>
             <p:nvSpPr>
-              <p:cNvPr id="40" name="文字方塊 39"/>
+              <p:cNvPr id="31" name="文字方塊 30"/>
               <p:cNvSpPr txBox="1"/>
               <p:nvPr/>
             </p:nvSpPr>
             <p:spPr>
               <a:xfrm>
-                <a:off x="3345625" y="2527683"/>
-                <a:ext cx="367408" cy="2246769"/>
+                <a:off x="5203061" y="1745744"/>
+                <a:ext cx="960519" cy="307777"/>
               </a:xfrm>
               <a:prstGeom prst="rect">
                 <a:avLst/>
@@ -6354,75 +5232,1264 @@
               <a:p>
                 <a:r>
                   <a:rPr lang="zh-TW" altLang="en-US" sz="1400" dirty="0" smtClean="0"/>
-                  <a:t>每</a:t>
+                  <a:t>陽性率</a:t>
                 </a:r>
-                <a:endParaRPr lang="en-US" altLang="zh-TW" sz="1400" dirty="0" smtClean="0"/>
-              </a:p>
-              <a:p>
                 <a:r>
                   <a:rPr lang="en-US" altLang="zh-TW" sz="1400" dirty="0" smtClean="0"/>
-                  <a:t>10</a:t>
-                </a:r>
-              </a:p>
-              <a:p>
-                <a:r>
-                  <a:rPr lang="zh-TW" altLang="en-US" sz="1400" dirty="0" smtClean="0"/>
-                  <a:t>個</a:t>
-                </a:r>
-                <a:endParaRPr lang="en-US" altLang="zh-TW" sz="1400" dirty="0" smtClean="0"/>
-              </a:p>
-              <a:p>
-                <a:r>
-                  <a:rPr lang="zh-TW" altLang="en-US" sz="1400" dirty="0" smtClean="0"/>
-                  <a:t>誘</a:t>
-                </a:r>
-                <a:endParaRPr lang="en-US" altLang="zh-TW" sz="1400" dirty="0" smtClean="0"/>
-              </a:p>
-              <a:p>
-                <a:r>
-                  <a:rPr lang="zh-TW" altLang="en-US" sz="1400" dirty="0" smtClean="0"/>
-                  <a:t>卵</a:t>
-                </a:r>
-                <a:endParaRPr lang="en-US" altLang="zh-TW" sz="1400" dirty="0"/>
-              </a:p>
-              <a:p>
-                <a:r>
-                  <a:rPr lang="zh-TW" altLang="en-US" sz="1400" dirty="0" smtClean="0"/>
-                  <a:t>桶</a:t>
-                </a:r>
-                <a:endParaRPr lang="en-US" altLang="zh-TW" sz="1400" dirty="0" smtClean="0"/>
-              </a:p>
-              <a:p>
-                <a:r>
-                  <a:rPr lang="zh-TW" altLang="en-US" sz="1400" dirty="0" smtClean="0"/>
-                  <a:t>總</a:t>
-                </a:r>
-                <a:endParaRPr lang="en-US" altLang="zh-TW" sz="1400" dirty="0" smtClean="0"/>
-              </a:p>
-              <a:p>
-                <a:r>
-                  <a:rPr lang="zh-TW" altLang="en-US" sz="1400" dirty="0" smtClean="0"/>
-                  <a:t>卵</a:t>
-                </a:r>
-                <a:endParaRPr lang="en-US" altLang="zh-TW" sz="1400" dirty="0"/>
-              </a:p>
-              <a:p>
-                <a:r>
-                  <a:rPr lang="zh-TW" altLang="en-US" sz="1400" dirty="0" smtClean="0"/>
-                  <a:t>粒</a:t>
-                </a:r>
-                <a:endParaRPr lang="en-US" altLang="zh-TW" sz="1400" dirty="0" smtClean="0"/>
-              </a:p>
-              <a:p>
-                <a:r>
-                  <a:rPr lang="zh-TW" altLang="en-US" sz="1400" dirty="0" smtClean="0"/>
-                  <a:t>數</a:t>
+                  <a:t>(%)</a:t>
                 </a:r>
                 <a:endParaRPr lang="zh-TW" altLang="en-US" sz="1400" dirty="0"/>
               </a:p>
             </p:txBody>
           </p:sp>
+          <p:grpSp>
+            <p:nvGrpSpPr>
+              <p:cNvPr id="2" name="群組 1"/>
+              <p:cNvGrpSpPr/>
+              <p:nvPr/>
+            </p:nvGrpSpPr>
+            <p:grpSpPr>
+              <a:xfrm>
+                <a:off x="3345625" y="2019353"/>
+                <a:ext cx="3815026" cy="2871476"/>
+                <a:chOff x="3345625" y="2019353"/>
+                <a:chExt cx="3815026" cy="2871476"/>
+              </a:xfrm>
+            </p:grpSpPr>
+            <p:sp>
+              <p:nvSpPr>
+                <p:cNvPr id="4" name="矩形 3"/>
+                <p:cNvSpPr/>
+                <p:nvPr/>
+              </p:nvSpPr>
+              <p:spPr>
+                <a:xfrm>
+                  <a:off x="4159876" y="2395470"/>
+                  <a:ext cx="965915" cy="798491"/>
+                </a:xfrm>
+                <a:prstGeom prst="rect">
+                  <a:avLst/>
+                </a:prstGeom>
+                <a:solidFill>
+                  <a:srgbClr val="FF0000"/>
+                </a:solidFill>
+                <a:ln>
+                  <a:solidFill>
+                    <a:schemeClr val="tx1"/>
+                  </a:solidFill>
+                </a:ln>
+              </p:spPr>
+              <p:style>
+                <a:lnRef idx="2">
+                  <a:schemeClr val="accent1">
+                    <a:shade val="50000"/>
+                  </a:schemeClr>
+                </a:lnRef>
+                <a:fillRef idx="1">
+                  <a:schemeClr val="accent1"/>
+                </a:fillRef>
+                <a:effectRef idx="0">
+                  <a:schemeClr val="accent1"/>
+                </a:effectRef>
+                <a:fontRef idx="minor">
+                  <a:schemeClr val="lt1"/>
+                </a:fontRef>
+              </p:style>
+              <p:txBody>
+                <a:bodyPr rtlCol="0" anchor="ctr"/>
+                <a:lstStyle/>
+                <a:p>
+                  <a:pPr algn="ctr"/>
+                  <a:endParaRPr lang="zh-TW" altLang="en-US"/>
+                </a:p>
+              </p:txBody>
+            </p:sp>
+            <p:sp>
+              <p:nvSpPr>
+                <p:cNvPr id="5" name="矩形 4"/>
+                <p:cNvSpPr/>
+                <p:nvPr/>
+              </p:nvSpPr>
+              <p:spPr>
+                <a:xfrm>
+                  <a:off x="4157731" y="3189666"/>
+                  <a:ext cx="965915" cy="798491"/>
+                </a:xfrm>
+                <a:prstGeom prst="rect">
+                  <a:avLst/>
+                </a:prstGeom>
+                <a:solidFill>
+                  <a:schemeClr val="bg1"/>
+                </a:solidFill>
+                <a:ln>
+                  <a:solidFill>
+                    <a:schemeClr val="tx1"/>
+                  </a:solidFill>
+                </a:ln>
+              </p:spPr>
+              <p:style>
+                <a:lnRef idx="2">
+                  <a:schemeClr val="accent1">
+                    <a:shade val="50000"/>
+                  </a:schemeClr>
+                </a:lnRef>
+                <a:fillRef idx="1">
+                  <a:schemeClr val="accent1"/>
+                </a:fillRef>
+                <a:effectRef idx="0">
+                  <a:schemeClr val="accent1"/>
+                </a:effectRef>
+                <a:fontRef idx="minor">
+                  <a:schemeClr val="lt1"/>
+                </a:fontRef>
+              </p:style>
+              <p:txBody>
+                <a:bodyPr rtlCol="0" anchor="ctr"/>
+                <a:lstStyle/>
+                <a:p>
+                  <a:pPr algn="ctr"/>
+                  <a:endParaRPr lang="zh-TW" altLang="en-US"/>
+                </a:p>
+              </p:txBody>
+            </p:sp>
+            <p:sp>
+              <p:nvSpPr>
+                <p:cNvPr id="6" name="矩形 5"/>
+                <p:cNvSpPr/>
+                <p:nvPr/>
+              </p:nvSpPr>
+              <p:spPr>
+                <a:xfrm>
+                  <a:off x="4166315" y="3988157"/>
+                  <a:ext cx="965915" cy="798491"/>
+                </a:xfrm>
+                <a:prstGeom prst="rect">
+                  <a:avLst/>
+                </a:prstGeom>
+                <a:solidFill>
+                  <a:schemeClr val="bg1"/>
+                </a:solidFill>
+                <a:ln>
+                  <a:solidFill>
+                    <a:schemeClr val="tx1"/>
+                  </a:solidFill>
+                </a:ln>
+              </p:spPr>
+              <p:style>
+                <a:lnRef idx="2">
+                  <a:schemeClr val="accent1">
+                    <a:shade val="50000"/>
+                  </a:schemeClr>
+                </a:lnRef>
+                <a:fillRef idx="1">
+                  <a:schemeClr val="accent1"/>
+                </a:fillRef>
+                <a:effectRef idx="0">
+                  <a:schemeClr val="accent1"/>
+                </a:effectRef>
+                <a:fontRef idx="minor">
+                  <a:schemeClr val="lt1"/>
+                </a:fontRef>
+              </p:style>
+              <p:txBody>
+                <a:bodyPr rtlCol="0" anchor="ctr"/>
+                <a:lstStyle/>
+                <a:p>
+                  <a:pPr algn="ctr"/>
+                  <a:endParaRPr lang="zh-TW" altLang="en-US"/>
+                </a:p>
+              </p:txBody>
+            </p:sp>
+            <p:sp>
+              <p:nvSpPr>
+                <p:cNvPr id="7" name="矩形 6"/>
+                <p:cNvSpPr/>
+                <p:nvPr/>
+              </p:nvSpPr>
+              <p:spPr>
+                <a:xfrm>
+                  <a:off x="5121496" y="3193958"/>
+                  <a:ext cx="965915" cy="798491"/>
+                </a:xfrm>
+                <a:prstGeom prst="rect">
+                  <a:avLst/>
+                </a:prstGeom>
+                <a:solidFill>
+                  <a:schemeClr val="bg1"/>
+                </a:solidFill>
+                <a:ln>
+                  <a:solidFill>
+                    <a:schemeClr val="tx1"/>
+                  </a:solidFill>
+                </a:ln>
+              </p:spPr>
+              <p:style>
+                <a:lnRef idx="2">
+                  <a:schemeClr val="accent1">
+                    <a:shade val="50000"/>
+                  </a:schemeClr>
+                </a:lnRef>
+                <a:fillRef idx="1">
+                  <a:schemeClr val="accent1"/>
+                </a:fillRef>
+                <a:effectRef idx="0">
+                  <a:schemeClr val="accent1"/>
+                </a:effectRef>
+                <a:fontRef idx="minor">
+                  <a:schemeClr val="lt1"/>
+                </a:fontRef>
+              </p:style>
+              <p:txBody>
+                <a:bodyPr rtlCol="0" anchor="ctr"/>
+                <a:lstStyle/>
+                <a:p>
+                  <a:pPr algn="ctr"/>
+                  <a:endParaRPr lang="zh-TW" altLang="en-US"/>
+                </a:p>
+              </p:txBody>
+            </p:sp>
+            <p:sp>
+              <p:nvSpPr>
+                <p:cNvPr id="8" name="矩形 7"/>
+                <p:cNvSpPr/>
+                <p:nvPr/>
+              </p:nvSpPr>
+              <p:spPr>
+                <a:xfrm>
+                  <a:off x="5130083" y="3992450"/>
+                  <a:ext cx="965915" cy="798491"/>
+                </a:xfrm>
+                <a:prstGeom prst="rect">
+                  <a:avLst/>
+                </a:prstGeom>
+                <a:solidFill>
+                  <a:schemeClr val="bg1"/>
+                </a:solidFill>
+                <a:ln>
+                  <a:solidFill>
+                    <a:schemeClr val="tx1"/>
+                  </a:solidFill>
+                </a:ln>
+              </p:spPr>
+              <p:style>
+                <a:lnRef idx="2">
+                  <a:schemeClr val="accent1">
+                    <a:shade val="50000"/>
+                  </a:schemeClr>
+                </a:lnRef>
+                <a:fillRef idx="1">
+                  <a:schemeClr val="accent1"/>
+                </a:fillRef>
+                <a:effectRef idx="0">
+                  <a:schemeClr val="accent1"/>
+                </a:effectRef>
+                <a:fontRef idx="minor">
+                  <a:schemeClr val="lt1"/>
+                </a:fontRef>
+              </p:style>
+              <p:txBody>
+                <a:bodyPr rtlCol="0" anchor="ctr"/>
+                <a:lstStyle/>
+                <a:p>
+                  <a:pPr algn="ctr"/>
+                  <a:endParaRPr lang="zh-TW" altLang="en-US"/>
+                </a:p>
+              </p:txBody>
+            </p:sp>
+            <p:sp>
+              <p:nvSpPr>
+                <p:cNvPr id="9" name="矩形 8"/>
+                <p:cNvSpPr/>
+                <p:nvPr/>
+              </p:nvSpPr>
+              <p:spPr>
+                <a:xfrm>
+                  <a:off x="6091705" y="3992451"/>
+                  <a:ext cx="965915" cy="798491"/>
+                </a:xfrm>
+                <a:prstGeom prst="rect">
+                  <a:avLst/>
+                </a:prstGeom>
+                <a:solidFill>
+                  <a:schemeClr val="bg1"/>
+                </a:solidFill>
+                <a:ln>
+                  <a:solidFill>
+                    <a:schemeClr val="tx1"/>
+                  </a:solidFill>
+                </a:ln>
+              </p:spPr>
+              <p:style>
+                <a:lnRef idx="2">
+                  <a:schemeClr val="accent1">
+                    <a:shade val="50000"/>
+                  </a:schemeClr>
+                </a:lnRef>
+                <a:fillRef idx="1">
+                  <a:schemeClr val="accent1"/>
+                </a:fillRef>
+                <a:effectRef idx="0">
+                  <a:schemeClr val="accent1"/>
+                </a:effectRef>
+                <a:fontRef idx="minor">
+                  <a:schemeClr val="lt1"/>
+                </a:fontRef>
+              </p:style>
+              <p:txBody>
+                <a:bodyPr rtlCol="0" anchor="ctr"/>
+                <a:lstStyle/>
+                <a:p>
+                  <a:pPr algn="ctr"/>
+                  <a:endParaRPr lang="zh-TW" altLang="en-US"/>
+                </a:p>
+              </p:txBody>
+            </p:sp>
+            <p:sp>
+              <p:nvSpPr>
+                <p:cNvPr id="10" name="矩形 9"/>
+                <p:cNvSpPr/>
+                <p:nvPr/>
+              </p:nvSpPr>
+              <p:spPr>
+                <a:xfrm>
+                  <a:off x="6095995" y="3189665"/>
+                  <a:ext cx="965915" cy="798491"/>
+                </a:xfrm>
+                <a:prstGeom prst="rect">
+                  <a:avLst/>
+                </a:prstGeom>
+                <a:solidFill>
+                  <a:schemeClr val="bg1"/>
+                </a:solidFill>
+                <a:ln>
+                  <a:solidFill>
+                    <a:schemeClr val="tx1"/>
+                  </a:solidFill>
+                </a:ln>
+              </p:spPr>
+              <p:style>
+                <a:lnRef idx="2">
+                  <a:schemeClr val="accent1">
+                    <a:shade val="50000"/>
+                  </a:schemeClr>
+                </a:lnRef>
+                <a:fillRef idx="1">
+                  <a:schemeClr val="accent1"/>
+                </a:fillRef>
+                <a:effectRef idx="0">
+                  <a:schemeClr val="accent1"/>
+                </a:effectRef>
+                <a:fontRef idx="minor">
+                  <a:schemeClr val="lt1"/>
+                </a:fontRef>
+              </p:style>
+              <p:txBody>
+                <a:bodyPr rtlCol="0" anchor="ctr"/>
+                <a:lstStyle/>
+                <a:p>
+                  <a:pPr algn="ctr"/>
+                  <a:endParaRPr lang="zh-TW" altLang="en-US"/>
+                </a:p>
+              </p:txBody>
+            </p:sp>
+            <p:sp>
+              <p:nvSpPr>
+                <p:cNvPr id="11" name="矩形 10"/>
+                <p:cNvSpPr/>
+                <p:nvPr/>
+              </p:nvSpPr>
+              <p:spPr>
+                <a:xfrm>
+                  <a:off x="6091706" y="2395469"/>
+                  <a:ext cx="965915" cy="798491"/>
+                </a:xfrm>
+                <a:prstGeom prst="rect">
+                  <a:avLst/>
+                </a:prstGeom>
+                <a:solidFill>
+                  <a:schemeClr val="bg1"/>
+                </a:solidFill>
+                <a:ln>
+                  <a:solidFill>
+                    <a:schemeClr val="tx1"/>
+                  </a:solidFill>
+                </a:ln>
+              </p:spPr>
+              <p:style>
+                <a:lnRef idx="2">
+                  <a:schemeClr val="accent1">
+                    <a:shade val="50000"/>
+                  </a:schemeClr>
+                </a:lnRef>
+                <a:fillRef idx="1">
+                  <a:schemeClr val="accent1"/>
+                </a:fillRef>
+                <a:effectRef idx="0">
+                  <a:schemeClr val="accent1"/>
+                </a:effectRef>
+                <a:fontRef idx="minor">
+                  <a:schemeClr val="lt1"/>
+                </a:fontRef>
+              </p:style>
+              <p:txBody>
+                <a:bodyPr rtlCol="0" anchor="ctr"/>
+                <a:lstStyle/>
+                <a:p>
+                  <a:pPr algn="ctr"/>
+                  <a:endParaRPr lang="zh-TW" altLang="en-US"/>
+                </a:p>
+              </p:txBody>
+            </p:sp>
+            <p:sp>
+              <p:nvSpPr>
+                <p:cNvPr id="12" name="矩形 11"/>
+                <p:cNvSpPr/>
+                <p:nvPr/>
+              </p:nvSpPr>
+              <p:spPr>
+                <a:xfrm>
+                  <a:off x="5125791" y="2395469"/>
+                  <a:ext cx="965915" cy="798491"/>
+                </a:xfrm>
+                <a:prstGeom prst="rect">
+                  <a:avLst/>
+                </a:prstGeom>
+                <a:solidFill>
+                  <a:schemeClr val="bg1"/>
+                </a:solidFill>
+                <a:ln>
+                  <a:solidFill>
+                    <a:schemeClr val="tx1"/>
+                  </a:solidFill>
+                </a:ln>
+              </p:spPr>
+              <p:style>
+                <a:lnRef idx="2">
+                  <a:schemeClr val="accent1">
+                    <a:shade val="50000"/>
+                  </a:schemeClr>
+                </a:lnRef>
+                <a:fillRef idx="1">
+                  <a:schemeClr val="accent1"/>
+                </a:fillRef>
+                <a:effectRef idx="0">
+                  <a:schemeClr val="accent1"/>
+                </a:effectRef>
+                <a:fontRef idx="minor">
+                  <a:schemeClr val="lt1"/>
+                </a:fontRef>
+              </p:style>
+              <p:txBody>
+                <a:bodyPr rtlCol="0" anchor="ctr"/>
+                <a:lstStyle/>
+                <a:p>
+                  <a:pPr algn="ctr"/>
+                  <a:endParaRPr lang="zh-TW" altLang="en-US"/>
+                </a:p>
+              </p:txBody>
+            </p:sp>
+            <p:sp>
+              <p:nvSpPr>
+                <p:cNvPr id="13" name="橢圓 12"/>
+                <p:cNvSpPr/>
+                <p:nvPr/>
+              </p:nvSpPr>
+              <p:spPr>
+                <a:xfrm>
+                  <a:off x="4256466" y="2395469"/>
+                  <a:ext cx="785611" cy="794196"/>
+                </a:xfrm>
+                <a:prstGeom prst="ellipse">
+                  <a:avLst/>
+                </a:prstGeom>
+                <a:solidFill>
+                  <a:schemeClr val="accent1">
+                    <a:lumMod val="20000"/>
+                    <a:lumOff val="80000"/>
+                  </a:schemeClr>
+                </a:solidFill>
+              </p:spPr>
+              <p:style>
+                <a:lnRef idx="2">
+                  <a:schemeClr val="accent1">
+                    <a:shade val="50000"/>
+                  </a:schemeClr>
+                </a:lnRef>
+                <a:fillRef idx="1">
+                  <a:schemeClr val="accent1"/>
+                </a:fillRef>
+                <a:effectRef idx="0">
+                  <a:schemeClr val="accent1"/>
+                </a:effectRef>
+                <a:fontRef idx="minor">
+                  <a:schemeClr val="lt1"/>
+                </a:fontRef>
+              </p:style>
+              <p:txBody>
+                <a:bodyPr rtlCol="0" anchor="ctr"/>
+                <a:lstStyle/>
+                <a:p>
+                  <a:pPr algn="ctr"/>
+                  <a:r>
+                    <a:rPr lang="zh-TW" altLang="en-US" dirty="0" smtClean="0">
+                      <a:solidFill>
+                        <a:schemeClr val="tx1"/>
+                      </a:solidFill>
+                    </a:rPr>
+                    <a:t>優</a:t>
+                  </a:r>
+                  <a:r>
+                    <a:rPr lang="zh-TW" altLang="en-US" dirty="0">
+                      <a:solidFill>
+                        <a:schemeClr val="tx1"/>
+                      </a:solidFill>
+                    </a:rPr>
+                    <a:t>先</a:t>
+                  </a:r>
+                </a:p>
+              </p:txBody>
+            </p:sp>
+            <p:sp>
+              <p:nvSpPr>
+                <p:cNvPr id="14" name="橢圓 13"/>
+                <p:cNvSpPr/>
+                <p:nvPr/>
+              </p:nvSpPr>
+              <p:spPr>
+                <a:xfrm>
+                  <a:off x="4241444" y="4011767"/>
+                  <a:ext cx="785611" cy="794196"/>
+                </a:xfrm>
+                <a:prstGeom prst="ellipse">
+                  <a:avLst/>
+                </a:prstGeom>
+                <a:solidFill>
+                  <a:srgbClr val="FFFF00"/>
+                </a:solidFill>
+              </p:spPr>
+              <p:style>
+                <a:lnRef idx="2">
+                  <a:schemeClr val="accent1">
+                    <a:shade val="50000"/>
+                  </a:schemeClr>
+                </a:lnRef>
+                <a:fillRef idx="1">
+                  <a:schemeClr val="accent1"/>
+                </a:fillRef>
+                <a:effectRef idx="0">
+                  <a:schemeClr val="accent1"/>
+                </a:effectRef>
+                <a:fontRef idx="minor">
+                  <a:schemeClr val="lt1"/>
+                </a:fontRef>
+              </p:style>
+              <p:txBody>
+                <a:bodyPr rtlCol="0" anchor="ctr"/>
+                <a:lstStyle/>
+                <a:p>
+                  <a:pPr algn="ctr"/>
+                  <a:r>
+                    <a:rPr lang="zh-TW" altLang="en-US" dirty="0" smtClean="0">
+                      <a:solidFill>
+                        <a:schemeClr val="tx1"/>
+                      </a:solidFill>
+                    </a:rPr>
+                    <a:t>注意</a:t>
+                  </a:r>
+                  <a:endParaRPr lang="zh-TW" altLang="en-US" dirty="0">
+                    <a:solidFill>
+                      <a:schemeClr val="tx1"/>
+                    </a:solidFill>
+                  </a:endParaRPr>
+                </a:p>
+              </p:txBody>
+            </p:sp>
+            <p:sp>
+              <p:nvSpPr>
+                <p:cNvPr id="15" name="橢圓 14"/>
+                <p:cNvSpPr/>
+                <p:nvPr/>
+              </p:nvSpPr>
+              <p:spPr>
+                <a:xfrm>
+                  <a:off x="4241445" y="3189665"/>
+                  <a:ext cx="785611" cy="794196"/>
+                </a:xfrm>
+                <a:prstGeom prst="ellipse">
+                  <a:avLst/>
+                </a:prstGeom>
+                <a:solidFill>
+                  <a:srgbClr val="FFFF00"/>
+                </a:solidFill>
+              </p:spPr>
+              <p:style>
+                <a:lnRef idx="2">
+                  <a:schemeClr val="accent1">
+                    <a:shade val="50000"/>
+                  </a:schemeClr>
+                </a:lnRef>
+                <a:fillRef idx="1">
+                  <a:schemeClr val="accent1"/>
+                </a:fillRef>
+                <a:effectRef idx="0">
+                  <a:schemeClr val="accent1"/>
+                </a:effectRef>
+                <a:fontRef idx="minor">
+                  <a:schemeClr val="lt1"/>
+                </a:fontRef>
+              </p:style>
+              <p:txBody>
+                <a:bodyPr rtlCol="0" anchor="ctr"/>
+                <a:lstStyle/>
+                <a:p>
+                  <a:pPr algn="ctr"/>
+                  <a:r>
+                    <a:rPr lang="zh-TW" altLang="en-US" dirty="0" smtClean="0">
+                      <a:solidFill>
+                        <a:schemeClr val="tx1"/>
+                      </a:solidFill>
+                    </a:rPr>
+                    <a:t>注意</a:t>
+                  </a:r>
+                  <a:endParaRPr lang="zh-TW" altLang="en-US" dirty="0">
+                    <a:solidFill>
+                      <a:schemeClr val="tx1"/>
+                    </a:solidFill>
+                  </a:endParaRPr>
+                </a:p>
+              </p:txBody>
+            </p:sp>
+            <p:sp>
+              <p:nvSpPr>
+                <p:cNvPr id="16" name="橢圓 15"/>
+                <p:cNvSpPr/>
+                <p:nvPr/>
+              </p:nvSpPr>
+              <p:spPr>
+                <a:xfrm>
+                  <a:off x="6181858" y="2391174"/>
+                  <a:ext cx="785611" cy="794196"/>
+                </a:xfrm>
+                <a:prstGeom prst="ellipse">
+                  <a:avLst/>
+                </a:prstGeom>
+                <a:solidFill>
+                  <a:srgbClr val="FFFF00"/>
+                </a:solidFill>
+              </p:spPr>
+              <p:style>
+                <a:lnRef idx="2">
+                  <a:schemeClr val="accent1">
+                    <a:shade val="50000"/>
+                  </a:schemeClr>
+                </a:lnRef>
+                <a:fillRef idx="1">
+                  <a:schemeClr val="accent1"/>
+                </a:fillRef>
+                <a:effectRef idx="0">
+                  <a:schemeClr val="accent1"/>
+                </a:effectRef>
+                <a:fontRef idx="minor">
+                  <a:schemeClr val="lt1"/>
+                </a:fontRef>
+              </p:style>
+              <p:txBody>
+                <a:bodyPr rtlCol="0" anchor="ctr"/>
+                <a:lstStyle/>
+                <a:p>
+                  <a:pPr algn="ctr"/>
+                  <a:r>
+                    <a:rPr lang="zh-TW" altLang="en-US" dirty="0" smtClean="0">
+                      <a:solidFill>
+                        <a:schemeClr val="tx1"/>
+                      </a:solidFill>
+                    </a:rPr>
+                    <a:t>注意</a:t>
+                  </a:r>
+                  <a:endParaRPr lang="zh-TW" altLang="en-US" dirty="0">
+                    <a:solidFill>
+                      <a:schemeClr val="tx1"/>
+                    </a:solidFill>
+                  </a:endParaRPr>
+                </a:p>
+              </p:txBody>
+            </p:sp>
+            <p:sp>
+              <p:nvSpPr>
+                <p:cNvPr id="17" name="橢圓 16"/>
+                <p:cNvSpPr/>
+                <p:nvPr/>
+              </p:nvSpPr>
+              <p:spPr>
+                <a:xfrm>
+                  <a:off x="5203065" y="2395465"/>
+                  <a:ext cx="785611" cy="794196"/>
+                </a:xfrm>
+                <a:prstGeom prst="ellipse">
+                  <a:avLst/>
+                </a:prstGeom>
+                <a:solidFill>
+                  <a:srgbClr val="FFFF00"/>
+                </a:solidFill>
+              </p:spPr>
+              <p:style>
+                <a:lnRef idx="2">
+                  <a:schemeClr val="accent1">
+                    <a:shade val="50000"/>
+                  </a:schemeClr>
+                </a:lnRef>
+                <a:fillRef idx="1">
+                  <a:schemeClr val="accent1"/>
+                </a:fillRef>
+                <a:effectRef idx="0">
+                  <a:schemeClr val="accent1"/>
+                </a:effectRef>
+                <a:fontRef idx="minor">
+                  <a:schemeClr val="lt1"/>
+                </a:fontRef>
+              </p:style>
+              <p:txBody>
+                <a:bodyPr rtlCol="0" anchor="ctr"/>
+                <a:lstStyle/>
+                <a:p>
+                  <a:pPr algn="ctr"/>
+                  <a:r>
+                    <a:rPr lang="zh-TW" altLang="en-US" dirty="0" smtClean="0">
+                      <a:solidFill>
+                        <a:schemeClr val="tx1"/>
+                      </a:solidFill>
+                    </a:rPr>
+                    <a:t>注意</a:t>
+                  </a:r>
+                  <a:endParaRPr lang="zh-TW" altLang="en-US" dirty="0">
+                    <a:solidFill>
+                      <a:schemeClr val="tx1"/>
+                    </a:solidFill>
+                  </a:endParaRPr>
+                </a:p>
+              </p:txBody>
+            </p:sp>
+            <p:sp>
+              <p:nvSpPr>
+                <p:cNvPr id="25" name="文字方塊 24"/>
+                <p:cNvSpPr txBox="1"/>
+                <p:nvPr/>
+              </p:nvSpPr>
+              <p:spPr>
+                <a:xfrm>
+                  <a:off x="5910147" y="2131534"/>
+                  <a:ext cx="367408" cy="307777"/>
+                </a:xfrm>
+                <a:prstGeom prst="rect">
+                  <a:avLst/>
+                </a:prstGeom>
+                <a:noFill/>
+              </p:spPr>
+              <p:txBody>
+                <a:bodyPr wrap="none" rtlCol="0">
+                  <a:spAutoFit/>
+                </a:bodyPr>
+                <a:lstStyle/>
+                <a:p>
+                  <a:r>
+                    <a:rPr lang="en-US" altLang="zh-TW" sz="1400" b="1" dirty="0" smtClean="0"/>
+                    <a:t>30</a:t>
+                  </a:r>
+                  <a:endParaRPr lang="zh-TW" altLang="en-US" sz="1400" b="1" dirty="0"/>
+                </a:p>
+              </p:txBody>
+            </p:sp>
+            <p:sp>
+              <p:nvSpPr>
+                <p:cNvPr id="26" name="文字方塊 25"/>
+                <p:cNvSpPr txBox="1"/>
+                <p:nvPr/>
+              </p:nvSpPr>
+              <p:spPr>
+                <a:xfrm>
+                  <a:off x="4954963" y="2129389"/>
+                  <a:ext cx="367408" cy="307777"/>
+                </a:xfrm>
+                <a:prstGeom prst="rect">
+                  <a:avLst/>
+                </a:prstGeom>
+                <a:noFill/>
+              </p:spPr>
+              <p:txBody>
+                <a:bodyPr wrap="none" rtlCol="0">
+                  <a:spAutoFit/>
+                </a:bodyPr>
+                <a:lstStyle/>
+                <a:p>
+                  <a:r>
+                    <a:rPr lang="en-US" altLang="zh-TW" sz="1400" b="1" dirty="0">
+                      <a:solidFill>
+                        <a:srgbClr val="FF0000"/>
+                      </a:solidFill>
+                    </a:rPr>
+                    <a:t>6</a:t>
+                  </a:r>
+                  <a:r>
+                    <a:rPr lang="en-US" altLang="zh-TW" sz="1400" b="1" dirty="0" smtClean="0">
+                      <a:solidFill>
+                        <a:srgbClr val="FF0000"/>
+                      </a:solidFill>
+                    </a:rPr>
+                    <a:t>0</a:t>
+                  </a:r>
+                  <a:endParaRPr lang="zh-TW" altLang="en-US" sz="1400" b="1" dirty="0">
+                    <a:solidFill>
+                      <a:srgbClr val="FF0000"/>
+                    </a:solidFill>
+                  </a:endParaRPr>
+                </a:p>
+              </p:txBody>
+            </p:sp>
+            <p:sp>
+              <p:nvSpPr>
+                <p:cNvPr id="27" name="文字方塊 26"/>
+                <p:cNvSpPr txBox="1"/>
+                <p:nvPr/>
+              </p:nvSpPr>
+              <p:spPr>
+                <a:xfrm>
+                  <a:off x="4034125" y="2133105"/>
+                  <a:ext cx="458780" cy="307777"/>
+                </a:xfrm>
+                <a:prstGeom prst="rect">
+                  <a:avLst/>
+                </a:prstGeom>
+                <a:noFill/>
+              </p:spPr>
+              <p:txBody>
+                <a:bodyPr wrap="none" rtlCol="0">
+                  <a:spAutoFit/>
+                </a:bodyPr>
+                <a:lstStyle/>
+                <a:p>
+                  <a:r>
+                    <a:rPr lang="en-US" altLang="zh-TW" sz="1400" b="1" dirty="0" smtClean="0">
+                      <a:solidFill>
+                        <a:srgbClr val="FF0000"/>
+                      </a:solidFill>
+                    </a:rPr>
+                    <a:t>100</a:t>
+                  </a:r>
+                  <a:endParaRPr lang="zh-TW" altLang="en-US" sz="1400" b="1" dirty="0">
+                    <a:solidFill>
+                      <a:srgbClr val="FF0000"/>
+                    </a:solidFill>
+                  </a:endParaRPr>
+                </a:p>
+              </p:txBody>
+            </p:sp>
+            <p:sp>
+              <p:nvSpPr>
+                <p:cNvPr id="28" name="文字方塊 27"/>
+                <p:cNvSpPr txBox="1"/>
+                <p:nvPr/>
+              </p:nvSpPr>
+              <p:spPr>
+                <a:xfrm>
+                  <a:off x="6884613" y="2131534"/>
+                  <a:ext cx="276038" cy="307777"/>
+                </a:xfrm>
+                <a:prstGeom prst="rect">
+                  <a:avLst/>
+                </a:prstGeom>
+                <a:noFill/>
+              </p:spPr>
+              <p:txBody>
+                <a:bodyPr wrap="none" rtlCol="0">
+                  <a:spAutoFit/>
+                </a:bodyPr>
+                <a:lstStyle/>
+                <a:p>
+                  <a:r>
+                    <a:rPr lang="en-US" altLang="zh-TW" sz="1400" b="1" dirty="0" smtClean="0"/>
+                    <a:t>0</a:t>
+                  </a:r>
+                  <a:endParaRPr lang="zh-TW" altLang="en-US" sz="1400" b="1" dirty="0"/>
+                </a:p>
+              </p:txBody>
+            </p:sp>
+            <p:cxnSp>
+              <p:nvCxnSpPr>
+                <p:cNvPr id="30" name="直線接點 29"/>
+                <p:cNvCxnSpPr/>
+                <p:nvPr/>
+              </p:nvCxnSpPr>
+              <p:spPr>
+                <a:xfrm>
+                  <a:off x="4153436" y="2019353"/>
+                  <a:ext cx="2908474" cy="0"/>
+                </a:xfrm>
+                <a:prstGeom prst="line">
+                  <a:avLst/>
+                </a:prstGeom>
+                <a:ln w="19050">
+                  <a:solidFill>
+                    <a:schemeClr val="tx1"/>
+                  </a:solidFill>
+                  <a:headEnd type="arrow" w="med" len="med"/>
+                  <a:tailEnd type="arrow" w="med" len="med"/>
+                </a:ln>
+              </p:spPr>
+              <p:style>
+                <a:lnRef idx="1">
+                  <a:schemeClr val="accent1"/>
+                </a:lnRef>
+                <a:fillRef idx="0">
+                  <a:schemeClr val="accent1"/>
+                </a:fillRef>
+                <a:effectRef idx="0">
+                  <a:schemeClr val="accent1"/>
+                </a:effectRef>
+                <a:fontRef idx="minor">
+                  <a:schemeClr val="tx1"/>
+                </a:fontRef>
+              </p:style>
+            </p:cxnSp>
+            <p:sp>
+              <p:nvSpPr>
+                <p:cNvPr id="32" name="文字方塊 31"/>
+                <p:cNvSpPr txBox="1"/>
+                <p:nvPr/>
+              </p:nvSpPr>
+              <p:spPr>
+                <a:xfrm>
+                  <a:off x="3744028" y="3028919"/>
+                  <a:ext cx="458780" cy="307777"/>
+                </a:xfrm>
+                <a:prstGeom prst="rect">
+                  <a:avLst/>
+                </a:prstGeom>
+                <a:noFill/>
+              </p:spPr>
+              <p:txBody>
+                <a:bodyPr wrap="none" rtlCol="0">
+                  <a:spAutoFit/>
+                </a:bodyPr>
+                <a:lstStyle/>
+                <a:p>
+                  <a:r>
+                    <a:rPr lang="en-US" altLang="zh-TW" sz="1400" b="1" dirty="0" smtClean="0">
+                      <a:solidFill>
+                        <a:srgbClr val="FF0000"/>
+                      </a:solidFill>
+                    </a:rPr>
+                    <a:t>500</a:t>
+                  </a:r>
+                  <a:endParaRPr lang="zh-TW" altLang="en-US" sz="1400" b="1" dirty="0">
+                    <a:solidFill>
+                      <a:srgbClr val="FF0000"/>
+                    </a:solidFill>
+                  </a:endParaRPr>
+                </a:p>
+              </p:txBody>
+            </p:sp>
+            <p:sp>
+              <p:nvSpPr>
+                <p:cNvPr id="33" name="文字方塊 32"/>
+                <p:cNvSpPr txBox="1"/>
+                <p:nvPr/>
+              </p:nvSpPr>
+              <p:spPr>
+                <a:xfrm>
+                  <a:off x="3740807" y="3814953"/>
+                  <a:ext cx="458780" cy="307777"/>
+                </a:xfrm>
+                <a:prstGeom prst="rect">
+                  <a:avLst/>
+                </a:prstGeom>
+                <a:noFill/>
+              </p:spPr>
+              <p:txBody>
+                <a:bodyPr wrap="none" rtlCol="0">
+                  <a:spAutoFit/>
+                </a:bodyPr>
+                <a:lstStyle/>
+                <a:p>
+                  <a:r>
+                    <a:rPr lang="en-US" altLang="zh-TW" sz="1400" b="1" dirty="0" smtClean="0"/>
+                    <a:t>250</a:t>
+                  </a:r>
+                  <a:endParaRPr lang="zh-TW" altLang="en-US" sz="1400" b="1" dirty="0"/>
+                </a:p>
+              </p:txBody>
+            </p:sp>
+            <p:sp>
+              <p:nvSpPr>
+                <p:cNvPr id="34" name="文字方塊 33"/>
+                <p:cNvSpPr txBox="1"/>
+                <p:nvPr/>
+              </p:nvSpPr>
+              <p:spPr>
+                <a:xfrm>
+                  <a:off x="3911923" y="4583052"/>
+                  <a:ext cx="276038" cy="307777"/>
+                </a:xfrm>
+                <a:prstGeom prst="rect">
+                  <a:avLst/>
+                </a:prstGeom>
+                <a:noFill/>
+              </p:spPr>
+              <p:txBody>
+                <a:bodyPr wrap="none" rtlCol="0">
+                  <a:spAutoFit/>
+                </a:bodyPr>
+                <a:lstStyle/>
+                <a:p>
+                  <a:r>
+                    <a:rPr lang="en-US" altLang="zh-TW" sz="1400" b="1" dirty="0" smtClean="0"/>
+                    <a:t>0</a:t>
+                  </a:r>
+                  <a:endParaRPr lang="zh-TW" altLang="en-US" sz="1400" b="1" dirty="0"/>
+                </a:p>
+              </p:txBody>
+            </p:sp>
+            <p:cxnSp>
+              <p:nvCxnSpPr>
+                <p:cNvPr id="35" name="直線接點 34"/>
+                <p:cNvCxnSpPr/>
+                <p:nvPr/>
+              </p:nvCxnSpPr>
+              <p:spPr>
+                <a:xfrm flipH="1">
+                  <a:off x="3751013" y="2437166"/>
+                  <a:ext cx="9620" cy="2395474"/>
+                </a:xfrm>
+                <a:prstGeom prst="line">
+                  <a:avLst/>
+                </a:prstGeom>
+                <a:ln w="19050">
+                  <a:solidFill>
+                    <a:schemeClr val="tx1"/>
+                  </a:solidFill>
+                  <a:headEnd type="arrow" w="med" len="med"/>
+                  <a:tailEnd type="arrow" w="med" len="med"/>
+                </a:ln>
+              </p:spPr>
+              <p:style>
+                <a:lnRef idx="1">
+                  <a:schemeClr val="accent1"/>
+                </a:lnRef>
+                <a:fillRef idx="0">
+                  <a:schemeClr val="accent1"/>
+                </a:fillRef>
+                <a:effectRef idx="0">
+                  <a:schemeClr val="accent1"/>
+                </a:effectRef>
+                <a:fontRef idx="minor">
+                  <a:schemeClr val="tx1"/>
+                </a:fontRef>
+              </p:style>
+            </p:cxnSp>
+            <p:cxnSp>
+              <p:nvCxnSpPr>
+                <p:cNvPr id="37" name="直線接點 36"/>
+                <p:cNvCxnSpPr/>
+                <p:nvPr/>
+              </p:nvCxnSpPr>
+              <p:spPr>
+                <a:xfrm flipH="1">
+                  <a:off x="3411776" y="2428662"/>
+                  <a:ext cx="500147" cy="0"/>
+                </a:xfrm>
+                <a:prstGeom prst="line">
+                  <a:avLst/>
+                </a:prstGeom>
+                <a:ln w="19050">
+                  <a:solidFill>
+                    <a:schemeClr val="tx1"/>
+                  </a:solidFill>
+                </a:ln>
+              </p:spPr>
+              <p:style>
+                <a:lnRef idx="1">
+                  <a:schemeClr val="accent1"/>
+                </a:lnRef>
+                <a:fillRef idx="0">
+                  <a:schemeClr val="accent1"/>
+                </a:fillRef>
+                <a:effectRef idx="0">
+                  <a:schemeClr val="accent1"/>
+                </a:effectRef>
+                <a:fontRef idx="minor">
+                  <a:schemeClr val="tx1"/>
+                </a:fontRef>
+              </p:style>
+            </p:cxnSp>
+            <p:cxnSp>
+              <p:nvCxnSpPr>
+                <p:cNvPr id="39" name="直線接點 38"/>
+                <p:cNvCxnSpPr/>
+                <p:nvPr/>
+              </p:nvCxnSpPr>
+              <p:spPr>
+                <a:xfrm flipH="1">
+                  <a:off x="3411775" y="4832640"/>
+                  <a:ext cx="500147" cy="0"/>
+                </a:xfrm>
+                <a:prstGeom prst="line">
+                  <a:avLst/>
+                </a:prstGeom>
+                <a:ln w="19050">
+                  <a:solidFill>
+                    <a:schemeClr val="tx1"/>
+                  </a:solidFill>
+                </a:ln>
+              </p:spPr>
+              <p:style>
+                <a:lnRef idx="1">
+                  <a:schemeClr val="accent1"/>
+                </a:lnRef>
+                <a:fillRef idx="0">
+                  <a:schemeClr val="accent1"/>
+                </a:fillRef>
+                <a:effectRef idx="0">
+                  <a:schemeClr val="accent1"/>
+                </a:effectRef>
+                <a:fontRef idx="minor">
+                  <a:schemeClr val="tx1"/>
+                </a:fontRef>
+              </p:style>
+            </p:cxnSp>
+            <p:sp>
+              <p:nvSpPr>
+                <p:cNvPr id="40" name="文字方塊 39"/>
+                <p:cNvSpPr txBox="1"/>
+                <p:nvPr/>
+              </p:nvSpPr>
+              <p:spPr>
+                <a:xfrm>
+                  <a:off x="3345625" y="2527683"/>
+                  <a:ext cx="367408" cy="2246769"/>
+                </a:xfrm>
+                <a:prstGeom prst="rect">
+                  <a:avLst/>
+                </a:prstGeom>
+                <a:noFill/>
+              </p:spPr>
+              <p:txBody>
+                <a:bodyPr wrap="none" rtlCol="0">
+                  <a:spAutoFit/>
+                </a:bodyPr>
+                <a:lstStyle/>
+                <a:p>
+                  <a:r>
+                    <a:rPr lang="zh-TW" altLang="en-US" sz="1400" dirty="0" smtClean="0"/>
+                    <a:t>每</a:t>
+                  </a:r>
+                  <a:endParaRPr lang="en-US" altLang="zh-TW" sz="1400" dirty="0" smtClean="0"/>
+                </a:p>
+                <a:p>
+                  <a:r>
+                    <a:rPr lang="en-US" altLang="zh-TW" sz="1400" dirty="0" smtClean="0"/>
+                    <a:t>10</a:t>
+                  </a:r>
+                </a:p>
+                <a:p>
+                  <a:r>
+                    <a:rPr lang="zh-TW" altLang="en-US" sz="1400" dirty="0" smtClean="0"/>
+                    <a:t>個</a:t>
+                  </a:r>
+                  <a:endParaRPr lang="en-US" altLang="zh-TW" sz="1400" dirty="0" smtClean="0"/>
+                </a:p>
+                <a:p>
+                  <a:r>
+                    <a:rPr lang="zh-TW" altLang="en-US" sz="1400" dirty="0" smtClean="0"/>
+                    <a:t>誘</a:t>
+                  </a:r>
+                  <a:endParaRPr lang="en-US" altLang="zh-TW" sz="1400" dirty="0" smtClean="0"/>
+                </a:p>
+                <a:p>
+                  <a:r>
+                    <a:rPr lang="zh-TW" altLang="en-US" sz="1400" dirty="0" smtClean="0"/>
+                    <a:t>卵</a:t>
+                  </a:r>
+                  <a:endParaRPr lang="en-US" altLang="zh-TW" sz="1400" dirty="0"/>
+                </a:p>
+                <a:p>
+                  <a:r>
+                    <a:rPr lang="zh-TW" altLang="en-US" sz="1400" dirty="0" smtClean="0"/>
+                    <a:t>桶</a:t>
+                  </a:r>
+                  <a:endParaRPr lang="en-US" altLang="zh-TW" sz="1400" dirty="0" smtClean="0"/>
+                </a:p>
+                <a:p>
+                  <a:r>
+                    <a:rPr lang="zh-TW" altLang="en-US" sz="1400" dirty="0" smtClean="0"/>
+                    <a:t>總</a:t>
+                  </a:r>
+                  <a:endParaRPr lang="en-US" altLang="zh-TW" sz="1400" dirty="0" smtClean="0"/>
+                </a:p>
+                <a:p>
+                  <a:r>
+                    <a:rPr lang="zh-TW" altLang="en-US" sz="1400" dirty="0" smtClean="0"/>
+                    <a:t>卵</a:t>
+                  </a:r>
+                  <a:endParaRPr lang="en-US" altLang="zh-TW" sz="1400" dirty="0"/>
+                </a:p>
+                <a:p>
+                  <a:r>
+                    <a:rPr lang="zh-TW" altLang="en-US" sz="1400" dirty="0" smtClean="0"/>
+                    <a:t>粒</a:t>
+                  </a:r>
+                  <a:endParaRPr lang="en-US" altLang="zh-TW" sz="1400" dirty="0" smtClean="0"/>
+                </a:p>
+                <a:p>
+                  <a:r>
+                    <a:rPr lang="zh-TW" altLang="en-US" sz="1400" dirty="0" smtClean="0"/>
+                    <a:t>數</a:t>
+                  </a:r>
+                  <a:endParaRPr lang="zh-TW" altLang="en-US" sz="1400" dirty="0"/>
+                </a:p>
+              </p:txBody>
+            </p:sp>
+          </p:grpSp>
         </p:grpSp>
+        <p:sp>
+          <p:nvSpPr>
+            <p:cNvPr id="19" name="矩形 18"/>
+            <p:cNvSpPr/>
+            <p:nvPr/>
+          </p:nvSpPr>
+          <p:spPr>
+            <a:xfrm>
+              <a:off x="3296167" y="1672309"/>
+              <a:ext cx="3864483" cy="3218519"/>
+            </a:xfrm>
+            <a:prstGeom prst="rect">
+              <a:avLst/>
+            </a:prstGeom>
+            <a:noFill/>
+          </p:spPr>
+          <p:style>
+            <a:lnRef idx="2">
+              <a:schemeClr val="accent1">
+                <a:shade val="50000"/>
+              </a:schemeClr>
+            </a:lnRef>
+            <a:fillRef idx="1">
+              <a:schemeClr val="accent1"/>
+            </a:fillRef>
+            <a:effectRef idx="0">
+              <a:schemeClr val="accent1"/>
+            </a:effectRef>
+            <a:fontRef idx="minor">
+              <a:schemeClr val="lt1"/>
+            </a:fontRef>
+          </p:style>
+          <p:txBody>
+            <a:bodyPr rtlCol="0" anchor="ctr"/>
+            <a:lstStyle/>
+            <a:p>
+              <a:pPr algn="ctr"/>
+              <a:endParaRPr lang="zh-TW" altLang="en-US"/>
+            </a:p>
+          </p:txBody>
+        </p:sp>
       </p:grpSp>
     </p:spTree>
     <p:extLst>
@@ -7736,18 +7803,431 @@
           <a:chExt cx="0" cy="0"/>
         </a:xfrm>
       </p:grpSpPr>
+      <p:sp>
+        <p:nvSpPr>
+          <p:cNvPr id="6" name="流程圖: 文件 5"/>
+          <p:cNvSpPr/>
+          <p:nvPr/>
+        </p:nvSpPr>
+        <p:spPr>
+          <a:xfrm>
+            <a:off x="700228" y="2287136"/>
+            <a:ext cx="1119352" cy="1355833"/>
+          </a:xfrm>
+          <a:prstGeom prst="flowChartDocument">
+            <a:avLst/>
+          </a:prstGeom>
+          <a:solidFill>
+            <a:srgbClr val="FFFF00"/>
+          </a:solidFill>
+        </p:spPr>
+        <p:style>
+          <a:lnRef idx="2">
+            <a:schemeClr val="accent1">
+              <a:shade val="50000"/>
+            </a:schemeClr>
+          </a:lnRef>
+          <a:fillRef idx="1">
+            <a:schemeClr val="accent1"/>
+          </a:fillRef>
+          <a:effectRef idx="0">
+            <a:schemeClr val="accent1"/>
+          </a:effectRef>
+          <a:fontRef idx="minor">
+            <a:schemeClr val="lt1"/>
+          </a:fontRef>
+        </p:style>
+        <p:txBody>
+          <a:bodyPr rtlCol="0" anchor="ctr"/>
+          <a:lstStyle/>
+          <a:p>
+            <a:pPr algn="ctr"/>
+            <a:r>
+              <a:rPr lang="zh-TW" altLang="en-US" dirty="0" smtClean="0">
+                <a:solidFill>
+                  <a:schemeClr val="tx1"/>
+                </a:solidFill>
+                <a:latin typeface="+mn-ea"/>
+              </a:rPr>
+              <a:t>病媒蚊密度指數</a:t>
+            </a:r>
+            <a:r>
+              <a:rPr lang="en-US" altLang="zh-TW" dirty="0" smtClean="0">
+                <a:solidFill>
+                  <a:schemeClr val="tx1"/>
+                </a:solidFill>
+                <a:latin typeface="+mn-ea"/>
+              </a:rPr>
+              <a:t>Data</a:t>
+            </a:r>
+            <a:endParaRPr lang="zh-TW" altLang="en-US" dirty="0">
+              <a:solidFill>
+                <a:schemeClr val="tx1"/>
+              </a:solidFill>
+              <a:latin typeface="+mn-ea"/>
+            </a:endParaRPr>
+          </a:p>
+        </p:txBody>
+      </p:sp>
+      <p:sp>
+        <p:nvSpPr>
+          <p:cNvPr id="7" name="流程圖: 文件 6"/>
+          <p:cNvSpPr/>
+          <p:nvPr/>
+        </p:nvSpPr>
+        <p:spPr>
+          <a:xfrm>
+            <a:off x="568179" y="3814931"/>
+            <a:ext cx="1119352" cy="993227"/>
+          </a:xfrm>
+          <a:prstGeom prst="flowChartDocument">
+            <a:avLst/>
+          </a:prstGeom>
+          <a:solidFill>
+            <a:srgbClr val="FFFF00"/>
+          </a:solidFill>
+        </p:spPr>
+        <p:style>
+          <a:lnRef idx="2">
+            <a:schemeClr val="accent1">
+              <a:shade val="50000"/>
+            </a:schemeClr>
+          </a:lnRef>
+          <a:fillRef idx="1">
+            <a:schemeClr val="accent1"/>
+          </a:fillRef>
+          <a:effectRef idx="0">
+            <a:schemeClr val="accent1"/>
+          </a:effectRef>
+          <a:fontRef idx="minor">
+            <a:schemeClr val="lt1"/>
+          </a:fontRef>
+        </p:style>
+        <p:txBody>
+          <a:bodyPr rtlCol="0" anchor="ctr"/>
+          <a:lstStyle/>
+          <a:p>
+            <a:pPr algn="ctr"/>
+            <a:r>
+              <a:rPr lang="zh-TW" altLang="en-US" dirty="0">
+                <a:solidFill>
+                  <a:schemeClr val="tx1"/>
+                </a:solidFill>
+                <a:latin typeface="+mn-ea"/>
+              </a:rPr>
+              <a:t>誘</a:t>
+            </a:r>
+            <a:r>
+              <a:rPr lang="zh-TW" altLang="en-US" dirty="0" smtClean="0">
+                <a:solidFill>
+                  <a:schemeClr val="tx1"/>
+                </a:solidFill>
+                <a:latin typeface="+mn-ea"/>
+              </a:rPr>
+              <a:t>卵桶指數</a:t>
+            </a:r>
+            <a:r>
+              <a:rPr lang="en-US" altLang="zh-TW" dirty="0" smtClean="0">
+                <a:solidFill>
+                  <a:schemeClr val="tx1"/>
+                </a:solidFill>
+                <a:latin typeface="+mn-ea"/>
+              </a:rPr>
+              <a:t>Data</a:t>
+            </a:r>
+            <a:endParaRPr lang="zh-TW" altLang="en-US" dirty="0">
+              <a:solidFill>
+                <a:schemeClr val="tx1"/>
+              </a:solidFill>
+              <a:latin typeface="+mn-ea"/>
+            </a:endParaRPr>
+          </a:p>
+        </p:txBody>
+      </p:sp>
+      <p:sp>
+        <p:nvSpPr>
+          <p:cNvPr id="8" name="流程圖: 文件 7"/>
+          <p:cNvSpPr/>
+          <p:nvPr/>
+        </p:nvSpPr>
+        <p:spPr>
+          <a:xfrm>
+            <a:off x="1035913" y="4808158"/>
+            <a:ext cx="1119352" cy="1755226"/>
+          </a:xfrm>
+          <a:prstGeom prst="flowChartDocument">
+            <a:avLst/>
+          </a:prstGeom>
+          <a:solidFill>
+            <a:schemeClr val="accent4">
+              <a:lumMod val="20000"/>
+              <a:lumOff val="80000"/>
+            </a:schemeClr>
+          </a:solidFill>
+        </p:spPr>
+        <p:style>
+          <a:lnRef idx="2">
+            <a:schemeClr val="accent1">
+              <a:shade val="50000"/>
+            </a:schemeClr>
+          </a:lnRef>
+          <a:fillRef idx="1">
+            <a:schemeClr val="accent1"/>
+          </a:fillRef>
+          <a:effectRef idx="0">
+            <a:schemeClr val="accent1"/>
+          </a:effectRef>
+          <a:fontRef idx="minor">
+            <a:schemeClr val="lt1"/>
+          </a:fontRef>
+        </p:style>
+        <p:txBody>
+          <a:bodyPr rtlCol="0" anchor="ctr"/>
+          <a:lstStyle/>
+          <a:p>
+            <a:pPr algn="ctr"/>
+            <a:r>
+              <a:rPr lang="zh-TW" altLang="en-US" dirty="0" smtClean="0">
+                <a:solidFill>
+                  <a:schemeClr val="tx1"/>
+                </a:solidFill>
+              </a:rPr>
+              <a:t>病媒蚊密度指數 </a:t>
+            </a:r>
+            <a:r>
+              <a:rPr lang="en-US" altLang="zh-TW" dirty="0" smtClean="0">
+                <a:solidFill>
+                  <a:schemeClr val="tx1"/>
+                </a:solidFill>
+              </a:rPr>
+              <a:t>+ </a:t>
+            </a:r>
+            <a:r>
+              <a:rPr lang="zh-TW" altLang="en-US" dirty="0" smtClean="0">
+                <a:solidFill>
+                  <a:schemeClr val="tx1"/>
+                </a:solidFill>
+              </a:rPr>
+              <a:t>誘卵桶</a:t>
+            </a:r>
+            <a:r>
+              <a:rPr lang="zh-TW" altLang="en-US" dirty="0">
+                <a:solidFill>
+                  <a:schemeClr val="tx1"/>
+                </a:solidFill>
+              </a:rPr>
+              <a:t>指數</a:t>
+            </a:r>
+            <a:r>
+              <a:rPr lang="en-US" altLang="zh-TW" dirty="0" smtClean="0">
+                <a:solidFill>
+                  <a:schemeClr val="tx1"/>
+                </a:solidFill>
+              </a:rPr>
+              <a:t>Data</a:t>
+            </a:r>
+            <a:endParaRPr lang="zh-TW" altLang="en-US" dirty="0">
+              <a:solidFill>
+                <a:schemeClr val="tx1"/>
+              </a:solidFill>
+            </a:endParaRPr>
+          </a:p>
+        </p:txBody>
+      </p:sp>
+      <p:sp>
+        <p:nvSpPr>
+          <p:cNvPr id="21" name="流程圖: 文件 20"/>
+          <p:cNvSpPr/>
+          <p:nvPr/>
+        </p:nvSpPr>
+        <p:spPr>
+          <a:xfrm>
+            <a:off x="9223155" y="2777650"/>
+            <a:ext cx="1119352" cy="885808"/>
+          </a:xfrm>
+          <a:prstGeom prst="flowChartDocument">
+            <a:avLst/>
+          </a:prstGeom>
+          <a:solidFill>
+            <a:schemeClr val="accent6">
+              <a:lumMod val="20000"/>
+              <a:lumOff val="80000"/>
+            </a:schemeClr>
+          </a:solidFill>
+        </p:spPr>
+        <p:style>
+          <a:lnRef idx="2">
+            <a:schemeClr val="accent1">
+              <a:shade val="50000"/>
+            </a:schemeClr>
+          </a:lnRef>
+          <a:fillRef idx="1">
+            <a:schemeClr val="accent1"/>
+          </a:fillRef>
+          <a:effectRef idx="0">
+            <a:schemeClr val="accent1"/>
+          </a:effectRef>
+          <a:fontRef idx="minor">
+            <a:schemeClr val="lt1"/>
+          </a:fontRef>
+        </p:style>
+        <p:txBody>
+          <a:bodyPr rtlCol="0" anchor="ctr"/>
+          <a:lstStyle/>
+          <a:p>
+            <a:pPr algn="ctr"/>
+            <a:r>
+              <a:rPr lang="zh-TW" altLang="en-US" dirty="0" smtClean="0">
+                <a:solidFill>
+                  <a:schemeClr val="tx1"/>
+                </a:solidFill>
+              </a:rPr>
+              <a:t>高密度</a:t>
+            </a:r>
+            <a:r>
+              <a:rPr lang="en-US" altLang="zh-TW" dirty="0" smtClean="0">
+                <a:solidFill>
+                  <a:schemeClr val="tx1"/>
+                </a:solidFill>
+              </a:rPr>
+              <a:t>Data</a:t>
+            </a:r>
+            <a:endParaRPr lang="zh-TW" altLang="en-US" dirty="0">
+              <a:solidFill>
+                <a:schemeClr val="tx1"/>
+              </a:solidFill>
+            </a:endParaRPr>
+          </a:p>
+        </p:txBody>
+      </p:sp>
+      <p:sp>
+        <p:nvSpPr>
+          <p:cNvPr id="22" name="流程圖: 文件 21"/>
+          <p:cNvSpPr/>
+          <p:nvPr/>
+        </p:nvSpPr>
+        <p:spPr>
+          <a:xfrm>
+            <a:off x="9271123" y="4311544"/>
+            <a:ext cx="1119352" cy="885808"/>
+          </a:xfrm>
+          <a:prstGeom prst="flowChartDocument">
+            <a:avLst/>
+          </a:prstGeom>
+          <a:solidFill>
+            <a:schemeClr val="accent6">
+              <a:lumMod val="20000"/>
+              <a:lumOff val="80000"/>
+            </a:schemeClr>
+          </a:solidFill>
+        </p:spPr>
+        <p:style>
+          <a:lnRef idx="2">
+            <a:schemeClr val="accent1">
+              <a:shade val="50000"/>
+            </a:schemeClr>
+          </a:lnRef>
+          <a:fillRef idx="1">
+            <a:schemeClr val="accent1"/>
+          </a:fillRef>
+          <a:effectRef idx="0">
+            <a:schemeClr val="accent1"/>
+          </a:effectRef>
+          <a:fontRef idx="minor">
+            <a:schemeClr val="lt1"/>
+          </a:fontRef>
+        </p:style>
+        <p:txBody>
+          <a:bodyPr rtlCol="0" anchor="ctr"/>
+          <a:lstStyle/>
+          <a:p>
+            <a:pPr algn="ctr"/>
+            <a:r>
+              <a:rPr lang="zh-TW" altLang="en-US" dirty="0">
+                <a:solidFill>
+                  <a:schemeClr val="tx1"/>
+                </a:solidFill>
+              </a:rPr>
+              <a:t>低</a:t>
+            </a:r>
+            <a:r>
+              <a:rPr lang="zh-TW" altLang="en-US" dirty="0" smtClean="0">
+                <a:solidFill>
+                  <a:schemeClr val="tx1"/>
+                </a:solidFill>
+              </a:rPr>
+              <a:t>密度</a:t>
+            </a:r>
+            <a:r>
+              <a:rPr lang="en-US" altLang="zh-TW" dirty="0" smtClean="0">
+                <a:solidFill>
+                  <a:schemeClr val="tx1"/>
+                </a:solidFill>
+              </a:rPr>
+              <a:t>Data</a:t>
+            </a:r>
+            <a:endParaRPr lang="zh-TW" altLang="en-US" dirty="0">
+              <a:solidFill>
+                <a:schemeClr val="tx1"/>
+              </a:solidFill>
+            </a:endParaRPr>
+          </a:p>
+        </p:txBody>
+      </p:sp>
+      <p:sp>
+        <p:nvSpPr>
+          <p:cNvPr id="35" name="文字方塊 34"/>
+          <p:cNvSpPr txBox="1"/>
+          <p:nvPr/>
+        </p:nvSpPr>
+        <p:spPr>
+          <a:xfrm>
+            <a:off x="1701510" y="511489"/>
+            <a:ext cx="2917786" cy="369332"/>
+          </a:xfrm>
+          <a:prstGeom prst="rect">
+            <a:avLst/>
+          </a:prstGeom>
+          <a:noFill/>
+        </p:spPr>
+        <p:txBody>
+          <a:bodyPr wrap="none" rtlCol="0">
+            <a:spAutoFit/>
+          </a:bodyPr>
+          <a:lstStyle/>
+          <a:p>
+            <a:r>
+              <a:rPr lang="zh-TW" altLang="en-US" dirty="0" smtClean="0"/>
+              <a:t>圖四：資料處理流程 </a:t>
+            </a:r>
+            <a:r>
+              <a:rPr lang="en-US" altLang="zh-TW" dirty="0" smtClean="0"/>
+              <a:t>(</a:t>
+            </a:r>
+            <a:r>
+              <a:rPr lang="zh-TW" altLang="en-US" dirty="0" smtClean="0"/>
+              <a:t>自製</a:t>
+            </a:r>
+            <a:r>
+              <a:rPr lang="en-US" altLang="zh-TW" dirty="0" smtClean="0"/>
+              <a:t>)</a:t>
+            </a:r>
+            <a:endParaRPr lang="zh-TW" altLang="en-US" dirty="0"/>
+          </a:p>
+        </p:txBody>
+      </p:sp>
       <p:grpSp>
         <p:nvGrpSpPr>
-          <p:cNvPr id="3" name="群組 2"/>
+          <p:cNvPr id="46" name="群組 45"/>
           <p:cNvGrpSpPr/>
           <p:nvPr/>
         </p:nvGrpSpPr>
         <p:grpSpPr>
           <a:xfrm>
-            <a:off x="2097434" y="1653910"/>
-            <a:ext cx="6121210" cy="2789604"/>
-            <a:chOff x="2097434" y="1653910"/>
-            <a:chExt cx="6121210" cy="2789604"/>
+            <a:off x="2083068" y="1653910"/>
+            <a:ext cx="6135576" cy="2789604"/>
+            <a:chOff x="2083068" y="1653910"/>
+            <a:chExt cx="6135576" cy="2789604"/>
           </a:xfrm>
         </p:grpSpPr>
         <p:sp>
@@ -7791,250 +8271,18 @@
             </a:p>
           </p:txBody>
         </p:sp>
-        <p:sp>
-          <p:nvSpPr>
-            <p:cNvPr id="6" name="流程圖: 文件 5"/>
-            <p:cNvSpPr/>
-            <p:nvPr/>
-          </p:nvSpPr>
-          <p:spPr>
-            <a:xfrm>
-              <a:off x="2207172" y="2065283"/>
-              <a:ext cx="1119352" cy="1355833"/>
-            </a:xfrm>
-            <a:prstGeom prst="flowChartDocument">
-              <a:avLst/>
-            </a:prstGeom>
-            <a:solidFill>
-              <a:srgbClr val="FFFF00"/>
-            </a:solidFill>
-          </p:spPr>
-          <p:style>
-            <a:lnRef idx="2">
-              <a:schemeClr val="accent1">
-                <a:shade val="50000"/>
-              </a:schemeClr>
-            </a:lnRef>
-            <a:fillRef idx="1">
-              <a:schemeClr val="accent1"/>
-            </a:fillRef>
-            <a:effectRef idx="0">
-              <a:schemeClr val="accent1"/>
-            </a:effectRef>
-            <a:fontRef idx="minor">
-              <a:schemeClr val="lt1"/>
-            </a:fontRef>
-          </p:style>
-          <p:txBody>
-            <a:bodyPr rtlCol="0" anchor="ctr"/>
-            <a:lstStyle/>
-            <a:p>
-              <a:pPr algn="ctr"/>
-              <a:r>
-                <a:rPr lang="zh-TW" altLang="en-US" dirty="0" smtClean="0">
-                  <a:solidFill>
-                    <a:schemeClr val="tx1"/>
-                  </a:solidFill>
-                  <a:latin typeface="+mn-ea"/>
-                </a:rPr>
-                <a:t>病媒蚊密度指數</a:t>
-              </a:r>
-              <a:r>
-                <a:rPr lang="en-US" altLang="zh-TW" dirty="0" smtClean="0">
-                  <a:solidFill>
-                    <a:schemeClr val="tx1"/>
-                  </a:solidFill>
-                  <a:latin typeface="+mn-ea"/>
-                </a:rPr>
-                <a:t>Data</a:t>
-              </a:r>
-              <a:endParaRPr lang="zh-TW" altLang="en-US" dirty="0">
-                <a:solidFill>
-                  <a:schemeClr val="tx1"/>
-                </a:solidFill>
-                <a:latin typeface="+mn-ea"/>
-              </a:endParaRPr>
-            </a:p>
-          </p:txBody>
-        </p:sp>
-        <p:sp>
-          <p:nvSpPr>
-            <p:cNvPr id="7" name="流程圖: 文件 6"/>
-            <p:cNvSpPr/>
-            <p:nvPr/>
-          </p:nvSpPr>
-          <p:spPr>
-            <a:xfrm>
-              <a:off x="2217709" y="3450287"/>
-              <a:ext cx="1119352" cy="993227"/>
-            </a:xfrm>
-            <a:prstGeom prst="flowChartDocument">
-              <a:avLst/>
-            </a:prstGeom>
-            <a:solidFill>
-              <a:srgbClr val="FFFF00"/>
-            </a:solidFill>
-          </p:spPr>
-          <p:style>
-            <a:lnRef idx="2">
-              <a:schemeClr val="accent1">
-                <a:shade val="50000"/>
-              </a:schemeClr>
-            </a:lnRef>
-            <a:fillRef idx="1">
-              <a:schemeClr val="accent1"/>
-            </a:fillRef>
-            <a:effectRef idx="0">
-              <a:schemeClr val="accent1"/>
-            </a:effectRef>
-            <a:fontRef idx="minor">
-              <a:schemeClr val="lt1"/>
-            </a:fontRef>
-          </p:style>
-          <p:txBody>
-            <a:bodyPr rtlCol="0" anchor="ctr"/>
-            <a:lstStyle/>
-            <a:p>
-              <a:pPr algn="ctr"/>
-              <a:r>
-                <a:rPr lang="zh-TW" altLang="en-US" dirty="0">
-                  <a:solidFill>
-                    <a:schemeClr val="tx1"/>
-                  </a:solidFill>
-                  <a:latin typeface="+mn-ea"/>
-                </a:rPr>
-                <a:t>誘</a:t>
-              </a:r>
-              <a:r>
-                <a:rPr lang="zh-TW" altLang="en-US" dirty="0" smtClean="0">
-                  <a:solidFill>
-                    <a:schemeClr val="tx1"/>
-                  </a:solidFill>
-                  <a:latin typeface="+mn-ea"/>
-                </a:rPr>
-                <a:t>卵桶指數</a:t>
-              </a:r>
-              <a:r>
-                <a:rPr lang="en-US" altLang="zh-TW" dirty="0" smtClean="0">
-                  <a:solidFill>
-                    <a:schemeClr val="tx1"/>
-                  </a:solidFill>
-                  <a:latin typeface="+mn-ea"/>
-                </a:rPr>
-                <a:t>Data</a:t>
-              </a:r>
-              <a:endParaRPr lang="zh-TW" altLang="en-US" dirty="0">
-                <a:solidFill>
-                  <a:schemeClr val="tx1"/>
-                </a:solidFill>
-                <a:latin typeface="+mn-ea"/>
-              </a:endParaRPr>
-            </a:p>
-          </p:txBody>
-        </p:sp>
-        <p:sp>
-          <p:nvSpPr>
-            <p:cNvPr id="8" name="流程圖: 文件 7"/>
-            <p:cNvSpPr/>
-            <p:nvPr/>
-          </p:nvSpPr>
-          <p:spPr>
-            <a:xfrm>
-              <a:off x="4619296" y="2398987"/>
-              <a:ext cx="1119352" cy="1755226"/>
-            </a:xfrm>
-            <a:prstGeom prst="flowChartDocument">
-              <a:avLst/>
-            </a:prstGeom>
-            <a:solidFill>
-              <a:schemeClr val="accent4">
-                <a:lumMod val="20000"/>
-                <a:lumOff val="80000"/>
-              </a:schemeClr>
-            </a:solidFill>
-          </p:spPr>
-          <p:style>
-            <a:lnRef idx="2">
-              <a:schemeClr val="accent1">
-                <a:shade val="50000"/>
-              </a:schemeClr>
-            </a:lnRef>
-            <a:fillRef idx="1">
-              <a:schemeClr val="accent1"/>
-            </a:fillRef>
-            <a:effectRef idx="0">
-              <a:schemeClr val="accent1"/>
-            </a:effectRef>
-            <a:fontRef idx="minor">
-              <a:schemeClr val="lt1"/>
-            </a:fontRef>
-          </p:style>
-          <p:txBody>
-            <a:bodyPr rtlCol="0" anchor="ctr"/>
-            <a:lstStyle/>
-            <a:p>
-              <a:pPr algn="ctr"/>
-              <a:r>
-                <a:rPr lang="zh-TW" altLang="en-US" dirty="0" smtClean="0">
-                  <a:solidFill>
-                    <a:schemeClr val="tx1"/>
-                  </a:solidFill>
-                </a:rPr>
-                <a:t>病媒蚊密度指數 </a:t>
-              </a:r>
-              <a:r>
-                <a:rPr lang="en-US" altLang="zh-TW" dirty="0" smtClean="0">
-                  <a:solidFill>
-                    <a:schemeClr val="tx1"/>
-                  </a:solidFill>
-                </a:rPr>
-                <a:t>+ </a:t>
-              </a:r>
-              <a:r>
-                <a:rPr lang="zh-TW" altLang="en-US" dirty="0" smtClean="0">
-                  <a:solidFill>
-                    <a:schemeClr val="tx1"/>
-                  </a:solidFill>
-                </a:rPr>
-                <a:t>誘卵桶</a:t>
-              </a:r>
-              <a:r>
-                <a:rPr lang="zh-TW" altLang="en-US" dirty="0">
-                  <a:solidFill>
-                    <a:schemeClr val="tx1"/>
-                  </a:solidFill>
-                </a:rPr>
-                <a:t>指數</a:t>
-              </a:r>
-              <a:r>
-                <a:rPr lang="en-US" altLang="zh-TW" dirty="0" smtClean="0">
-                  <a:solidFill>
-                    <a:schemeClr val="tx1"/>
-                  </a:solidFill>
-                </a:rPr>
-                <a:t>Data</a:t>
-              </a:r>
-              <a:endParaRPr lang="zh-TW" altLang="en-US" dirty="0">
-                <a:solidFill>
-                  <a:schemeClr val="tx1"/>
-                </a:solidFill>
-              </a:endParaRPr>
-            </a:p>
-          </p:txBody>
-        </p:sp>
         <p:cxnSp>
           <p:nvCxnSpPr>
             <p:cNvPr id="12" name="直線單箭頭接點 11"/>
             <p:cNvCxnSpPr>
-              <a:stCxn id="7" idx="3"/>
-              <a:endCxn id="8" idx="1"/>
+              <a:stCxn id="24" idx="3"/>
             </p:cNvCxnSpPr>
             <p:nvPr/>
           </p:nvCxnSpPr>
           <p:spPr>
             <a:xfrm flipV="1">
-              <a:off x="3337061" y="3276600"/>
-              <a:ext cx="1282235" cy="670301"/>
+              <a:off x="3297792" y="3522231"/>
+              <a:ext cx="1174530" cy="324749"/>
             </a:xfrm>
             <a:prstGeom prst="straightConnector1">
               <a:avLst/>
@@ -8064,15 +8312,13 @@
         <p:cxnSp>
           <p:nvCxnSpPr>
             <p:cNvPr id="13" name="直線單箭頭接點 12"/>
-            <p:cNvCxnSpPr>
-              <a:endCxn id="8" idx="1"/>
-            </p:cNvCxnSpPr>
+            <p:cNvCxnSpPr/>
             <p:nvPr/>
           </p:nvCxnSpPr>
           <p:spPr>
             <a:xfrm>
-              <a:off x="3326524" y="2743199"/>
-              <a:ext cx="1292772" cy="533401"/>
+              <a:off x="3333946" y="2724812"/>
+              <a:ext cx="1129856" cy="314624"/>
             </a:xfrm>
             <a:prstGeom prst="straightConnector1">
               <a:avLst/>
@@ -8181,7 +8427,7 @@
           </p:nvSpPr>
           <p:spPr>
             <a:xfrm>
-              <a:off x="2097434" y="1653910"/>
+              <a:off x="2083068" y="1783469"/>
               <a:ext cx="1338828" cy="369332"/>
             </a:xfrm>
             <a:prstGeom prst="rect">
@@ -8211,7 +8457,7 @@
           </p:nvSpPr>
           <p:spPr>
             <a:xfrm>
-              <a:off x="4376765" y="1903219"/>
+              <a:off x="4127994" y="1995585"/>
               <a:ext cx="1800493" cy="369332"/>
             </a:xfrm>
             <a:prstGeom prst="rect">
@@ -8234,146 +8480,6 @@
                 <a:t>1</a:t>
               </a:r>
               <a:endParaRPr lang="zh-TW" altLang="en-US" b="1" dirty="0"/>
-            </a:p>
-          </p:txBody>
-        </p:sp>
-        <p:sp>
-          <p:nvSpPr>
-            <p:cNvPr id="21" name="流程圖: 文件 20"/>
-            <p:cNvSpPr/>
-            <p:nvPr/>
-          </p:nvSpPr>
-          <p:spPr>
-            <a:xfrm>
-              <a:off x="6708227" y="2287136"/>
-              <a:ext cx="1119352" cy="885808"/>
-            </a:xfrm>
-            <a:prstGeom prst="flowChartDocument">
-              <a:avLst/>
-            </a:prstGeom>
-            <a:solidFill>
-              <a:schemeClr val="accent6">
-                <a:lumMod val="20000"/>
-                <a:lumOff val="80000"/>
-              </a:schemeClr>
-            </a:solidFill>
-          </p:spPr>
-          <p:style>
-            <a:lnRef idx="2">
-              <a:schemeClr val="accent1">
-                <a:shade val="50000"/>
-              </a:schemeClr>
-            </a:lnRef>
-            <a:fillRef idx="1">
-              <a:schemeClr val="accent1"/>
-            </a:fillRef>
-            <a:effectRef idx="0">
-              <a:schemeClr val="accent1"/>
-            </a:effectRef>
-            <a:fontRef idx="minor">
-              <a:schemeClr val="lt1"/>
-            </a:fontRef>
-          </p:style>
-          <p:txBody>
-            <a:bodyPr rtlCol="0" anchor="ctr"/>
-            <a:lstStyle/>
-            <a:p>
-              <a:pPr algn="ctr"/>
-              <a:r>
-                <a:rPr lang="zh-TW" altLang="en-US" dirty="0" smtClean="0">
-                  <a:solidFill>
-                    <a:schemeClr val="tx1"/>
-                  </a:solidFill>
-                </a:rPr>
-                <a:t>高密度</a:t>
-              </a:r>
-              <a:r>
-                <a:rPr lang="en-US" altLang="zh-TW" dirty="0" smtClean="0">
-                  <a:solidFill>
-                    <a:schemeClr val="tx1"/>
-                  </a:solidFill>
-                </a:rPr>
-                <a:t>Data</a:t>
-              </a:r>
-              <a:endParaRPr lang="zh-TW" altLang="en-US" dirty="0">
-                <a:solidFill>
-                  <a:schemeClr val="tx1"/>
-                </a:solidFill>
-              </a:endParaRPr>
-            </a:p>
-          </p:txBody>
-        </p:sp>
-        <p:sp>
-          <p:nvSpPr>
-            <p:cNvPr id="22" name="流程圖: 文件 21"/>
-            <p:cNvSpPr/>
-            <p:nvPr/>
-          </p:nvSpPr>
-          <p:spPr>
-            <a:xfrm>
-              <a:off x="6708227" y="3425737"/>
-              <a:ext cx="1119352" cy="885808"/>
-            </a:xfrm>
-            <a:prstGeom prst="flowChartDocument">
-              <a:avLst/>
-            </a:prstGeom>
-            <a:solidFill>
-              <a:schemeClr val="accent6">
-                <a:lumMod val="20000"/>
-                <a:lumOff val="80000"/>
-              </a:schemeClr>
-            </a:solidFill>
-          </p:spPr>
-          <p:style>
-            <a:lnRef idx="2">
-              <a:schemeClr val="accent1">
-                <a:shade val="50000"/>
-              </a:schemeClr>
-            </a:lnRef>
-            <a:fillRef idx="1">
-              <a:schemeClr val="accent1"/>
-            </a:fillRef>
-            <a:effectRef idx="0">
-              <a:schemeClr val="accent1"/>
-            </a:effectRef>
-            <a:fontRef idx="minor">
-              <a:schemeClr val="lt1"/>
-            </a:fontRef>
-          </p:style>
-          <p:txBody>
-            <a:bodyPr rtlCol="0" anchor="ctr"/>
-            <a:lstStyle/>
-            <a:p>
-              <a:pPr algn="ctr"/>
-              <a:r>
-                <a:rPr lang="zh-TW" altLang="en-US" dirty="0">
-                  <a:solidFill>
-                    <a:schemeClr val="tx1"/>
-                  </a:solidFill>
-                </a:rPr>
-                <a:t>低</a:t>
-              </a:r>
-              <a:r>
-                <a:rPr lang="zh-TW" altLang="en-US" dirty="0" smtClean="0">
-                  <a:solidFill>
-                    <a:schemeClr val="tx1"/>
-                  </a:solidFill>
-                </a:rPr>
-                <a:t>密度</a:t>
-              </a:r>
-              <a:r>
-                <a:rPr lang="en-US" altLang="zh-TW" dirty="0" smtClean="0">
-                  <a:solidFill>
-                    <a:schemeClr val="tx1"/>
-                  </a:solidFill>
-                </a:rPr>
-                <a:t>Data</a:t>
-              </a:r>
-              <a:endParaRPr lang="zh-TW" altLang="en-US" dirty="0">
-                <a:solidFill>
-                  <a:schemeClr val="tx1"/>
-                </a:solidFill>
-              </a:endParaRPr>
             </a:p>
           </p:txBody>
         </p:sp>
@@ -8415,14 +8521,14 @@
           <p:nvCxnSpPr>
             <p:cNvPr id="25" name="直線單箭頭接點 24"/>
             <p:cNvCxnSpPr>
-              <a:endCxn id="21" idx="1"/>
+              <a:endCxn id="41" idx="1"/>
             </p:cNvCxnSpPr>
             <p:nvPr/>
           </p:nvCxnSpPr>
           <p:spPr>
             <a:xfrm flipV="1">
-              <a:off x="5738648" y="2730040"/>
-              <a:ext cx="969579" cy="546560"/>
+              <a:off x="5533697" y="2722357"/>
+              <a:ext cx="1224993" cy="251888"/>
             </a:xfrm>
             <a:prstGeom prst="straightConnector1">
               <a:avLst/>
@@ -8453,15 +8559,14 @@
           <p:nvCxnSpPr>
             <p:cNvPr id="27" name="直線單箭頭接點 26"/>
             <p:cNvCxnSpPr>
-              <a:stCxn id="8" idx="3"/>
-              <a:endCxn id="22" idx="1"/>
+              <a:endCxn id="43" idx="1"/>
             </p:cNvCxnSpPr>
             <p:nvPr/>
           </p:nvCxnSpPr>
           <p:spPr>
             <a:xfrm>
-              <a:off x="5738648" y="3276600"/>
-              <a:ext cx="969579" cy="592041"/>
+              <a:off x="5533697" y="3663458"/>
+              <a:ext cx="1224993" cy="53284"/>
             </a:xfrm>
             <a:prstGeom prst="straightConnector1">
               <a:avLst/>
@@ -8496,7 +8601,7 @@
           </p:nvSpPr>
           <p:spPr>
             <a:xfrm>
-              <a:off x="5975158" y="2608305"/>
+              <a:off x="5907407" y="2791029"/>
               <a:ext cx="646331" cy="923330"/>
             </a:xfrm>
             <a:prstGeom prst="rect">
@@ -8553,49 +8658,374 @@
             </a:p>
           </p:txBody>
         </p:sp>
+        <p:sp>
+          <p:nvSpPr>
+            <p:cNvPr id="4" name="矩形 3"/>
+            <p:cNvSpPr/>
+            <p:nvPr/>
+          </p:nvSpPr>
+          <p:spPr>
+            <a:xfrm>
+              <a:off x="2207172" y="2196929"/>
+              <a:ext cx="1090620" cy="1055765"/>
+            </a:xfrm>
+            <a:prstGeom prst="rect">
+              <a:avLst/>
+            </a:prstGeom>
+            <a:solidFill>
+              <a:srgbClr val="FFFF99"/>
+            </a:solidFill>
+          </p:spPr>
+          <p:style>
+            <a:lnRef idx="2">
+              <a:schemeClr val="accent1">
+                <a:shade val="50000"/>
+              </a:schemeClr>
+            </a:lnRef>
+            <a:fillRef idx="1">
+              <a:schemeClr val="accent1"/>
+            </a:fillRef>
+            <a:effectRef idx="0">
+              <a:schemeClr val="accent1"/>
+            </a:effectRef>
+            <a:fontRef idx="minor">
+              <a:schemeClr val="lt1"/>
+            </a:fontRef>
+          </p:style>
+          <p:txBody>
+            <a:bodyPr rtlCol="0" anchor="ctr"/>
+            <a:lstStyle/>
+            <a:p>
+              <a:pPr algn="ctr"/>
+              <a:r>
+                <a:rPr lang="zh-TW" altLang="en-US" dirty="0">
+                  <a:solidFill>
+                    <a:schemeClr val="tx1"/>
+                  </a:solidFill>
+                  <a:latin typeface="+mn-ea"/>
+                </a:rPr>
+                <a:t>病媒蚊密度</a:t>
+              </a:r>
+              <a:r>
+                <a:rPr lang="zh-TW" altLang="en-US" dirty="0" smtClean="0">
+                  <a:solidFill>
+                    <a:schemeClr val="tx1"/>
+                  </a:solidFill>
+                  <a:latin typeface="+mn-ea"/>
+                </a:rPr>
+                <a:t>指數數</a:t>
+              </a:r>
+              <a:r>
+                <a:rPr lang="zh-TW" altLang="en-US" dirty="0">
+                  <a:solidFill>
+                    <a:schemeClr val="tx1"/>
+                  </a:solidFill>
+                  <a:latin typeface="+mn-ea"/>
+                </a:rPr>
+                <a:t>據</a:t>
+              </a:r>
+            </a:p>
+          </p:txBody>
+        </p:sp>
+        <p:sp>
+          <p:nvSpPr>
+            <p:cNvPr id="24" name="矩形 23"/>
+            <p:cNvSpPr/>
+            <p:nvPr/>
+          </p:nvSpPr>
+          <p:spPr>
+            <a:xfrm>
+              <a:off x="2207172" y="3340951"/>
+              <a:ext cx="1090620" cy="1012057"/>
+            </a:xfrm>
+            <a:prstGeom prst="rect">
+              <a:avLst/>
+            </a:prstGeom>
+            <a:solidFill>
+              <a:srgbClr val="FFFF99"/>
+            </a:solidFill>
+          </p:spPr>
+          <p:style>
+            <a:lnRef idx="2">
+              <a:schemeClr val="accent1">
+                <a:shade val="50000"/>
+              </a:schemeClr>
+            </a:lnRef>
+            <a:fillRef idx="1">
+              <a:schemeClr val="accent1"/>
+            </a:fillRef>
+            <a:effectRef idx="0">
+              <a:schemeClr val="accent1"/>
+            </a:effectRef>
+            <a:fontRef idx="minor">
+              <a:schemeClr val="lt1"/>
+            </a:fontRef>
+          </p:style>
+          <p:txBody>
+            <a:bodyPr rtlCol="0" anchor="ctr"/>
+            <a:lstStyle/>
+            <a:p>
+              <a:pPr algn="ctr"/>
+              <a:r>
+                <a:rPr lang="zh-TW" altLang="en-US" dirty="0">
+                  <a:solidFill>
+                    <a:schemeClr val="tx1"/>
+                  </a:solidFill>
+                  <a:latin typeface="+mn-ea"/>
+                </a:rPr>
+                <a:t>誘卵桶</a:t>
+              </a:r>
+              <a:r>
+                <a:rPr lang="zh-TW" altLang="en-US" dirty="0" smtClean="0">
+                  <a:solidFill>
+                    <a:schemeClr val="tx1"/>
+                  </a:solidFill>
+                  <a:latin typeface="+mn-ea"/>
+                </a:rPr>
+                <a:t>指數數</a:t>
+              </a:r>
+              <a:r>
+                <a:rPr lang="zh-TW" altLang="en-US" dirty="0">
+                  <a:solidFill>
+                    <a:schemeClr val="tx1"/>
+                  </a:solidFill>
+                  <a:latin typeface="+mn-ea"/>
+                </a:rPr>
+                <a:t>據</a:t>
+              </a:r>
+            </a:p>
+          </p:txBody>
+        </p:sp>
+        <p:sp>
+          <p:nvSpPr>
+            <p:cNvPr id="34" name="矩形 33"/>
+            <p:cNvSpPr/>
+            <p:nvPr/>
+          </p:nvSpPr>
+          <p:spPr>
+            <a:xfrm>
+              <a:off x="4443077" y="2506037"/>
+              <a:ext cx="1090620" cy="1509227"/>
+            </a:xfrm>
+            <a:prstGeom prst="rect">
+              <a:avLst/>
+            </a:prstGeom>
+            <a:solidFill>
+              <a:srgbClr val="FFCCFF"/>
+            </a:solidFill>
+          </p:spPr>
+          <p:style>
+            <a:lnRef idx="2">
+              <a:schemeClr val="accent1">
+                <a:shade val="50000"/>
+              </a:schemeClr>
+            </a:lnRef>
+            <a:fillRef idx="1">
+              <a:schemeClr val="accent1"/>
+            </a:fillRef>
+            <a:effectRef idx="0">
+              <a:schemeClr val="accent1"/>
+            </a:effectRef>
+            <a:fontRef idx="minor">
+              <a:schemeClr val="lt1"/>
+            </a:fontRef>
+          </p:style>
+          <p:txBody>
+            <a:bodyPr rtlCol="0" anchor="ctr"/>
+            <a:lstStyle/>
+            <a:p>
+              <a:pPr algn="ctr"/>
+              <a:r>
+                <a:rPr lang="zh-TW" altLang="en-US" dirty="0">
+                  <a:solidFill>
+                    <a:schemeClr val="tx1"/>
+                  </a:solidFill>
+                  <a:latin typeface="+mn-ea"/>
+                </a:rPr>
+                <a:t>病媒蚊密度</a:t>
+              </a:r>
+              <a:r>
+                <a:rPr lang="zh-TW" altLang="en-US" dirty="0" smtClean="0">
+                  <a:solidFill>
+                    <a:schemeClr val="tx1"/>
+                  </a:solidFill>
+                  <a:latin typeface="+mn-ea"/>
+                </a:rPr>
+                <a:t>指數數</a:t>
+              </a:r>
+              <a:r>
+                <a:rPr lang="zh-TW" altLang="en-US" dirty="0">
+                  <a:solidFill>
+                    <a:schemeClr val="tx1"/>
+                  </a:solidFill>
+                  <a:latin typeface="+mn-ea"/>
+                </a:rPr>
+                <a:t>據</a:t>
+              </a:r>
+            </a:p>
+          </p:txBody>
+        </p:sp>
+        <p:sp>
+          <p:nvSpPr>
+            <p:cNvPr id="41" name="矩形 40"/>
+            <p:cNvSpPr/>
+            <p:nvPr/>
+          </p:nvSpPr>
+          <p:spPr>
+            <a:xfrm>
+              <a:off x="6758690" y="2302268"/>
+              <a:ext cx="1090620" cy="840178"/>
+            </a:xfrm>
+            <a:prstGeom prst="rect">
+              <a:avLst/>
+            </a:prstGeom>
+            <a:solidFill>
+              <a:srgbClr val="CCECFF"/>
+            </a:solidFill>
+          </p:spPr>
+          <p:style>
+            <a:lnRef idx="2">
+              <a:schemeClr val="accent1">
+                <a:shade val="50000"/>
+              </a:schemeClr>
+            </a:lnRef>
+            <a:fillRef idx="1">
+              <a:schemeClr val="accent1"/>
+            </a:fillRef>
+            <a:effectRef idx="0">
+              <a:schemeClr val="accent1"/>
+            </a:effectRef>
+            <a:fontRef idx="minor">
+              <a:schemeClr val="lt1"/>
+            </a:fontRef>
+          </p:style>
+          <p:txBody>
+            <a:bodyPr rtlCol="0" anchor="ctr"/>
+            <a:lstStyle/>
+            <a:p>
+              <a:pPr algn="ctr"/>
+              <a:r>
+                <a:rPr lang="zh-TW" altLang="en-US" dirty="0">
+                  <a:solidFill>
+                    <a:schemeClr val="tx1"/>
+                  </a:solidFill>
+                </a:rPr>
+                <a:t>高</a:t>
+              </a:r>
+              <a:r>
+                <a:rPr lang="zh-TW" altLang="en-US" dirty="0" smtClean="0">
+                  <a:solidFill>
+                    <a:schemeClr val="tx1"/>
+                  </a:solidFill>
+                </a:rPr>
+                <a:t>密度</a:t>
+              </a:r>
+              <a:endParaRPr lang="en-US" altLang="zh-TW" dirty="0" smtClean="0">
+                <a:solidFill>
+                  <a:schemeClr val="tx1"/>
+                </a:solidFill>
+              </a:endParaRPr>
+            </a:p>
+            <a:p>
+              <a:pPr algn="ctr"/>
+              <a:r>
+                <a:rPr lang="zh-TW" altLang="en-US" dirty="0" smtClean="0">
+                  <a:solidFill>
+                    <a:schemeClr val="tx1"/>
+                  </a:solidFill>
+                  <a:latin typeface="+mn-ea"/>
+                </a:rPr>
+                <a:t>數</a:t>
+              </a:r>
+              <a:r>
+                <a:rPr lang="zh-TW" altLang="en-US" dirty="0">
+                  <a:solidFill>
+                    <a:schemeClr val="tx1"/>
+                  </a:solidFill>
+                  <a:latin typeface="+mn-ea"/>
+                </a:rPr>
+                <a:t>據</a:t>
+              </a:r>
+            </a:p>
+          </p:txBody>
+        </p:sp>
+        <p:sp>
+          <p:nvSpPr>
+            <p:cNvPr id="43" name="矩形 42"/>
+            <p:cNvSpPr/>
+            <p:nvPr/>
+          </p:nvSpPr>
+          <p:spPr>
+            <a:xfrm>
+              <a:off x="6758690" y="3296653"/>
+              <a:ext cx="1090620" cy="840178"/>
+            </a:xfrm>
+            <a:prstGeom prst="rect">
+              <a:avLst/>
+            </a:prstGeom>
+            <a:solidFill>
+              <a:srgbClr val="CCECFF"/>
+            </a:solidFill>
+          </p:spPr>
+          <p:style>
+            <a:lnRef idx="2">
+              <a:schemeClr val="accent1">
+                <a:shade val="50000"/>
+              </a:schemeClr>
+            </a:lnRef>
+            <a:fillRef idx="1">
+              <a:schemeClr val="accent1"/>
+            </a:fillRef>
+            <a:effectRef idx="0">
+              <a:schemeClr val="accent1"/>
+            </a:effectRef>
+            <a:fontRef idx="minor">
+              <a:schemeClr val="lt1"/>
+            </a:fontRef>
+          </p:style>
+          <p:txBody>
+            <a:bodyPr rtlCol="0" anchor="ctr"/>
+            <a:lstStyle/>
+            <a:p>
+              <a:pPr algn="ctr"/>
+              <a:r>
+                <a:rPr lang="zh-TW" altLang="en-US" dirty="0" smtClean="0">
+                  <a:solidFill>
+                    <a:schemeClr val="tx1"/>
+                  </a:solidFill>
+                </a:rPr>
+                <a:t>低密度</a:t>
+              </a:r>
+              <a:endParaRPr lang="en-US" altLang="zh-TW" dirty="0" smtClean="0">
+                <a:solidFill>
+                  <a:schemeClr val="tx1"/>
+                </a:solidFill>
+              </a:endParaRPr>
+            </a:p>
+            <a:p>
+              <a:pPr algn="ctr"/>
+              <a:r>
+                <a:rPr lang="zh-TW" altLang="en-US" dirty="0" smtClean="0">
+                  <a:solidFill>
+                    <a:schemeClr val="tx1"/>
+                  </a:solidFill>
+                  <a:latin typeface="+mn-ea"/>
+                </a:rPr>
+                <a:t>數</a:t>
+              </a:r>
+              <a:r>
+                <a:rPr lang="zh-TW" altLang="en-US" dirty="0">
+                  <a:solidFill>
+                    <a:schemeClr val="tx1"/>
+                  </a:solidFill>
+                  <a:latin typeface="+mn-ea"/>
+                </a:rPr>
+                <a:t>據</a:t>
+              </a:r>
+            </a:p>
+          </p:txBody>
+        </p:sp>
       </p:grpSp>
-      <p:sp>
-        <p:nvSpPr>
-          <p:cNvPr id="35" name="文字方塊 34"/>
-          <p:cNvSpPr txBox="1"/>
-          <p:nvPr/>
-        </p:nvSpPr>
-        <p:spPr>
-          <a:xfrm>
-            <a:off x="1701510" y="511489"/>
-            <a:ext cx="2917786" cy="369332"/>
-          </a:xfrm>
-          <a:prstGeom prst="rect">
-            <a:avLst/>
-          </a:prstGeom>
-          <a:noFill/>
-        </p:spPr>
-        <p:txBody>
-          <a:bodyPr wrap="none" rtlCol="0">
-            <a:spAutoFit/>
-          </a:bodyPr>
-          <a:lstStyle/>
-          <a:p>
-            <a:r>
-              <a:rPr lang="zh-TW" altLang="en-US" dirty="0" smtClean="0"/>
-              <a:t>圖四：資料處理流程 </a:t>
-            </a:r>
-            <a:r>
-              <a:rPr lang="en-US" altLang="zh-TW" dirty="0" smtClean="0"/>
-              <a:t>(</a:t>
-            </a:r>
-            <a:r>
-              <a:rPr lang="zh-TW" altLang="en-US" dirty="0" smtClean="0"/>
-              <a:t>自製</a:t>
-            </a:r>
-            <a:r>
-              <a:rPr lang="en-US" altLang="zh-TW" dirty="0" smtClean="0"/>
-              <a:t>)</a:t>
-            </a:r>
-            <a:endParaRPr lang="zh-TW" altLang="en-US" dirty="0"/>
-          </a:p>
-        </p:txBody>
-      </p:sp>
     </p:spTree>
     <p:extLst>
       <p:ext uri="{BB962C8B-B14F-4D97-AF65-F5344CB8AC3E}">
